--- a/slides/lec01_introduction.pptx
+++ b/slides/lec01_introduction.pptx
@@ -244,7 +244,7 @@
           <a:p>
             <a:fld id="{26C21ED3-A5B8-0F43-BEC8-3BB1C1D7A737}" type="datetimeFigureOut">
               <a:rPr lang="en-US" smtClean="0"/>
-              <a:t>1/30/18</a:t>
+              <a:t>2/2/18</a:t>
             </a:fld>
             <a:endParaRPr lang="en-US"/>
           </a:p>
@@ -743,7 +743,7 @@
           <a:p>
             <a:fld id="{ECF56177-CEF1-0141-836F-3867E7E9C1D8}" type="datetime1">
               <a:rPr lang="en-US" smtClean="0"/>
-              <a:t>1/30/18</a:t>
+              <a:t>2/2/18</a:t>
             </a:fld>
             <a:endParaRPr lang="en-US"/>
           </a:p>
@@ -913,7 +913,7 @@
           <a:p>
             <a:fld id="{4CDC8FB9-92E9-4C40-A76A-6D1CDAB665BB}" type="datetime1">
               <a:rPr lang="en-US" smtClean="0"/>
-              <a:t>1/30/18</a:t>
+              <a:t>2/2/18</a:t>
             </a:fld>
             <a:endParaRPr lang="en-US"/>
           </a:p>
@@ -1093,7 +1093,7 @@
           <a:p>
             <a:fld id="{F8F03505-CCE7-CA4C-B4F1-35193B6B5156}" type="datetime1">
               <a:rPr lang="en-US" smtClean="0"/>
-              <a:t>1/30/18</a:t>
+              <a:t>2/2/18</a:t>
             </a:fld>
             <a:endParaRPr lang="en-US"/>
           </a:p>
@@ -1263,7 +1263,7 @@
           <a:p>
             <a:fld id="{A02E57FB-CD21-0942-A714-152EC4568E9D}" type="datetime1">
               <a:rPr lang="en-US" smtClean="0"/>
-              <a:t>1/30/18</a:t>
+              <a:t>2/2/18</a:t>
             </a:fld>
             <a:endParaRPr lang="en-US"/>
           </a:p>
@@ -1507,7 +1507,7 @@
           <a:p>
             <a:fld id="{77AD2927-A654-D74D-A6C0-BF96EF7229C7}" type="datetime1">
               <a:rPr lang="en-US" smtClean="0"/>
-              <a:t>1/30/18</a:t>
+              <a:t>2/2/18</a:t>
             </a:fld>
             <a:endParaRPr lang="en-US"/>
           </a:p>
@@ -1739,7 +1739,7 @@
           <a:p>
             <a:fld id="{37B554B6-7788-2348-9289-7CAD598A9555}" type="datetime1">
               <a:rPr lang="en-US" smtClean="0"/>
-              <a:t>1/30/18</a:t>
+              <a:t>2/2/18</a:t>
             </a:fld>
             <a:endParaRPr lang="en-US"/>
           </a:p>
@@ -2106,7 +2106,7 @@
           <a:p>
             <a:fld id="{CCE331CB-FA13-3243-AD80-8733E43C7C1F}" type="datetime1">
               <a:rPr lang="en-US" smtClean="0"/>
-              <a:t>1/30/18</a:t>
+              <a:t>2/2/18</a:t>
             </a:fld>
             <a:endParaRPr lang="en-US"/>
           </a:p>
@@ -2224,7 +2224,7 @@
           <a:p>
             <a:fld id="{C0172A9A-4F1F-854A-9B1E-96AFCC4A9B03}" type="datetime1">
               <a:rPr lang="en-US" smtClean="0"/>
-              <a:t>1/30/18</a:t>
+              <a:t>2/2/18</a:t>
             </a:fld>
             <a:endParaRPr lang="en-US"/>
           </a:p>
@@ -2319,7 +2319,7 @@
           <a:p>
             <a:fld id="{2D504595-1B90-0F4A-A1D0-6609637EC4CD}" type="datetime1">
               <a:rPr lang="en-US" smtClean="0"/>
-              <a:t>1/30/18</a:t>
+              <a:t>2/2/18</a:t>
             </a:fld>
             <a:endParaRPr lang="en-US"/>
           </a:p>
@@ -2596,7 +2596,7 @@
           <a:p>
             <a:fld id="{F48EB26F-796F-BD4B-9EC5-A039FE9C305B}" type="datetime1">
               <a:rPr lang="en-US" smtClean="0"/>
-              <a:t>1/30/18</a:t>
+              <a:t>2/2/18</a:t>
             </a:fld>
             <a:endParaRPr lang="en-US"/>
           </a:p>
@@ -2853,7 +2853,7 @@
           <a:p>
             <a:fld id="{CDC2C28A-C946-0143-970B-84B8FE5654F4}" type="datetime1">
               <a:rPr lang="en-US" smtClean="0"/>
-              <a:t>1/30/18</a:t>
+              <a:t>2/2/18</a:t>
             </a:fld>
             <a:endParaRPr lang="en-US"/>
           </a:p>
@@ -3066,7 +3066,7 @@
           <a:p>
             <a:fld id="{A831EFE4-169C-9248-BC74-4797ECDAE130}" type="datetime1">
               <a:rPr lang="en-US" smtClean="0"/>
-              <a:t>1/30/18</a:t>
+              <a:t>2/2/18</a:t>
             </a:fld>
             <a:endParaRPr lang="en-US"/>
           </a:p>
@@ -3483,8 +3483,8 @@
         </p:nvSpPr>
         <p:spPr>
           <a:xfrm>
-            <a:off x="685800" y="847060"/>
-            <a:ext cx="7772400" cy="2387600"/>
+            <a:off x="685800" y="457200"/>
+            <a:ext cx="7772400" cy="2777460"/>
           </a:xfrm>
         </p:spPr>
         <p:txBody>
@@ -3494,15 +3494,33 @@
           <a:lstStyle/>
           <a:p>
             <a:r>
+              <a:rPr lang="en-US" sz="4800" smtClean="0"/>
+              <a:t>EN.601.414/614</a:t>
+            </a:r>
+            <a:br>
+              <a:rPr lang="en-US" sz="4800" smtClean="0"/>
+            </a:br>
+            <a:r>
+              <a:rPr lang="en-US" sz="4800" smtClean="0"/>
+              <a:t>Computer </a:t>
+            </a:r>
+            <a:r>
               <a:rPr lang="en-US" sz="4800" dirty="0" smtClean="0"/>
-              <a:t>EN.601.414/614</a:t>
+              <a:t>Networks</a:t>
             </a:r>
             <a:br>
               <a:rPr lang="en-US" sz="4800" dirty="0" smtClean="0"/>
             </a:br>
             <a:r>
               <a:rPr lang="en-US" sz="4800" dirty="0" smtClean="0"/>
-              <a:t>Computer Networks</a:t>
+              <a:t/>
+            </a:r>
+            <a:br>
+              <a:rPr lang="en-US" sz="4800" dirty="0" smtClean="0"/>
+            </a:br>
+            <a:r>
+              <a:rPr lang="en-US" sz="4800" dirty="0" smtClean="0"/>
+              <a:t>Introduction</a:t>
             </a:r>
             <a:endParaRPr lang="en-US" sz="4800" dirty="0"/>
           </a:p>
@@ -3546,11 +3564,15 @@
             </a:r>
             <a:r>
               <a:rPr lang="en-US" b="0" dirty="0" smtClean="0"/>
-              <a:t> 12:00-1:15pm in Shaffer 301</a:t>
-            </a:r>
-            <a:r>
-              <a:rPr lang="zh-CN" altLang="en-US" b="0" dirty="0" smtClean="0"/>
-              <a:t>）</a:t>
+              <a:t> 12:00-1:15pm in Shaffer </a:t>
+            </a:r>
+            <a:r>
+              <a:rPr lang="en-US" b="0" dirty="0" smtClean="0"/>
+              <a:t>301</a:t>
+            </a:r>
+            <a:r>
+              <a:rPr lang="en-US" b="0" dirty="0"/>
+              <a:t>)</a:t>
             </a:r>
             <a:endParaRPr lang="en-US" b="0" dirty="0" smtClean="0"/>
           </a:p>
@@ -25086,13 +25108,8 @@
             <a:pPr lvl="1"/>
             <a:r>
               <a:rPr lang="en-US" dirty="0" smtClean="0"/>
-              <a:t>Current research focuses on co-designing networks and distributed systems with new-generation programmable </a:t>
-            </a:r>
-            <a:r>
-              <a:rPr lang="en-US" dirty="0" smtClean="0"/>
-              <a:t>switches</a:t>
-            </a:r>
-            <a:endParaRPr lang="en-US" dirty="0" smtClean="0"/>
+              <a:t>Current research focuses on co-designing networks and distributed systems with new-generation programmable switches</a:t>
+            </a:r>
           </a:p>
           <a:p>
             <a:endParaRPr lang="en-US" dirty="0" smtClean="0"/>

--- a/slides/lec01_introduction.pptx
+++ b/slides/lec01_introduction.pptx
@@ -245,7 +245,7 @@
           <a:p>
             <a:fld id="{26C21ED3-A5B8-0F43-BEC8-3BB1C1D7A737}" type="datetimeFigureOut">
               <a:rPr lang="en-US" smtClean="0"/>
-              <a:t>1/27/19</a:t>
+              <a:t>1/28/19</a:t>
             </a:fld>
             <a:endParaRPr lang="en-US"/>
           </a:p>
@@ -613,6 +613,94 @@
 </p:notes>
 </file>
 
+<file path=ppt/notesSlides/notesSlide2.xml><?xml version="1.0" encoding="utf-8"?>
+<p:notes xmlns:a="http://schemas.openxmlformats.org/drawingml/2006/main" xmlns:r="http://schemas.openxmlformats.org/officeDocument/2006/relationships" xmlns:p="http://schemas.openxmlformats.org/presentationml/2006/main">
+  <p:cSld>
+    <p:spTree>
+      <p:nvGrpSpPr>
+        <p:cNvPr id="1" name=""/>
+        <p:cNvGrpSpPr/>
+        <p:nvPr/>
+      </p:nvGrpSpPr>
+      <p:grpSpPr>
+        <a:xfrm>
+          <a:off x="0" y="0"/>
+          <a:ext cx="0" cy="0"/>
+          <a:chOff x="0" y="0"/>
+          <a:chExt cx="0" cy="0"/>
+        </a:xfrm>
+      </p:grpSpPr>
+      <p:sp>
+        <p:nvSpPr>
+          <p:cNvPr id="2" name="Slide Image Placeholder 1"/>
+          <p:cNvSpPr>
+            <a:spLocks noGrp="1" noRot="1" noChangeAspect="1"/>
+          </p:cNvSpPr>
+          <p:nvPr>
+            <p:ph type="sldImg"/>
+          </p:nvPr>
+        </p:nvSpPr>
+        <p:spPr/>
+      </p:sp>
+      <p:sp>
+        <p:nvSpPr>
+          <p:cNvPr id="3" name="Notes Placeholder 2"/>
+          <p:cNvSpPr>
+            <a:spLocks noGrp="1"/>
+          </p:cNvSpPr>
+          <p:nvPr>
+            <p:ph type="body" idx="1"/>
+          </p:nvPr>
+        </p:nvSpPr>
+        <p:spPr/>
+        <p:txBody>
+          <a:bodyPr/>
+          <a:lstStyle/>
+          <a:p>
+            <a:r>
+              <a:rPr lang="en-US" dirty="0" smtClean="0"/>
+              <a:t>virtualization</a:t>
+            </a:r>
+            <a:endParaRPr lang="en-US" dirty="0"/>
+          </a:p>
+        </p:txBody>
+      </p:sp>
+      <p:sp>
+        <p:nvSpPr>
+          <p:cNvPr id="4" name="Slide Number Placeholder 3"/>
+          <p:cNvSpPr>
+            <a:spLocks noGrp="1"/>
+          </p:cNvSpPr>
+          <p:nvPr>
+            <p:ph type="sldNum" sz="quarter" idx="10"/>
+          </p:nvPr>
+        </p:nvSpPr>
+        <p:spPr/>
+        <p:txBody>
+          <a:bodyPr/>
+          <a:lstStyle/>
+          <a:p>
+            <a:fld id="{E341FF0E-6A16-9846-9D25-5326C9261782}" type="slidenum">
+              <a:rPr lang="en-US" smtClean="0"/>
+              <a:t>26</a:t>
+            </a:fld>
+            <a:endParaRPr lang="en-US"/>
+          </a:p>
+        </p:txBody>
+      </p:sp>
+    </p:spTree>
+    <p:extLst>
+      <p:ext uri="{BB962C8B-B14F-4D97-AF65-F5344CB8AC3E}">
+        <p14:creationId xmlns:p14="http://schemas.microsoft.com/office/powerpoint/2010/main" val="1842079046"/>
+      </p:ext>
+    </p:extLst>
+  </p:cSld>
+  <p:clrMapOvr>
+    <a:masterClrMapping/>
+  </p:clrMapOvr>
+</p:notes>
+</file>
+
 <file path=ppt/slideLayouts/slideLayout1.xml><?xml version="1.0" encoding="utf-8"?>
 <p:sldLayout xmlns:a="http://schemas.openxmlformats.org/drawingml/2006/main" xmlns:r="http://schemas.openxmlformats.org/officeDocument/2006/relationships" xmlns:p="http://schemas.openxmlformats.org/presentationml/2006/main" type="title" preserve="1">
   <p:cSld name="Title Slide">
@@ -744,7 +832,7 @@
           <a:p>
             <a:fld id="{ECF56177-CEF1-0141-836F-3867E7E9C1D8}" type="datetime1">
               <a:rPr lang="en-US" smtClean="0"/>
-              <a:t>1/27/19</a:t>
+              <a:t>1/28/19</a:t>
             </a:fld>
             <a:endParaRPr lang="en-US"/>
           </a:p>
@@ -914,7 +1002,7 @@
           <a:p>
             <a:fld id="{4CDC8FB9-92E9-4C40-A76A-6D1CDAB665BB}" type="datetime1">
               <a:rPr lang="en-US" smtClean="0"/>
-              <a:t>1/27/19</a:t>
+              <a:t>1/28/19</a:t>
             </a:fld>
             <a:endParaRPr lang="en-US"/>
           </a:p>
@@ -1094,7 +1182,7 @@
           <a:p>
             <a:fld id="{F8F03505-CCE7-CA4C-B4F1-35193B6B5156}" type="datetime1">
               <a:rPr lang="en-US" smtClean="0"/>
-              <a:t>1/27/19</a:t>
+              <a:t>1/28/19</a:t>
             </a:fld>
             <a:endParaRPr lang="en-US"/>
           </a:p>
@@ -1264,7 +1352,7 @@
           <a:p>
             <a:fld id="{A02E57FB-CD21-0942-A714-152EC4568E9D}" type="datetime1">
               <a:rPr lang="en-US" smtClean="0"/>
-              <a:t>1/27/19</a:t>
+              <a:t>1/28/19</a:t>
             </a:fld>
             <a:endParaRPr lang="en-US"/>
           </a:p>
@@ -1508,7 +1596,7 @@
           <a:p>
             <a:fld id="{77AD2927-A654-D74D-A6C0-BF96EF7229C7}" type="datetime1">
               <a:rPr lang="en-US" smtClean="0"/>
-              <a:t>1/27/19</a:t>
+              <a:t>1/28/19</a:t>
             </a:fld>
             <a:endParaRPr lang="en-US"/>
           </a:p>
@@ -1740,7 +1828,7 @@
           <a:p>
             <a:fld id="{37B554B6-7788-2348-9289-7CAD598A9555}" type="datetime1">
               <a:rPr lang="en-US" smtClean="0"/>
-              <a:t>1/27/19</a:t>
+              <a:t>1/28/19</a:t>
             </a:fld>
             <a:endParaRPr lang="en-US"/>
           </a:p>
@@ -2107,7 +2195,7 @@
           <a:p>
             <a:fld id="{CCE331CB-FA13-3243-AD80-8733E43C7C1F}" type="datetime1">
               <a:rPr lang="en-US" smtClean="0"/>
-              <a:t>1/27/19</a:t>
+              <a:t>1/28/19</a:t>
             </a:fld>
             <a:endParaRPr lang="en-US"/>
           </a:p>
@@ -2225,7 +2313,7 @@
           <a:p>
             <a:fld id="{C0172A9A-4F1F-854A-9B1E-96AFCC4A9B03}" type="datetime1">
               <a:rPr lang="en-US" smtClean="0"/>
-              <a:t>1/27/19</a:t>
+              <a:t>1/28/19</a:t>
             </a:fld>
             <a:endParaRPr lang="en-US"/>
           </a:p>
@@ -2320,7 +2408,7 @@
           <a:p>
             <a:fld id="{2D504595-1B90-0F4A-A1D0-6609637EC4CD}" type="datetime1">
               <a:rPr lang="en-US" smtClean="0"/>
-              <a:t>1/27/19</a:t>
+              <a:t>1/28/19</a:t>
             </a:fld>
             <a:endParaRPr lang="en-US"/>
           </a:p>
@@ -2597,7 +2685,7 @@
           <a:p>
             <a:fld id="{F48EB26F-796F-BD4B-9EC5-A039FE9C305B}" type="datetime1">
               <a:rPr lang="en-US" smtClean="0"/>
-              <a:t>1/27/19</a:t>
+              <a:t>1/28/19</a:t>
             </a:fld>
             <a:endParaRPr lang="en-US"/>
           </a:p>
@@ -2854,7 +2942,7 @@
           <a:p>
             <a:fld id="{CDC2C28A-C946-0143-970B-84B8FE5654F4}" type="datetime1">
               <a:rPr lang="en-US" smtClean="0"/>
-              <a:t>1/27/19</a:t>
+              <a:t>1/28/19</a:t>
             </a:fld>
             <a:endParaRPr lang="en-US"/>
           </a:p>
@@ -3067,7 +3155,7 @@
           <a:p>
             <a:fld id="{A831EFE4-169C-9248-BC74-4797ECDAE130}" type="datetime1">
               <a:rPr lang="en-US" smtClean="0"/>
-              <a:t>1/27/19</a:t>
+              <a:t>1/28/19</a:t>
             </a:fld>
             <a:endParaRPr lang="en-US"/>
           </a:p>
@@ -3557,23 +3645,7 @@
           <a:p>
             <a:r>
               <a:rPr lang="en-US" b="0" dirty="0" smtClean="0"/>
-              <a:t>Spring </a:t>
-            </a:r>
-            <a:r>
-              <a:rPr lang="en-US" b="0" dirty="0" smtClean="0"/>
-              <a:t>2019 (</a:t>
-            </a:r>
-            <a:r>
-              <a:rPr lang="en-US" b="0" dirty="0" smtClean="0"/>
-              <a:t>MW</a:t>
-            </a:r>
-            <a:r>
-              <a:rPr lang="en-US" b="0" dirty="0" smtClean="0"/>
-              <a:t> 3:00-4:15pm </a:t>
-            </a:r>
-            <a:r>
-              <a:rPr lang="en-US" b="0" dirty="0" smtClean="0"/>
-              <a:t>in Shaffer 301</a:t>
+              <a:t>Spring 2019 (MW 3:00-4:15pm in Shaffer 301</a:t>
             </a:r>
             <a:r>
               <a:rPr lang="en-US" b="0" dirty="0"/>
@@ -3948,15 +4020,7 @@
             <a:pPr lvl="1"/>
             <a:r>
               <a:rPr lang="is-IS" dirty="0" smtClean="0"/>
-              <a:t>E-mail, Facebook</a:t>
-            </a:r>
-            <a:r>
-              <a:rPr lang="is-IS" dirty="0" smtClean="0"/>
-              <a:t>, Twitter, </a:t>
-            </a:r>
-            <a:r>
-              <a:rPr lang="is-IS" dirty="0" smtClean="0"/>
-              <a:t>Instagram, </a:t>
+              <a:t>E-mail, Facebook, Twitter, Instagram, </a:t>
             </a:r>
             <a:r>
               <a:rPr lang="is-IS" dirty="0"/>
@@ -3964,11 +4028,7 @@
             </a:r>
             <a:r>
               <a:rPr lang="is-IS" dirty="0" smtClean="0"/>
-              <a:t>napchat, </a:t>
-            </a:r>
-            <a:r>
-              <a:rPr lang="is-IS" dirty="0" smtClean="0"/>
-              <a:t>...</a:t>
+              <a:t>napchat, ...</a:t>
             </a:r>
           </a:p>
           <a:p>
@@ -3994,13 +4054,8 @@
             <a:pPr lvl="1"/>
             <a:r>
               <a:rPr lang="is-IS" dirty="0" smtClean="0"/>
-              <a:t>Interstate commerce? National boundaries</a:t>
-            </a:r>
-            <a:r>
-              <a:rPr lang="is-IS" dirty="0" smtClean="0"/>
-              <a:t>? Smart contracts?</a:t>
-            </a:r>
-            <a:endParaRPr lang="is-IS" dirty="0" smtClean="0"/>
+              <a:t>Interstate commerce? National boundaries? Smart contracts?</a:t>
+            </a:r>
           </a:p>
           <a:p>
             <a:r>
@@ -4012,21 +4067,8 @@
             <a:pPr lvl="1"/>
             <a:r>
               <a:rPr lang="is-IS" dirty="0" smtClean="0"/>
-              <a:t>E-voting, </a:t>
-            </a:r>
-            <a:r>
-              <a:rPr lang="is-IS" dirty="0" smtClean="0"/>
-              <a:t>censorship</a:t>
-            </a:r>
-            <a:r>
-              <a:rPr lang="is-IS" dirty="0" smtClean="0"/>
-              <a:t>, </a:t>
-            </a:r>
-            <a:r>
-              <a:rPr lang="is-IS" dirty="0" smtClean="0"/>
-              <a:t>democratic organization on blockchain, ...</a:t>
-            </a:r>
-            <a:endParaRPr lang="is-IS" dirty="0" smtClean="0"/>
+              <a:t>E-voting, censorship, democratic organization on blockchain, ...</a:t>
+            </a:r>
           </a:p>
         </p:txBody>
       </p:sp>
@@ -16525,15 +16567,22 @@
           <a:p>
             <a:pPr algn="ctr" eaLnBrk="1" hangingPunct="1"/>
             <a:r>
-              <a:rPr lang="en-US" altLang="x-none" sz="2800" b="0" dirty="0">
+              <a:rPr lang="en-US" altLang="x-none" sz="2800" b="0" dirty="0" smtClean="0">
                 <a:solidFill>
                   <a:schemeClr val="accent5"/>
                 </a:solidFill>
                 <a:latin typeface="Arial" charset="0"/>
                 <a:sym typeface="Calibri" charset="0"/>
               </a:rPr>
-              <a:t>phone company</a:t>
-            </a:r>
+              <a:t>Google Fiber</a:t>
+            </a:r>
+            <a:endParaRPr lang="en-US" altLang="x-none" sz="2800" b="0" dirty="0">
+              <a:solidFill>
+                <a:schemeClr val="accent5"/>
+              </a:solidFill>
+              <a:latin typeface="Arial" charset="0"/>
+              <a:sym typeface="Calibri" charset="0"/>
+            </a:endParaRPr>
           </a:p>
         </p:txBody>
       </p:sp>
@@ -16694,15 +16743,22 @@
           <a:p>
             <a:pPr algn="ctr" eaLnBrk="1" hangingPunct="1"/>
             <a:r>
-              <a:rPr lang="en-US" altLang="x-none" sz="2800" b="0">
+              <a:rPr lang="en-US" altLang="x-none" sz="2800" b="0" dirty="0" smtClean="0">
                 <a:solidFill>
                   <a:schemeClr val="accent5"/>
                 </a:solidFill>
                 <a:latin typeface="Arial" charset="0"/>
                 <a:sym typeface="Calibri" charset="0"/>
               </a:rPr>
-              <a:t>cable company</a:t>
-            </a:r>
+              <a:t>AT&amp;T</a:t>
+            </a:r>
+            <a:endParaRPr lang="en-US" altLang="x-none" sz="2800" b="0" dirty="0">
+              <a:solidFill>
+                <a:schemeClr val="accent5"/>
+              </a:solidFill>
+              <a:latin typeface="Arial" charset="0"/>
+              <a:sym typeface="Calibri" charset="0"/>
+            </a:endParaRPr>
           </a:p>
         </p:txBody>
       </p:sp>
@@ -16863,15 +16919,22 @@
           <a:p>
             <a:pPr algn="ctr" eaLnBrk="1" hangingPunct="1"/>
             <a:r>
-              <a:rPr lang="en-US" altLang="x-none" sz="2800" b="0" dirty="0">
+              <a:rPr lang="en-US" altLang="x-none" sz="2800" b="0" dirty="0" smtClean="0">
                 <a:solidFill>
                   <a:schemeClr val="accent5"/>
                 </a:solidFill>
                 <a:latin typeface="Arial" charset="0"/>
                 <a:sym typeface="Calibri" charset="0"/>
               </a:rPr>
-              <a:t>university net</a:t>
-            </a:r>
+              <a:t>Comcast</a:t>
+            </a:r>
+            <a:endParaRPr lang="en-US" altLang="x-none" sz="2800" b="0" dirty="0">
+              <a:solidFill>
+                <a:schemeClr val="accent5"/>
+              </a:solidFill>
+              <a:latin typeface="Arial" charset="0"/>
+              <a:sym typeface="Calibri" charset="0"/>
+            </a:endParaRPr>
           </a:p>
         </p:txBody>
       </p:sp>
@@ -25453,14 +25516,14 @@
             <a:pPr lvl="1"/>
             <a:r>
               <a:rPr lang="en-US" dirty="0" smtClean="0"/>
-              <a:t>PhD in Computer Science from Princeton in 2016</a:t>
+              <a:t>PhD in Computer Science from Princeton in June 2016</a:t>
             </a:r>
           </a:p>
           <a:p>
             <a:pPr lvl="1"/>
             <a:r>
               <a:rPr lang="en-US" dirty="0" smtClean="0"/>
-              <a:t>On the Hopkins faculty since Summer 2017</a:t>
+              <a:t>On the Hopkins faculty since July 2017</a:t>
             </a:r>
           </a:p>
           <a:p>
@@ -25474,30 +25537,14 @@
             <a:pPr lvl="1"/>
             <a:r>
               <a:rPr lang="en-US" dirty="0" smtClean="0"/>
-              <a:t>Current </a:t>
-            </a:r>
+              <a:t>Current research</a:t>
+            </a:r>
+          </a:p>
+          <a:p>
+            <a:pPr lvl="2"/>
             <a:r>
               <a:rPr lang="en-US" dirty="0" smtClean="0"/>
-              <a:t>research</a:t>
-            </a:r>
-          </a:p>
-          <a:p>
-            <a:pPr lvl="2"/>
-            <a:r>
-              <a:rPr lang="en-US" dirty="0" smtClean="0"/>
-              <a:t>C</a:t>
-            </a:r>
-            <a:r>
-              <a:rPr lang="en-US" dirty="0" smtClean="0"/>
-              <a:t>o-design </a:t>
-            </a:r>
-            <a:r>
-              <a:rPr lang="en-US" dirty="0" smtClean="0"/>
-              <a:t>networks and distributed systems with new-generation programmable </a:t>
-            </a:r>
-            <a:r>
-              <a:rPr lang="en-US" dirty="0" smtClean="0"/>
-              <a:t>switches</a:t>
+              <a:t>Co-design networks and distributed systems with new-generation programmable switches</a:t>
             </a:r>
           </a:p>
           <a:p>
@@ -25520,7 +25567,6 @@
               <a:rPr lang="en-US" dirty="0" smtClean="0"/>
               <a:t>EN.601.714 Advanced Computer Networks (fall semester): exciting new developments of computer networks</a:t>
             </a:r>
-            <a:endParaRPr lang="en-US" dirty="0" smtClean="0"/>
           </a:p>
         </p:txBody>
       </p:sp>
@@ -25623,16 +25669,32 @@
           <a:lstStyle/>
           <a:p>
             <a:r>
+              <a:rPr lang="en-US" dirty="0" smtClean="0">
+                <a:solidFill>
+                  <a:schemeClr val="accent5"/>
+                </a:solidFill>
+              </a:rPr>
+              <a:t>4.2 </a:t>
+            </a:r>
+            <a:r>
               <a:rPr lang="en-US" dirty="0">
                 <a:solidFill>
                   <a:schemeClr val="accent5"/>
                 </a:solidFill>
               </a:rPr>
-              <a:t>3.5 Billion </a:t>
+              <a:t>Billion </a:t>
             </a:r>
             <a:r>
               <a:rPr lang="en-US" dirty="0"/>
-              <a:t>users (34% of world population</a:t>
+              <a:t>users </a:t>
+            </a:r>
+            <a:r>
+              <a:rPr lang="en-US" dirty="0" smtClean="0"/>
+              <a:t>(55% </a:t>
+            </a:r>
+            <a:r>
+              <a:rPr lang="en-US" dirty="0"/>
+              <a:t>of world population</a:t>
             </a:r>
             <a:r>
               <a:rPr lang="en-US" dirty="0" smtClean="0"/>
@@ -25694,7 +25756,23 @@
                   <a:schemeClr val="accent5"/>
                 </a:solidFill>
               </a:rPr>
-              <a:t>2 </a:t>
+              <a:t>2</a:t>
+            </a:r>
+            <a:r>
+              <a:rPr lang="en-US" altLang="zh-CN" dirty="0" smtClean="0">
+                <a:solidFill>
+                  <a:schemeClr val="accent5"/>
+                </a:solidFill>
+              </a:rPr>
+              <a:t>.5</a:t>
+            </a:r>
+            <a:r>
+              <a:rPr lang="en-US" dirty="0" smtClean="0">
+                <a:solidFill>
+                  <a:schemeClr val="accent5"/>
+                </a:solidFill>
+              </a:rPr>
+              <a:t> </a:t>
             </a:r>
             <a:r>
               <a:rPr lang="en-US" dirty="0">
@@ -25711,12 +25789,36 @@
           </a:p>
           <a:p>
             <a:r>
+              <a:rPr lang="en-US" altLang="zh-CN" dirty="0" smtClean="0">
+                <a:solidFill>
+                  <a:schemeClr val="accent5"/>
+                </a:solidFill>
+              </a:rPr>
+              <a:t>2</a:t>
+            </a:r>
+            <a:r>
               <a:rPr lang="en-US" dirty="0" smtClean="0">
                 <a:solidFill>
                   <a:schemeClr val="accent5"/>
                 </a:solidFill>
               </a:rPr>
-              <a:t>1.8 </a:t>
+              <a:t>.</a:t>
+            </a:r>
+            <a:r>
+              <a:rPr lang="en-US" altLang="zh-CN" dirty="0" smtClean="0">
+                <a:solidFill>
+                  <a:schemeClr val="accent5"/>
+                </a:solidFill>
+              </a:rPr>
+              <a:t>2</a:t>
+            </a:r>
+            <a:r>
+              <a:rPr lang="en-US" dirty="0" smtClean="0">
+                <a:solidFill>
+                  <a:schemeClr val="accent5"/>
+                </a:solidFill>
+              </a:rPr>
+              <a:t> </a:t>
             </a:r>
             <a:r>
               <a:rPr lang="en-US" dirty="0">
@@ -26760,15 +26862,33 @@
                                   </p:childTnLst>
                                 </p:cTn>
                               </p:par>
+                            </p:childTnLst>
+                          </p:cTn>
+                        </p:par>
+                      </p:childTnLst>
+                    </p:cTn>
+                  </p:par>
+                  <p:par>
+                    <p:cTn id="23" fill="hold">
+                      <p:stCondLst>
+                        <p:cond delay="indefinite"/>
+                      </p:stCondLst>
+                      <p:childTnLst>
+                        <p:par>
+                          <p:cTn id="24" fill="hold">
+                            <p:stCondLst>
+                              <p:cond delay="0"/>
+                            </p:stCondLst>
+                            <p:childTnLst>
                               <p:par>
-                                <p:cTn id="23" presetID="1" presetClass="entr" presetSubtype="0" fill="hold" grpId="0" nodeType="withEffect">
+                                <p:cTn id="25" presetID="1" presetClass="entr" presetSubtype="0" fill="hold" nodeType="clickEffect">
                                   <p:stCondLst>
                                     <p:cond delay="0"/>
                                   </p:stCondLst>
                                   <p:childTnLst>
                                     <p:set>
                                       <p:cBhvr>
-                                        <p:cTn id="24" dur="1" fill="hold">
+                                        <p:cTn id="26" dur="1" fill="hold">
                                           <p:stCondLst>
                                             <p:cond delay="0"/>
                                           </p:stCondLst>
@@ -26819,7 +26939,7 @@
       </p:par>
     </p:tnLst>
     <p:bldLst>
-      <p:bldP spid="3" grpId="0" build="p"/>
+      <p:bldP spid="3" grpId="0" uiExpand="1" build="p"/>
     </p:bldLst>
   </p:timing>
 </p:sld>
@@ -28314,7 +28434,15 @@
             <a:pPr lvl="1"/>
             <a:r>
               <a:rPr lang="en-US" dirty="0" smtClean="0"/>
-              <a:t>Based on Princeton COS 461 and </a:t>
+              <a:t>Standard network course (</a:t>
+            </a:r>
+            <a:r>
+              <a:rPr lang="en-US" smtClean="0"/>
+              <a:t>e.g., Princeton </a:t>
+            </a:r>
+            <a:r>
+              <a:rPr lang="en-US" dirty="0" smtClean="0"/>
+              <a:t>461 and </a:t>
             </a:r>
             <a:r>
               <a:rPr lang="en-US" dirty="0" err="1" smtClean="0"/>
@@ -28322,7 +28450,7 @@
             </a:r>
             <a:r>
               <a:rPr lang="en-US" dirty="0" smtClean="0"/>
-              <a:t> EECS 489</a:t>
+              <a:t> 489)</a:t>
             </a:r>
           </a:p>
           <a:p>
@@ -28482,11 +28610,7 @@
             <a:pPr lvl="1"/>
             <a:r>
               <a:rPr lang="en-US" dirty="0" smtClean="0"/>
-              <a:t>Midterm exam: March </a:t>
-            </a:r>
-            <a:r>
-              <a:rPr lang="en-US" dirty="0" smtClean="0"/>
-              <a:t>13</a:t>
+              <a:t>Midterm exam: March 13</a:t>
             </a:r>
             <a:endParaRPr lang="en-US" dirty="0"/>
           </a:p>
@@ -28603,11 +28727,7 @@
           <a:p>
             <a:r>
               <a:rPr lang="en-US" dirty="0" smtClean="0"/>
-              <a:t>Class participation: 5</a:t>
-            </a:r>
-            <a:r>
-              <a:rPr lang="en-US" dirty="0" smtClean="0"/>
-              <a:t>%</a:t>
+              <a:t>Class participation: 5%</a:t>
             </a:r>
           </a:p>
           <a:p>
@@ -28616,7 +28736,6 @@
               <a:rPr lang="en-US" dirty="0" smtClean="0"/>
               <a:t>Small quiz in class</a:t>
             </a:r>
-            <a:endParaRPr lang="en-US" dirty="0" smtClean="0"/>
           </a:p>
           <a:p>
             <a:r>
@@ -28921,27 +29040,15 @@
           <a:p>
             <a:r>
               <a:rPr lang="en-US" dirty="0" smtClean="0"/>
-              <a:t>Teaching assistant: </a:t>
+              <a:t>Teaching assistants: </a:t>
             </a:r>
             <a:r>
               <a:rPr lang="en-US" dirty="0" err="1" smtClean="0"/>
-              <a:t>Zhi</a:t>
-            </a:r>
-            <a:r>
-              <a:rPr lang="en-US" dirty="0" err="1" smtClean="0"/>
-              <a:t>hao</a:t>
+              <a:t>Zhihao</a:t>
             </a:r>
             <a:r>
               <a:rPr lang="en-US" dirty="0" smtClean="0"/>
-              <a:t> Bai, </a:t>
-            </a:r>
-            <a:r>
-              <a:rPr lang="en-US" dirty="0" smtClean="0"/>
-              <a:t>Hang </a:t>
-            </a:r>
-            <a:r>
-              <a:rPr lang="en-US" dirty="0" smtClean="0"/>
-              <a:t>Zhu</a:t>
+              <a:t> Bai, Hang Zhu</a:t>
             </a:r>
           </a:p>
           <a:p>
@@ -28964,11 +29071,7 @@
           <a:p>
             <a:r>
               <a:rPr lang="en-US" dirty="0" smtClean="0"/>
-              <a:t>Course assistants: </a:t>
-            </a:r>
-            <a:r>
-              <a:rPr lang="en-US" dirty="0" smtClean="0"/>
-              <a:t>TBD</a:t>
+              <a:t>Course assistants: TBD</a:t>
             </a:r>
             <a:endParaRPr lang="en-US" dirty="0"/>
           </a:p>
@@ -29254,13 +29357,8 @@
             <a:pPr lvl="1"/>
             <a:r>
               <a:rPr lang="en-US" dirty="0" smtClean="0"/>
-              <a:t>Link </a:t>
-            </a:r>
-            <a:r>
-              <a:rPr lang="en-US" dirty="0" smtClean="0"/>
-              <a:t>on course website</a:t>
-            </a:r>
-            <a:endParaRPr lang="zh-CN" altLang="en-US" dirty="0" smtClean="0"/>
+              <a:t>Link on course website</a:t>
+            </a:r>
           </a:p>
           <a:p>
             <a:endParaRPr lang="zh-CN" altLang="en-US" dirty="0"/>
@@ -29975,16 +30073,36 @@
             </a:r>
             <a:r>
               <a:rPr lang="en-US" dirty="0" smtClean="0"/>
-              <a:t>m (tentative)</a:t>
+              <a:t>m</a:t>
             </a:r>
           </a:p>
           <a:p>
             <a:r>
               <a:rPr lang="en-US" dirty="0" smtClean="0"/>
-              <a:t>Friday: 1-2pm (tentative)</a:t>
-            </a:r>
-          </a:p>
-          <a:p>
+              <a:t>Friday: </a:t>
+            </a:r>
+            <a:r>
+              <a:rPr lang="ru-RU" dirty="0" smtClean="0"/>
+              <a:t>4:</a:t>
+            </a:r>
+            <a:r>
+              <a:rPr lang="en-US" altLang="zh-CN" dirty="0" smtClean="0"/>
+              <a:t>15</a:t>
+            </a:r>
+            <a:r>
+              <a:rPr lang="ru-RU" dirty="0" smtClean="0"/>
+              <a:t>-5:15p</a:t>
+            </a:r>
+            <a:r>
+              <a:rPr lang="en-US" dirty="0" smtClean="0"/>
+              <a:t>m</a:t>
+            </a:r>
+          </a:p>
+          <a:p>
+            <a:r>
+              <a:rPr lang="en-US" dirty="0" smtClean="0"/>
+              <a:t>Tentative, starting next week</a:t>
+            </a:r>
             <a:endParaRPr lang="en-US" dirty="0"/>
           </a:p>
           <a:p>
@@ -29993,7 +30111,11 @@
           <a:p>
             <a:r>
               <a:rPr lang="en-US" dirty="0" smtClean="0"/>
-              <a:t>Location: Malone 235</a:t>
+              <a:t>Location</a:t>
+            </a:r>
+            <a:r>
+              <a:rPr lang="en-US" dirty="0" smtClean="0"/>
+              <a:t>: TBD</a:t>
             </a:r>
             <a:endParaRPr lang="en-US" dirty="0"/>
           </a:p>
@@ -32085,25 +32207,8 @@
             <a:pPr lvl="1"/>
             <a:r>
               <a:rPr lang="is-IS" dirty="0" smtClean="0"/>
-              <a:t>Apps: Web, </a:t>
-            </a:r>
-            <a:r>
-              <a:rPr lang="is-IS" dirty="0" smtClean="0"/>
-              <a:t>social </a:t>
-            </a:r>
-            <a:r>
-              <a:rPr lang="is-IS" dirty="0" smtClean="0"/>
-              <a:t>networks, </a:t>
-            </a:r>
-            <a:r>
-              <a:rPr lang="is-IS" dirty="0" smtClean="0"/>
-              <a:t>Bitcoin, blockchain, ...</a:t>
-            </a:r>
-            <a:r>
-              <a:rPr lang="is-IS" dirty="0" smtClean="0"/>
-              <a:t> </a:t>
-            </a:r>
-            <a:endParaRPr lang="is-IS" dirty="0" smtClean="0"/>
+              <a:t>Apps: Web, social networks, Bitcoin, blockchain, ... </a:t>
+            </a:r>
           </a:p>
           <a:p>
             <a:pPr lvl="1"/>

--- a/slides/lec01_introduction.pptx
+++ b/slides/lec01_introduction.pptx
@@ -5,7 +5,7 @@
     <p:sldMasterId id="2147483660" r:id="rId1"/>
   </p:sldMasterIdLst>
   <p:notesMasterIdLst>
-    <p:notesMasterId r:id="rId37"/>
+    <p:notesMasterId r:id="rId40"/>
   </p:notesMasterIdLst>
   <p:sldIdLst>
     <p:sldId id="256" r:id="rId2"/>
@@ -40,9 +40,12 @@
     <p:sldId id="349" r:id="rId31"/>
     <p:sldId id="350" r:id="rId32"/>
     <p:sldId id="352" r:id="rId33"/>
-    <p:sldId id="351" r:id="rId34"/>
-    <p:sldId id="353" r:id="rId35"/>
-    <p:sldId id="375" r:id="rId36"/>
+    <p:sldId id="380" r:id="rId34"/>
+    <p:sldId id="378" r:id="rId35"/>
+    <p:sldId id="379" r:id="rId36"/>
+    <p:sldId id="381" r:id="rId37"/>
+    <p:sldId id="353" r:id="rId38"/>
+    <p:sldId id="375" r:id="rId39"/>
   </p:sldIdLst>
   <p:sldSz cx="9144000" cy="6858000" type="screen4x3"/>
   <p:notesSz cx="6858000" cy="9144000"/>
@@ -245,7 +248,7 @@
           <a:p>
             <a:fld id="{26C21ED3-A5B8-0F43-BEC8-3BB1C1D7A737}" type="datetimeFigureOut">
               <a:rPr lang="en-US" smtClean="0"/>
-              <a:t>1/28/19</a:t>
+              <a:t>8/31/20</a:t>
             </a:fld>
             <a:endParaRPr lang="en-US"/>
           </a:p>
@@ -309,38 +312,37 @@
           <a:p>
             <a:pPr lvl="0"/>
             <a:r>
-              <a:rPr lang="en-US" smtClean="0"/>
+              <a:rPr lang="en-US"/>
               <a:t>Click to edit Master text styles</a:t>
             </a:r>
           </a:p>
           <a:p>
             <a:pPr lvl="1"/>
             <a:r>
-              <a:rPr lang="en-US" smtClean="0"/>
+              <a:rPr lang="en-US"/>
               <a:t>Second level</a:t>
             </a:r>
           </a:p>
           <a:p>
             <a:pPr lvl="2"/>
             <a:r>
-              <a:rPr lang="en-US" smtClean="0"/>
+              <a:rPr lang="en-US"/>
               <a:t>Third level</a:t>
             </a:r>
           </a:p>
           <a:p>
             <a:pPr lvl="3"/>
             <a:r>
-              <a:rPr lang="en-US" smtClean="0"/>
+              <a:rPr lang="en-US"/>
               <a:t>Fourth level</a:t>
             </a:r>
           </a:p>
           <a:p>
             <a:pPr lvl="4"/>
             <a:r>
-              <a:rPr lang="en-US" smtClean="0"/>
+              <a:rPr lang="en-US"/>
               <a:t>Fifth level</a:t>
             </a:r>
-            <a:endParaRPr lang="en-US"/>
           </a:p>
         </p:txBody>
       </p:sp>
@@ -558,19 +560,19 @@
           <a:lstStyle/>
           <a:p>
             <a:r>
-              <a:rPr lang="en-US" dirty="0" smtClean="0"/>
+              <a:rPr lang="en-US" dirty="0"/>
               <a:t>Slides</a:t>
             </a:r>
             <a:r>
-              <a:rPr lang="en-US" baseline="0" dirty="0" smtClean="0"/>
+              <a:rPr lang="en-US" baseline="0" dirty="0"/>
               <a:t> a</a:t>
             </a:r>
             <a:r>
-              <a:rPr lang="en-US" dirty="0" smtClean="0"/>
+              <a:rPr lang="en-US" dirty="0"/>
               <a:t>dapted from similar courses at Princeton,</a:t>
             </a:r>
             <a:r>
-              <a:rPr lang="en-US" baseline="0" dirty="0" smtClean="0"/>
+              <a:rPr lang="en-US" baseline="0" dirty="0"/>
               <a:t> Stanford, UC Berkeley, University of Michigan, etc.</a:t>
             </a:r>
             <a:endParaRPr lang="en-US" dirty="0"/>
@@ -658,10 +660,9 @@
           <a:lstStyle/>
           <a:p>
             <a:r>
-              <a:rPr lang="en-US" dirty="0" smtClean="0"/>
+              <a:rPr lang="en-US" dirty="0"/>
               <a:t>virtualization</a:t>
             </a:r>
-            <a:endParaRPr lang="en-US" dirty="0"/>
           </a:p>
         </p:txBody>
       </p:sp>
@@ -743,7 +744,7 @@
           </a:lstStyle>
           <a:p>
             <a:r>
-              <a:rPr lang="en-US" smtClean="0"/>
+              <a:rPr lang="en-US"/>
               <a:t>Click to edit Master title style</a:t>
             </a:r>
             <a:endParaRPr lang="en-US" dirty="0"/>
@@ -808,7 +809,7 @@
           </a:lstStyle>
           <a:p>
             <a:r>
-              <a:rPr lang="en-US" smtClean="0"/>
+              <a:rPr lang="en-US"/>
               <a:t>Click to edit Master subtitle style</a:t>
             </a:r>
             <a:endParaRPr lang="en-US" dirty="0"/>
@@ -832,7 +833,7 @@
           <a:p>
             <a:fld id="{ECF56177-CEF1-0141-836F-3867E7E9C1D8}" type="datetime1">
               <a:rPr lang="en-US" smtClean="0"/>
-              <a:t>1/28/19</a:t>
+              <a:t>8/31/20</a:t>
             </a:fld>
             <a:endParaRPr lang="en-US"/>
           </a:p>
@@ -926,7 +927,7 @@
           <a:lstStyle/>
           <a:p>
             <a:r>
-              <a:rPr lang="en-US" smtClean="0"/>
+              <a:rPr lang="en-US"/>
               <a:t>Click to edit Master title style</a:t>
             </a:r>
             <a:endParaRPr lang="en-US" dirty="0"/>
@@ -950,35 +951,35 @@
           <a:p>
             <a:pPr lvl="0"/>
             <a:r>
-              <a:rPr lang="en-US" smtClean="0"/>
+              <a:rPr lang="en-US"/>
               <a:t>Click to edit Master text styles</a:t>
             </a:r>
           </a:p>
           <a:p>
             <a:pPr lvl="1"/>
             <a:r>
-              <a:rPr lang="en-US" smtClean="0"/>
+              <a:rPr lang="en-US"/>
               <a:t>Second level</a:t>
             </a:r>
           </a:p>
           <a:p>
             <a:pPr lvl="2"/>
             <a:r>
-              <a:rPr lang="en-US" smtClean="0"/>
+              <a:rPr lang="en-US"/>
               <a:t>Third level</a:t>
             </a:r>
           </a:p>
           <a:p>
             <a:pPr lvl="3"/>
             <a:r>
-              <a:rPr lang="en-US" smtClean="0"/>
+              <a:rPr lang="en-US"/>
               <a:t>Fourth level</a:t>
             </a:r>
           </a:p>
           <a:p>
             <a:pPr lvl="4"/>
             <a:r>
-              <a:rPr lang="en-US" smtClean="0"/>
+              <a:rPr lang="en-US"/>
               <a:t>Fifth level</a:t>
             </a:r>
             <a:endParaRPr lang="en-US" dirty="0"/>
@@ -1002,7 +1003,7 @@
           <a:p>
             <a:fld id="{4CDC8FB9-92E9-4C40-A76A-6D1CDAB665BB}" type="datetime1">
               <a:rPr lang="en-US" smtClean="0"/>
-              <a:t>1/28/19</a:t>
+              <a:t>8/31/20</a:t>
             </a:fld>
             <a:endParaRPr lang="en-US"/>
           </a:p>
@@ -1101,7 +1102,7 @@
           <a:lstStyle/>
           <a:p>
             <a:r>
-              <a:rPr lang="en-US" smtClean="0"/>
+              <a:rPr lang="en-US"/>
               <a:t>Click to edit Master title style</a:t>
             </a:r>
             <a:endParaRPr lang="en-US" dirty="0"/>
@@ -1130,35 +1131,35 @@
           <a:p>
             <a:pPr lvl="0"/>
             <a:r>
-              <a:rPr lang="en-US" smtClean="0"/>
+              <a:rPr lang="en-US"/>
               <a:t>Click to edit Master text styles</a:t>
             </a:r>
           </a:p>
           <a:p>
             <a:pPr lvl="1"/>
             <a:r>
-              <a:rPr lang="en-US" smtClean="0"/>
+              <a:rPr lang="en-US"/>
               <a:t>Second level</a:t>
             </a:r>
           </a:p>
           <a:p>
             <a:pPr lvl="2"/>
             <a:r>
-              <a:rPr lang="en-US" smtClean="0"/>
+              <a:rPr lang="en-US"/>
               <a:t>Third level</a:t>
             </a:r>
           </a:p>
           <a:p>
             <a:pPr lvl="3"/>
             <a:r>
-              <a:rPr lang="en-US" smtClean="0"/>
+              <a:rPr lang="en-US"/>
               <a:t>Fourth level</a:t>
             </a:r>
           </a:p>
           <a:p>
             <a:pPr lvl="4"/>
             <a:r>
-              <a:rPr lang="en-US" smtClean="0"/>
+              <a:rPr lang="en-US"/>
               <a:t>Fifth level</a:t>
             </a:r>
             <a:endParaRPr lang="en-US" dirty="0"/>
@@ -1182,7 +1183,7 @@
           <a:p>
             <a:fld id="{F8F03505-CCE7-CA4C-B4F1-35193B6B5156}" type="datetime1">
               <a:rPr lang="en-US" smtClean="0"/>
-              <a:t>1/28/19</a:t>
+              <a:t>8/31/20</a:t>
             </a:fld>
             <a:endParaRPr lang="en-US"/>
           </a:p>
@@ -1276,7 +1277,7 @@
           <a:lstStyle/>
           <a:p>
             <a:r>
-              <a:rPr lang="en-US" smtClean="0"/>
+              <a:rPr lang="en-US"/>
               <a:t>Click to edit Master title style</a:t>
             </a:r>
             <a:endParaRPr lang="en-US" dirty="0"/>
@@ -1300,35 +1301,35 @@
           <a:p>
             <a:pPr lvl="0"/>
             <a:r>
-              <a:rPr lang="en-US" smtClean="0"/>
+              <a:rPr lang="en-US"/>
               <a:t>Click to edit Master text styles</a:t>
             </a:r>
           </a:p>
           <a:p>
             <a:pPr lvl="1"/>
             <a:r>
-              <a:rPr lang="en-US" smtClean="0"/>
+              <a:rPr lang="en-US"/>
               <a:t>Second level</a:t>
             </a:r>
           </a:p>
           <a:p>
             <a:pPr lvl="2"/>
             <a:r>
-              <a:rPr lang="en-US" smtClean="0"/>
+              <a:rPr lang="en-US"/>
               <a:t>Third level</a:t>
             </a:r>
           </a:p>
           <a:p>
             <a:pPr lvl="3"/>
             <a:r>
-              <a:rPr lang="en-US" smtClean="0"/>
+              <a:rPr lang="en-US"/>
               <a:t>Fourth level</a:t>
             </a:r>
           </a:p>
           <a:p>
             <a:pPr lvl="4"/>
             <a:r>
-              <a:rPr lang="en-US" smtClean="0"/>
+              <a:rPr lang="en-US"/>
               <a:t>Fifth level</a:t>
             </a:r>
             <a:endParaRPr lang="en-US" dirty="0"/>
@@ -1352,7 +1353,7 @@
           <a:p>
             <a:fld id="{A02E57FB-CD21-0942-A714-152EC4568E9D}" type="datetime1">
               <a:rPr lang="en-US" smtClean="0"/>
-              <a:t>1/28/19</a:t>
+              <a:t>8/31/20</a:t>
             </a:fld>
             <a:endParaRPr lang="en-US"/>
           </a:p>
@@ -1455,7 +1456,7 @@
           </a:lstStyle>
           <a:p>
             <a:r>
-              <a:rPr lang="en-US" smtClean="0"/>
+              <a:rPr lang="en-US"/>
               <a:t>Click to edit Master title style</a:t>
             </a:r>
             <a:endParaRPr lang="en-US" dirty="0"/>
@@ -1573,7 +1574,7 @@
           <a:p>
             <a:pPr lvl="0"/>
             <a:r>
-              <a:rPr lang="en-US" smtClean="0"/>
+              <a:rPr lang="en-US"/>
               <a:t>Click to edit Master text styles</a:t>
             </a:r>
           </a:p>
@@ -1596,7 +1597,7 @@
           <a:p>
             <a:fld id="{77AD2927-A654-D74D-A6C0-BF96EF7229C7}" type="datetime1">
               <a:rPr lang="en-US" smtClean="0"/>
-              <a:t>1/28/19</a:t>
+              <a:t>8/31/20</a:t>
             </a:fld>
             <a:endParaRPr lang="en-US"/>
           </a:p>
@@ -1690,7 +1691,7 @@
           <a:lstStyle/>
           <a:p>
             <a:r>
-              <a:rPr lang="en-US" smtClean="0"/>
+              <a:rPr lang="en-US"/>
               <a:t>Click to edit Master title style</a:t>
             </a:r>
             <a:endParaRPr lang="en-US" dirty="0"/>
@@ -1719,35 +1720,35 @@
           <a:p>
             <a:pPr lvl="0"/>
             <a:r>
-              <a:rPr lang="en-US" smtClean="0"/>
+              <a:rPr lang="en-US"/>
               <a:t>Click to edit Master text styles</a:t>
             </a:r>
           </a:p>
           <a:p>
             <a:pPr lvl="1"/>
             <a:r>
-              <a:rPr lang="en-US" smtClean="0"/>
+              <a:rPr lang="en-US"/>
               <a:t>Second level</a:t>
             </a:r>
           </a:p>
           <a:p>
             <a:pPr lvl="2"/>
             <a:r>
-              <a:rPr lang="en-US" smtClean="0"/>
+              <a:rPr lang="en-US"/>
               <a:t>Third level</a:t>
             </a:r>
           </a:p>
           <a:p>
             <a:pPr lvl="3"/>
             <a:r>
-              <a:rPr lang="en-US" smtClean="0"/>
+              <a:rPr lang="en-US"/>
               <a:t>Fourth level</a:t>
             </a:r>
           </a:p>
           <a:p>
             <a:pPr lvl="4"/>
             <a:r>
-              <a:rPr lang="en-US" smtClean="0"/>
+              <a:rPr lang="en-US"/>
               <a:t>Fifth level</a:t>
             </a:r>
             <a:endParaRPr lang="en-US" dirty="0"/>
@@ -1776,35 +1777,35 @@
           <a:p>
             <a:pPr lvl="0"/>
             <a:r>
-              <a:rPr lang="en-US" smtClean="0"/>
+              <a:rPr lang="en-US"/>
               <a:t>Click to edit Master text styles</a:t>
             </a:r>
           </a:p>
           <a:p>
             <a:pPr lvl="1"/>
             <a:r>
-              <a:rPr lang="en-US" smtClean="0"/>
+              <a:rPr lang="en-US"/>
               <a:t>Second level</a:t>
             </a:r>
           </a:p>
           <a:p>
             <a:pPr lvl="2"/>
             <a:r>
-              <a:rPr lang="en-US" smtClean="0"/>
+              <a:rPr lang="en-US"/>
               <a:t>Third level</a:t>
             </a:r>
           </a:p>
           <a:p>
             <a:pPr lvl="3"/>
             <a:r>
-              <a:rPr lang="en-US" smtClean="0"/>
+              <a:rPr lang="en-US"/>
               <a:t>Fourth level</a:t>
             </a:r>
           </a:p>
           <a:p>
             <a:pPr lvl="4"/>
             <a:r>
-              <a:rPr lang="en-US" smtClean="0"/>
+              <a:rPr lang="en-US"/>
               <a:t>Fifth level</a:t>
             </a:r>
             <a:endParaRPr lang="en-US" dirty="0"/>
@@ -1828,7 +1829,7 @@
           <a:p>
             <a:fld id="{37B554B6-7788-2348-9289-7CAD598A9555}" type="datetime1">
               <a:rPr lang="en-US" smtClean="0"/>
-              <a:t>1/28/19</a:t>
+              <a:t>8/31/20</a:t>
             </a:fld>
             <a:endParaRPr lang="en-US"/>
           </a:p>
@@ -1927,7 +1928,7 @@
           <a:lstStyle/>
           <a:p>
             <a:r>
-              <a:rPr lang="en-US" smtClean="0"/>
+              <a:rPr lang="en-US"/>
               <a:t>Click to edit Master title style</a:t>
             </a:r>
             <a:endParaRPr lang="en-US" dirty="0"/>
@@ -1993,7 +1994,7 @@
           <a:p>
             <a:pPr lvl="0"/>
             <a:r>
-              <a:rPr lang="en-US" smtClean="0"/>
+              <a:rPr lang="en-US"/>
               <a:t>Click to edit Master text styles</a:t>
             </a:r>
           </a:p>
@@ -2021,35 +2022,35 @@
           <a:p>
             <a:pPr lvl="0"/>
             <a:r>
-              <a:rPr lang="en-US" smtClean="0"/>
+              <a:rPr lang="en-US"/>
               <a:t>Click to edit Master text styles</a:t>
             </a:r>
           </a:p>
           <a:p>
             <a:pPr lvl="1"/>
             <a:r>
-              <a:rPr lang="en-US" smtClean="0"/>
+              <a:rPr lang="en-US"/>
               <a:t>Second level</a:t>
             </a:r>
           </a:p>
           <a:p>
             <a:pPr lvl="2"/>
             <a:r>
-              <a:rPr lang="en-US" smtClean="0"/>
+              <a:rPr lang="en-US"/>
               <a:t>Third level</a:t>
             </a:r>
           </a:p>
           <a:p>
             <a:pPr lvl="3"/>
             <a:r>
-              <a:rPr lang="en-US" smtClean="0"/>
+              <a:rPr lang="en-US"/>
               <a:t>Fourth level</a:t>
             </a:r>
           </a:p>
           <a:p>
             <a:pPr lvl="4"/>
             <a:r>
-              <a:rPr lang="en-US" smtClean="0"/>
+              <a:rPr lang="en-US"/>
               <a:t>Fifth level</a:t>
             </a:r>
             <a:endParaRPr lang="en-US" dirty="0"/>
@@ -2115,7 +2116,7 @@
           <a:p>
             <a:pPr lvl="0"/>
             <a:r>
-              <a:rPr lang="en-US" smtClean="0"/>
+              <a:rPr lang="en-US"/>
               <a:t>Click to edit Master text styles</a:t>
             </a:r>
           </a:p>
@@ -2143,35 +2144,35 @@
           <a:p>
             <a:pPr lvl="0"/>
             <a:r>
-              <a:rPr lang="en-US" smtClean="0"/>
+              <a:rPr lang="en-US"/>
               <a:t>Click to edit Master text styles</a:t>
             </a:r>
           </a:p>
           <a:p>
             <a:pPr lvl="1"/>
             <a:r>
-              <a:rPr lang="en-US" smtClean="0"/>
+              <a:rPr lang="en-US"/>
               <a:t>Second level</a:t>
             </a:r>
           </a:p>
           <a:p>
             <a:pPr lvl="2"/>
             <a:r>
-              <a:rPr lang="en-US" smtClean="0"/>
+              <a:rPr lang="en-US"/>
               <a:t>Third level</a:t>
             </a:r>
           </a:p>
           <a:p>
             <a:pPr lvl="3"/>
             <a:r>
-              <a:rPr lang="en-US" smtClean="0"/>
+              <a:rPr lang="en-US"/>
               <a:t>Fourth level</a:t>
             </a:r>
           </a:p>
           <a:p>
             <a:pPr lvl="4"/>
             <a:r>
-              <a:rPr lang="en-US" smtClean="0"/>
+              <a:rPr lang="en-US"/>
               <a:t>Fifth level</a:t>
             </a:r>
             <a:endParaRPr lang="en-US" dirty="0"/>
@@ -2195,7 +2196,7 @@
           <a:p>
             <a:fld id="{CCE331CB-FA13-3243-AD80-8733E43C7C1F}" type="datetime1">
               <a:rPr lang="en-US" smtClean="0"/>
-              <a:t>1/28/19</a:t>
+              <a:t>8/31/20</a:t>
             </a:fld>
             <a:endParaRPr lang="en-US"/>
           </a:p>
@@ -2289,7 +2290,7 @@
           <a:lstStyle/>
           <a:p>
             <a:r>
-              <a:rPr lang="en-US" smtClean="0"/>
+              <a:rPr lang="en-US"/>
               <a:t>Click to edit Master title style</a:t>
             </a:r>
             <a:endParaRPr lang="en-US" dirty="0"/>
@@ -2313,7 +2314,7 @@
           <a:p>
             <a:fld id="{C0172A9A-4F1F-854A-9B1E-96AFCC4A9B03}" type="datetime1">
               <a:rPr lang="en-US" smtClean="0"/>
-              <a:t>1/28/19</a:t>
+              <a:t>8/31/20</a:t>
             </a:fld>
             <a:endParaRPr lang="en-US"/>
           </a:p>
@@ -2408,7 +2409,7 @@
           <a:p>
             <a:fld id="{2D504595-1B90-0F4A-A1D0-6609637EC4CD}" type="datetime1">
               <a:rPr lang="en-US" smtClean="0"/>
-              <a:t>1/28/19</a:t>
+              <a:t>8/31/20</a:t>
             </a:fld>
             <a:endParaRPr lang="en-US"/>
           </a:p>
@@ -2511,7 +2512,7 @@
           </a:lstStyle>
           <a:p>
             <a:r>
-              <a:rPr lang="en-US" smtClean="0"/>
+              <a:rPr lang="en-US"/>
               <a:t>Click to edit Master title style</a:t>
             </a:r>
             <a:endParaRPr lang="en-US" dirty="0"/>
@@ -2568,35 +2569,35 @@
           <a:p>
             <a:pPr lvl="0"/>
             <a:r>
-              <a:rPr lang="en-US" smtClean="0"/>
+              <a:rPr lang="en-US"/>
               <a:t>Click to edit Master text styles</a:t>
             </a:r>
           </a:p>
           <a:p>
             <a:pPr lvl="1"/>
             <a:r>
-              <a:rPr lang="en-US" smtClean="0"/>
+              <a:rPr lang="en-US"/>
               <a:t>Second level</a:t>
             </a:r>
           </a:p>
           <a:p>
             <a:pPr lvl="2"/>
             <a:r>
-              <a:rPr lang="en-US" smtClean="0"/>
+              <a:rPr lang="en-US"/>
               <a:t>Third level</a:t>
             </a:r>
           </a:p>
           <a:p>
             <a:pPr lvl="3"/>
             <a:r>
-              <a:rPr lang="en-US" smtClean="0"/>
+              <a:rPr lang="en-US"/>
               <a:t>Fourth level</a:t>
             </a:r>
           </a:p>
           <a:p>
             <a:pPr lvl="4"/>
             <a:r>
-              <a:rPr lang="en-US" smtClean="0"/>
+              <a:rPr lang="en-US"/>
               <a:t>Fifth level</a:t>
             </a:r>
             <a:endParaRPr lang="en-US" dirty="0"/>
@@ -2662,7 +2663,7 @@
           <a:p>
             <a:pPr lvl="0"/>
             <a:r>
-              <a:rPr lang="en-US" smtClean="0"/>
+              <a:rPr lang="en-US"/>
               <a:t>Click to edit Master text styles</a:t>
             </a:r>
           </a:p>
@@ -2685,7 +2686,7 @@
           <a:p>
             <a:fld id="{F48EB26F-796F-BD4B-9EC5-A039FE9C305B}" type="datetime1">
               <a:rPr lang="en-US" smtClean="0"/>
-              <a:t>1/28/19</a:t>
+              <a:t>8/31/20</a:t>
             </a:fld>
             <a:endParaRPr lang="en-US"/>
           </a:p>
@@ -2788,7 +2789,7 @@
           </a:lstStyle>
           <a:p>
             <a:r>
-              <a:rPr lang="en-US" smtClean="0"/>
+              <a:rPr lang="en-US"/>
               <a:t>Click to edit Master title style</a:t>
             </a:r>
             <a:endParaRPr lang="en-US" dirty="0"/>
@@ -2853,7 +2854,7 @@
           </a:lstStyle>
           <a:p>
             <a:r>
-              <a:rPr lang="en-US" smtClean="0"/>
+              <a:rPr lang="en-US"/>
               <a:t>Drag picture to placeholder or click icon to add</a:t>
             </a:r>
             <a:endParaRPr lang="en-US" dirty="0"/>
@@ -2919,7 +2920,7 @@
           <a:p>
             <a:pPr lvl="0"/>
             <a:r>
-              <a:rPr lang="en-US" smtClean="0"/>
+              <a:rPr lang="en-US"/>
               <a:t>Click to edit Master text styles</a:t>
             </a:r>
           </a:p>
@@ -2942,7 +2943,7 @@
           <a:p>
             <a:fld id="{CDC2C28A-C946-0143-970B-84B8FE5654F4}" type="datetime1">
               <a:rPr lang="en-US" smtClean="0"/>
-              <a:t>1/28/19</a:t>
+              <a:t>8/31/20</a:t>
             </a:fld>
             <a:endParaRPr lang="en-US"/>
           </a:p>
@@ -3051,10 +3052,9 @@
           <a:lstStyle/>
           <a:p>
             <a:r>
-              <a:rPr lang="en-US" dirty="0" smtClean="0"/>
+              <a:rPr lang="en-US" dirty="0"/>
               <a:t>Click to edit Master title style</a:t>
             </a:r>
-            <a:endParaRPr lang="en-US" dirty="0"/>
           </a:p>
         </p:txBody>
       </p:sp>
@@ -3085,38 +3085,37 @@
           <a:p>
             <a:pPr lvl="0"/>
             <a:r>
-              <a:rPr lang="en-US" dirty="0" smtClean="0"/>
+              <a:rPr lang="en-US" dirty="0"/>
               <a:t>Click to edit Master text styles</a:t>
             </a:r>
           </a:p>
           <a:p>
             <a:pPr lvl="1"/>
             <a:r>
-              <a:rPr lang="en-US" dirty="0" smtClean="0"/>
+              <a:rPr lang="en-US" dirty="0"/>
               <a:t>Second level</a:t>
             </a:r>
           </a:p>
           <a:p>
             <a:pPr lvl="2"/>
             <a:r>
-              <a:rPr lang="en-US" dirty="0" smtClean="0"/>
+              <a:rPr lang="en-US" dirty="0"/>
               <a:t>Third level</a:t>
             </a:r>
           </a:p>
           <a:p>
             <a:pPr lvl="3"/>
             <a:r>
-              <a:rPr lang="en-US" dirty="0" smtClean="0"/>
+              <a:rPr lang="en-US" dirty="0"/>
               <a:t>Fourth level</a:t>
             </a:r>
           </a:p>
           <a:p>
             <a:pPr lvl="4"/>
             <a:r>
-              <a:rPr lang="en-US" dirty="0" smtClean="0"/>
+              <a:rPr lang="en-US" dirty="0"/>
               <a:t>Fifth level</a:t>
             </a:r>
-            <a:endParaRPr lang="en-US" dirty="0"/>
           </a:p>
         </p:txBody>
       </p:sp>
@@ -3155,7 +3154,7 @@
           <a:p>
             <a:fld id="{A831EFE4-169C-9248-BC74-4797ECDAE130}" type="datetime1">
               <a:rPr lang="en-US" smtClean="0"/>
-              <a:t>1/28/19</a:t>
+              <a:t>8/31/20</a:t>
             </a:fld>
             <a:endParaRPr lang="en-US"/>
           </a:p>
@@ -3583,35 +3582,30 @@
           <a:lstStyle/>
           <a:p>
             <a:r>
-              <a:rPr lang="en-US" sz="4800" smtClean="0"/>
+              <a:rPr lang="en-US" sz="4800"/>
               <a:t>EN.601.414/614</a:t>
             </a:r>
             <a:br>
-              <a:rPr lang="en-US" sz="4800" smtClean="0"/>
+              <a:rPr lang="en-US" sz="4800"/>
             </a:br>
             <a:r>
-              <a:rPr lang="en-US" sz="4800" smtClean="0"/>
+              <a:rPr lang="en-US" sz="4800"/>
               <a:t>Computer </a:t>
             </a:r>
             <a:r>
-              <a:rPr lang="en-US" sz="4800" dirty="0" smtClean="0"/>
+              <a:rPr lang="en-US" sz="4800" dirty="0"/>
               <a:t>Networks</a:t>
             </a:r>
             <a:br>
-              <a:rPr lang="en-US" sz="4800" dirty="0" smtClean="0"/>
+              <a:rPr lang="en-US" sz="4800" dirty="0"/>
             </a:br>
-            <a:r>
-              <a:rPr lang="en-US" sz="4800" dirty="0" smtClean="0"/>
-              <a:t/>
-            </a:r>
             <a:br>
-              <a:rPr lang="en-US" sz="4800" dirty="0" smtClean="0"/>
+              <a:rPr lang="en-US" sz="4800" dirty="0"/>
             </a:br>
             <a:r>
-              <a:rPr lang="en-US" sz="4800" dirty="0" smtClean="0"/>
+              <a:rPr lang="en-US" sz="4800" dirty="0"/>
               <a:t>Introduction</a:t>
             </a:r>
-            <a:endParaRPr lang="en-US" sz="4800" dirty="0"/>
           </a:p>
         </p:txBody>
       </p:sp>
@@ -3638,20 +3632,23 @@
           <a:lstStyle/>
           <a:p>
             <a:r>
-              <a:rPr lang="en-US" b="0" dirty="0" smtClean="0"/>
+              <a:rPr lang="en-US" b="0" dirty="0"/>
               <a:t>Xin Jin</a:t>
             </a:r>
           </a:p>
           <a:p>
             <a:r>
-              <a:rPr lang="en-US" b="0" dirty="0" smtClean="0"/>
-              <a:t>Spring 2019 (MW 3:00-4:15pm in Shaffer 301</a:t>
-            </a:r>
-            <a:r>
               <a:rPr lang="en-US" b="0" dirty="0"/>
-              <a:t>)</a:t>
-            </a:r>
-            <a:endParaRPr lang="en-US" b="0" dirty="0" smtClean="0"/>
+              <a:t>Fall 2020 (</a:t>
+            </a:r>
+            <a:r>
+              <a:rPr lang="en-US" b="0" dirty="0" err="1"/>
+              <a:t>TuTh</a:t>
+            </a:r>
+            <a:r>
+              <a:rPr lang="en-US" b="0" dirty="0"/>
+              <a:t> 1:30-2:45pm on Zoom)</a:t>
+            </a:r>
           </a:p>
         </p:txBody>
       </p:sp>
@@ -3866,26 +3863,25 @@
           </a:lstStyle>
           <a:p>
             <a:r>
-              <a:rPr lang="en-US" b="0" dirty="0" smtClean="0"/>
+              <a:rPr lang="en-US" b="0" dirty="0"/>
               <a:t>https://</a:t>
             </a:r>
             <a:r>
-              <a:rPr lang="en-US" b="0" dirty="0" err="1" smtClean="0"/>
+              <a:rPr lang="en-US" b="0" dirty="0" err="1"/>
               <a:t>github.com</a:t>
             </a:r>
             <a:r>
-              <a:rPr lang="en-US" b="0" dirty="0" smtClean="0"/>
+              <a:rPr lang="en-US" b="0" dirty="0"/>
               <a:t>/</a:t>
             </a:r>
             <a:r>
-              <a:rPr lang="en-US" b="0" dirty="0" err="1" smtClean="0"/>
+              <a:rPr lang="en-US" b="0" dirty="0" err="1"/>
               <a:t>xinjin</a:t>
             </a:r>
             <a:r>
-              <a:rPr lang="en-US" b="0" dirty="0" smtClean="0"/>
+              <a:rPr lang="en-US" b="0" dirty="0"/>
               <a:t>/course-net</a:t>
             </a:r>
-            <a:endParaRPr lang="en-US" b="0" dirty="0"/>
           </a:p>
         </p:txBody>
       </p:sp>
@@ -3922,13 +3918,6 @@
   <p:clrMapOvr>
     <a:masterClrMapping/>
   </p:clrMapOvr>
-  <p:timing>
-    <p:tnLst>
-      <p:par>
-        <p:cTn id="1" dur="indefinite" restart="never" nodeType="tmRoot"/>
-      </p:par>
-    </p:tnLst>
-  </p:timing>
 </p:sld>
 </file>
 
@@ -3965,10 +3954,9 @@
           <a:lstStyle/>
           <a:p>
             <a:r>
-              <a:rPr lang="en-US" dirty="0" smtClean="0"/>
+              <a:rPr lang="en-US" dirty="0"/>
               <a:t>Transforming Everything</a:t>
             </a:r>
-            <a:endParaRPr lang="en-US" dirty="0"/>
           </a:p>
         </p:txBody>
       </p:sp>
@@ -3995,78 +3983,70 @@
           <a:lstStyle/>
           <a:p>
             <a:r>
-              <a:rPr lang="en-US" dirty="0" smtClean="0"/>
+              <a:rPr lang="en-US" dirty="0"/>
               <a:t>The ways we do business</a:t>
             </a:r>
           </a:p>
           <a:p>
             <a:pPr lvl="1"/>
             <a:r>
-              <a:rPr lang="en-US" dirty="0" smtClean="0"/>
+              <a:rPr lang="en-US" dirty="0"/>
               <a:t>E-commerce, advertising, cloud computing, </a:t>
             </a:r>
             <a:r>
-              <a:rPr lang="is-IS" dirty="0" smtClean="0"/>
+              <a:rPr lang="is-IS" dirty="0"/>
               <a:t>…</a:t>
             </a:r>
           </a:p>
           <a:p>
             <a:r>
-              <a:rPr lang="is-IS" dirty="0" smtClean="0"/>
+              <a:rPr lang="is-IS" dirty="0"/>
               <a:t>The way we communicate and socialize</a:t>
             </a:r>
           </a:p>
           <a:p>
             <a:pPr lvl="1"/>
             <a:r>
-              <a:rPr lang="is-IS" dirty="0" smtClean="0"/>
-              <a:t>E-mail, Facebook, Twitter, Instagram, </a:t>
-            </a:r>
-            <a:r>
               <a:rPr lang="is-IS" dirty="0"/>
-              <a:t>S</a:t>
-            </a:r>
-            <a:r>
-              <a:rPr lang="is-IS" dirty="0" smtClean="0"/>
-              <a:t>napchat, ...</a:t>
-            </a:r>
-          </a:p>
-          <a:p>
-            <a:r>
-              <a:rPr lang="is-IS" dirty="0" smtClean="0"/>
+              <a:t>E-mail, Facebook, Twitter, Instagram, Snapchat, ...</a:t>
+            </a:r>
+          </a:p>
+          <a:p>
+            <a:r>
+              <a:rPr lang="is-IS" dirty="0"/>
               <a:t>The way we learn</a:t>
             </a:r>
           </a:p>
           <a:p>
             <a:pPr lvl="1"/>
             <a:r>
-              <a:rPr lang="is-IS" dirty="0" smtClean="0"/>
+              <a:rPr lang="is-IS" dirty="0"/>
               <a:t>Wikipedia, MOOCs, search engines, ...</a:t>
             </a:r>
           </a:p>
           <a:p>
             <a:r>
-              <a:rPr lang="is-IS" dirty="0" smtClean="0"/>
+              <a:rPr lang="is-IS" dirty="0"/>
               <a:t>How we think about law</a:t>
             </a:r>
           </a:p>
           <a:p>
             <a:pPr lvl="1"/>
             <a:r>
-              <a:rPr lang="is-IS" dirty="0" smtClean="0"/>
+              <a:rPr lang="is-IS" dirty="0"/>
               <a:t>Interstate commerce? National boundaries? Smart contracts?</a:t>
             </a:r>
           </a:p>
           <a:p>
             <a:r>
-              <a:rPr lang="is-IS" dirty="0" smtClean="0"/>
+              <a:rPr lang="is-IS" dirty="0"/>
               <a:t>The way we govern</a:t>
             </a:r>
           </a:p>
           <a:p>
             <a:pPr lvl="1"/>
             <a:r>
-              <a:rPr lang="is-IS" dirty="0" smtClean="0"/>
+              <a:rPr lang="is-IS" dirty="0"/>
               <a:t>E-voting, censorship, democratic organization on blockchain, ...</a:t>
             </a:r>
           </a:p>
@@ -4574,31 +4554,31 @@
           <a:lstStyle/>
           <a:p>
             <a:r>
-              <a:rPr lang="en-US" altLang="zh-CN" dirty="0" smtClean="0"/>
+              <a:rPr lang="en-US" altLang="zh-CN" dirty="0"/>
               <a:t>So,</a:t>
             </a:r>
             <a:r>
-              <a:rPr lang="zh-CN" altLang="en-US" dirty="0" smtClean="0"/>
+              <a:rPr lang="zh-CN" altLang="en-US" dirty="0"/>
               <a:t> </a:t>
             </a:r>
             <a:r>
-              <a:rPr lang="en-US" altLang="zh-CN" dirty="0" smtClean="0"/>
+              <a:rPr lang="en-US" altLang="zh-CN" dirty="0"/>
               <a:t>what</a:t>
             </a:r>
             <a:r>
-              <a:rPr lang="zh-CN" altLang="en-US" dirty="0" smtClean="0"/>
+              <a:rPr lang="zh-CN" altLang="en-US" dirty="0"/>
               <a:t> </a:t>
             </a:r>
             <a:r>
-              <a:rPr lang="en-US" altLang="zh-CN" dirty="0" smtClean="0"/>
+              <a:rPr lang="en-US" altLang="zh-CN" dirty="0"/>
               <a:t>is</a:t>
             </a:r>
             <a:r>
-              <a:rPr lang="zh-CN" altLang="en-US" dirty="0" smtClean="0"/>
+              <a:rPr lang="zh-CN" altLang="en-US" dirty="0"/>
               <a:t> </a:t>
             </a:r>
             <a:r>
-              <a:rPr lang="en-US" altLang="zh-CN" dirty="0" smtClean="0"/>
+              <a:rPr lang="en-US" altLang="zh-CN" dirty="0"/>
               <a:t>Internet?</a:t>
             </a:r>
             <a:endParaRPr lang="en-US" dirty="0"/>
@@ -4651,7 +4631,7 @@
           <a:lstStyle/>
           <a:p>
             <a:r>
-              <a:rPr lang="en-US" altLang="zh-CN" sz="4400" b="1" dirty="0" smtClean="0"/>
+              <a:rPr lang="en-US" altLang="zh-CN" sz="4400" b="1" dirty="0"/>
               <a:t>Internet</a:t>
             </a:r>
             <a:endParaRPr lang="en-US" sz="4400" b="1" dirty="0"/>
@@ -4681,7 +4661,7 @@
           <a:lstStyle/>
           <a:p>
             <a:r>
-              <a:rPr lang="en-US" altLang="zh-CN" sz="4400" b="1" dirty="0" smtClean="0"/>
+              <a:rPr lang="en-US" altLang="zh-CN" sz="4400" b="1" dirty="0"/>
               <a:t>Inter-net</a:t>
             </a:r>
             <a:endParaRPr lang="en-US" sz="4400" b="1" dirty="0"/>
@@ -4711,31 +4691,31 @@
           <a:lstStyle/>
           <a:p>
             <a:r>
-              <a:rPr lang="en-US" altLang="zh-CN" sz="4400" b="1" dirty="0" smtClean="0"/>
+              <a:rPr lang="en-US" altLang="zh-CN" sz="4400" b="1" dirty="0"/>
               <a:t>A</a:t>
             </a:r>
             <a:r>
-              <a:rPr lang="zh-CN" altLang="en-US" sz="4400" b="1" dirty="0" smtClean="0"/>
+              <a:rPr lang="zh-CN" altLang="en-US" sz="4400" b="1" dirty="0"/>
               <a:t> </a:t>
             </a:r>
             <a:r>
-              <a:rPr lang="en-US" altLang="zh-CN" sz="4400" b="1" dirty="0" smtClean="0"/>
+              <a:rPr lang="en-US" altLang="zh-CN" sz="4400" b="1" dirty="0"/>
               <a:t>network</a:t>
             </a:r>
             <a:r>
-              <a:rPr lang="zh-CN" altLang="en-US" sz="4400" b="1" dirty="0" smtClean="0"/>
+              <a:rPr lang="zh-CN" altLang="en-US" sz="4400" b="1" dirty="0"/>
               <a:t> </a:t>
             </a:r>
             <a:r>
-              <a:rPr lang="en-US" altLang="zh-CN" sz="4400" b="1" dirty="0" smtClean="0"/>
+              <a:rPr lang="en-US" altLang="zh-CN" sz="4400" b="1" dirty="0"/>
               <a:t>of</a:t>
             </a:r>
             <a:r>
-              <a:rPr lang="zh-CN" altLang="en-US" sz="4400" b="1" dirty="0" smtClean="0"/>
+              <a:rPr lang="zh-CN" altLang="en-US" sz="4400" b="1" dirty="0"/>
               <a:t> </a:t>
             </a:r>
             <a:r>
-              <a:rPr lang="en-US" altLang="zh-CN" sz="4400" b="1" dirty="0" smtClean="0"/>
+              <a:rPr lang="en-US" altLang="zh-CN" sz="4400" b="1" dirty="0"/>
               <a:t>networks</a:t>
             </a:r>
             <a:endParaRPr lang="en-US" sz="4400" b="1" dirty="0"/>
@@ -5081,10 +5061,9 @@
           <a:lstStyle/>
           <a:p>
             <a:r>
-              <a:rPr lang="en-US" dirty="0" smtClean="0"/>
+              <a:rPr lang="en-US" dirty="0"/>
               <a:t>The Internet consists of many end-systems</a:t>
             </a:r>
-            <a:endParaRPr lang="en-US" dirty="0"/>
           </a:p>
         </p:txBody>
       </p:sp>
@@ -6261,7 +6240,7 @@
               </a14:hiddenLine>
             </a:ext>
             <a:ext uri="{C572A759-6A51-4108-AA02-DFA0A04FC94B}">
-              <ma14:wrappingTextBoxFlag xmlns:ma14="http://schemas.microsoft.com/office/mac/drawingml/2011/main" val="1"/>
+              <ma14:wrappingTextBoxFlag xmlns:ma14="http://schemas.microsoft.com/office/mac/drawingml/2011/main" xmlns="" val="1"/>
             </a:ext>
           </a:extLst>
         </p:spPr>
@@ -6528,7 +6507,7 @@
               </a14:hiddenLine>
             </a:ext>
             <a:ext uri="{C572A759-6A51-4108-AA02-DFA0A04FC94B}">
-              <ma14:wrappingTextBoxFlag xmlns:ma14="http://schemas.microsoft.com/office/mac/drawingml/2011/main" val="1"/>
+              <ma14:wrappingTextBoxFlag xmlns:ma14="http://schemas.microsoft.com/office/mac/drawingml/2011/main" xmlns="" val="1"/>
             </a:ext>
           </a:extLst>
         </p:spPr>
@@ -6694,7 +6673,7 @@
               </a14:hiddenLine>
             </a:ext>
             <a:ext uri="{C572A759-6A51-4108-AA02-DFA0A04FC94B}">
-              <ma14:wrappingTextBoxFlag xmlns:ma14="http://schemas.microsoft.com/office/mac/drawingml/2011/main" val="1"/>
+              <ma14:wrappingTextBoxFlag xmlns:ma14="http://schemas.microsoft.com/office/mac/drawingml/2011/main" xmlns="" val="1"/>
             </a:ext>
           </a:extLst>
         </p:spPr>
@@ -6860,7 +6839,7 @@
               </a14:hiddenLine>
             </a:ext>
             <a:ext uri="{C572A759-6A51-4108-AA02-DFA0A04FC94B}">
-              <ma14:wrappingTextBoxFlag xmlns:ma14="http://schemas.microsoft.com/office/mac/drawingml/2011/main" val="1"/>
+              <ma14:wrappingTextBoxFlag xmlns:ma14="http://schemas.microsoft.com/office/mac/drawingml/2011/main" xmlns="" val="1"/>
             </a:ext>
           </a:extLst>
         </p:spPr>
@@ -7026,7 +7005,7 @@
               </a14:hiddenLine>
             </a:ext>
             <a:ext uri="{C572A759-6A51-4108-AA02-DFA0A04FC94B}">
-              <ma14:wrappingTextBoxFlag xmlns:ma14="http://schemas.microsoft.com/office/mac/drawingml/2011/main" val="1"/>
+              <ma14:wrappingTextBoxFlag xmlns:ma14="http://schemas.microsoft.com/office/mac/drawingml/2011/main" xmlns="" val="1"/>
             </a:ext>
           </a:extLst>
         </p:spPr>
@@ -7192,7 +7171,7 @@
               </a14:hiddenLine>
             </a:ext>
             <a:ext uri="{C572A759-6A51-4108-AA02-DFA0A04FC94B}">
-              <ma14:wrappingTextBoxFlag xmlns:ma14="http://schemas.microsoft.com/office/mac/drawingml/2011/main" val="1"/>
+              <ma14:wrappingTextBoxFlag xmlns:ma14="http://schemas.microsoft.com/office/mac/drawingml/2011/main" xmlns="" val="1"/>
             </a:ext>
           </a:extLst>
         </p:spPr>
@@ -7358,7 +7337,7 @@
               </a14:hiddenLine>
             </a:ext>
             <a:ext uri="{C572A759-6A51-4108-AA02-DFA0A04FC94B}">
-              <ma14:wrappingTextBoxFlag xmlns:ma14="http://schemas.microsoft.com/office/mac/drawingml/2011/main" val="1"/>
+              <ma14:wrappingTextBoxFlag xmlns:ma14="http://schemas.microsoft.com/office/mac/drawingml/2011/main" xmlns="" val="1"/>
             </a:ext>
           </a:extLst>
         </p:spPr>
@@ -7524,7 +7503,7 @@
               </a14:hiddenLine>
             </a:ext>
             <a:ext uri="{C572A759-6A51-4108-AA02-DFA0A04FC94B}">
-              <ma14:wrappingTextBoxFlag xmlns:ma14="http://schemas.microsoft.com/office/mac/drawingml/2011/main" val="1"/>
+              <ma14:wrappingTextBoxFlag xmlns:ma14="http://schemas.microsoft.com/office/mac/drawingml/2011/main" xmlns="" val="1"/>
             </a:ext>
           </a:extLst>
         </p:spPr>
@@ -8046,10 +8025,9 @@
           <a:lstStyle/>
           <a:p>
             <a:r>
-              <a:rPr lang="en-US" dirty="0" smtClean="0"/>
+              <a:rPr lang="en-US" dirty="0"/>
               <a:t>Connected by switches</a:t>
             </a:r>
-            <a:endParaRPr lang="en-US" dirty="0"/>
           </a:p>
         </p:txBody>
       </p:sp>
@@ -9198,7 +9176,7 @@
           </a:ln>
           <a:extLst>
             <a:ext uri="{C572A759-6A51-4108-AA02-DFA0A04FC94B}">
-              <ma14:wrappingTextBoxFlag xmlns:ma14="http://schemas.microsoft.com/office/mac/drawingml/2011/main" val="1"/>
+              <ma14:wrappingTextBoxFlag xmlns:ma14="http://schemas.microsoft.com/office/mac/drawingml/2011/main" xmlns="" val="1"/>
             </a:ext>
           </a:extLst>
         </p:spPr>
@@ -9624,7 +9602,7 @@
           </a:ln>
           <a:extLst>
             <a:ext uri="{C572A759-6A51-4108-AA02-DFA0A04FC94B}">
-              <ma14:wrappingTextBoxFlag xmlns:ma14="http://schemas.microsoft.com/office/mac/drawingml/2011/main" val="1"/>
+              <ma14:wrappingTextBoxFlag xmlns:ma14="http://schemas.microsoft.com/office/mac/drawingml/2011/main" xmlns="" val="1"/>
             </a:ext>
           </a:extLst>
         </p:spPr>
@@ -9761,13 +9739,6 @@
   <p:clrMapOvr>
     <a:masterClrMapping/>
   </p:clrMapOvr>
-  <p:timing>
-    <p:tnLst>
-      <p:par>
-        <p:cTn id="1" dur="indefinite" restart="never" nodeType="tmRoot"/>
-      </p:par>
-    </p:tnLst>
-  </p:timing>
 </p:sld>
 </file>
 
@@ -9804,15 +9775,15 @@
           <a:lstStyle/>
           <a:p>
             <a:r>
-              <a:rPr lang="en-US" altLang="zh-CN" dirty="0" smtClean="0"/>
+              <a:rPr lang="en-US" altLang="zh-CN" dirty="0"/>
               <a:t>And</a:t>
             </a:r>
             <a:r>
-              <a:rPr lang="zh-CN" altLang="en-US" dirty="0" smtClean="0"/>
+              <a:rPr lang="zh-CN" altLang="en-US" dirty="0"/>
               <a:t> </a:t>
             </a:r>
             <a:r>
-              <a:rPr lang="en-US" altLang="zh-CN" dirty="0" smtClean="0"/>
+              <a:rPr lang="en-US" altLang="zh-CN" dirty="0"/>
               <a:t>links</a:t>
             </a:r>
             <a:endParaRPr lang="en-US" dirty="0"/>
@@ -11596,7 +11567,7 @@
               </a14:hiddenLine>
             </a:ext>
             <a:ext uri="{C572A759-6A51-4108-AA02-DFA0A04FC94B}">
-              <ma14:wrappingTextBoxFlag xmlns:ma14="http://schemas.microsoft.com/office/mac/drawingml/2011/main" val="1"/>
+              <ma14:wrappingTextBoxFlag xmlns:ma14="http://schemas.microsoft.com/office/mac/drawingml/2011/main" xmlns="" val="1"/>
             </a:ext>
           </a:extLst>
         </p:spPr>
@@ -12036,7 +12007,7 @@
               </a14:hiddenLine>
             </a:ext>
             <a:ext uri="{C572A759-6A51-4108-AA02-DFA0A04FC94B}">
-              <ma14:wrappingTextBoxFlag xmlns:ma14="http://schemas.microsoft.com/office/mac/drawingml/2011/main" val="1"/>
+              <ma14:wrappingTextBoxFlag xmlns:ma14="http://schemas.microsoft.com/office/mac/drawingml/2011/main" xmlns="" val="1"/>
             </a:ext>
           </a:extLst>
         </p:spPr>
@@ -12205,7 +12176,7 @@
               </a14:hiddenLine>
             </a:ext>
             <a:ext uri="{C572A759-6A51-4108-AA02-DFA0A04FC94B}">
-              <ma14:wrappingTextBoxFlag xmlns:ma14="http://schemas.microsoft.com/office/mac/drawingml/2011/main" val="1"/>
+              <ma14:wrappingTextBoxFlag xmlns:ma14="http://schemas.microsoft.com/office/mac/drawingml/2011/main" xmlns="" val="1"/>
             </a:ext>
           </a:extLst>
         </p:spPr>
@@ -12371,7 +12342,7 @@
               </a14:hiddenLine>
             </a:ext>
             <a:ext uri="{C572A759-6A51-4108-AA02-DFA0A04FC94B}">
-              <ma14:wrappingTextBoxFlag xmlns:ma14="http://schemas.microsoft.com/office/mac/drawingml/2011/main" val="1"/>
+              <ma14:wrappingTextBoxFlag xmlns:ma14="http://schemas.microsoft.com/office/mac/drawingml/2011/main" xmlns="" val="1"/>
             </a:ext>
           </a:extLst>
         </p:spPr>
@@ -12540,7 +12511,7 @@
               </a14:hiddenLine>
             </a:ext>
             <a:ext uri="{C572A759-6A51-4108-AA02-DFA0A04FC94B}">
-              <ma14:wrappingTextBoxFlag xmlns:ma14="http://schemas.microsoft.com/office/mac/drawingml/2011/main" val="1"/>
+              <ma14:wrappingTextBoxFlag xmlns:ma14="http://schemas.microsoft.com/office/mac/drawingml/2011/main" xmlns="" val="1"/>
             </a:ext>
           </a:extLst>
         </p:spPr>
@@ -12709,7 +12680,7 @@
               </a14:hiddenLine>
             </a:ext>
             <a:ext uri="{C572A759-6A51-4108-AA02-DFA0A04FC94B}">
-              <ma14:wrappingTextBoxFlag xmlns:ma14="http://schemas.microsoft.com/office/mac/drawingml/2011/main" val="1"/>
+              <ma14:wrappingTextBoxFlag xmlns:ma14="http://schemas.microsoft.com/office/mac/drawingml/2011/main" xmlns="" val="1"/>
             </a:ext>
           </a:extLst>
         </p:spPr>
@@ -12878,7 +12849,7 @@
               </a14:hiddenLine>
             </a:ext>
             <a:ext uri="{C572A759-6A51-4108-AA02-DFA0A04FC94B}">
-              <ma14:wrappingTextBoxFlag xmlns:ma14="http://schemas.microsoft.com/office/mac/drawingml/2011/main" val="1"/>
+              <ma14:wrappingTextBoxFlag xmlns:ma14="http://schemas.microsoft.com/office/mac/drawingml/2011/main" xmlns="" val="1"/>
             </a:ext>
           </a:extLst>
         </p:spPr>
@@ -13697,31 +13668,31 @@
           <a:lstStyle/>
           <a:p>
             <a:r>
-              <a:rPr lang="en-US" altLang="zh-CN" dirty="0" smtClean="0"/>
+              <a:rPr lang="en-US" altLang="zh-CN" dirty="0"/>
               <a:t>Managed</a:t>
             </a:r>
             <a:r>
-              <a:rPr lang="zh-CN" altLang="en-US" dirty="0" smtClean="0"/>
+              <a:rPr lang="zh-CN" altLang="en-US" dirty="0"/>
               <a:t> </a:t>
             </a:r>
             <a:r>
-              <a:rPr lang="en-US" altLang="zh-CN" dirty="0" smtClean="0"/>
+              <a:rPr lang="en-US" altLang="zh-CN" dirty="0"/>
               <a:t>by</a:t>
             </a:r>
             <a:r>
-              <a:rPr lang="zh-CN" altLang="en-US" dirty="0" smtClean="0"/>
+              <a:rPr lang="zh-CN" altLang="en-US" dirty="0"/>
               <a:t> </a:t>
             </a:r>
             <a:r>
-              <a:rPr lang="en-US" altLang="zh-CN" dirty="0" smtClean="0"/>
+              <a:rPr lang="en-US" altLang="zh-CN" dirty="0"/>
               <a:t>many</a:t>
             </a:r>
             <a:r>
-              <a:rPr lang="zh-CN" altLang="en-US" dirty="0" smtClean="0"/>
+              <a:rPr lang="zh-CN" altLang="en-US" dirty="0"/>
               <a:t> </a:t>
             </a:r>
             <a:r>
-              <a:rPr lang="en-US" altLang="zh-CN" dirty="0" smtClean="0"/>
+              <a:rPr lang="en-US" altLang="zh-CN" dirty="0"/>
               <a:t>parties</a:t>
             </a:r>
             <a:endParaRPr lang="en-US" dirty="0"/>
@@ -15505,7 +15476,7 @@
               </a14:hiddenLine>
             </a:ext>
             <a:ext uri="{C572A759-6A51-4108-AA02-DFA0A04FC94B}">
-              <ma14:wrappingTextBoxFlag xmlns:ma14="http://schemas.microsoft.com/office/mac/drawingml/2011/main" val="1"/>
+              <ma14:wrappingTextBoxFlag xmlns:ma14="http://schemas.microsoft.com/office/mac/drawingml/2011/main" xmlns="" val="1"/>
             </a:ext>
           </a:extLst>
         </p:spPr>
@@ -15945,7 +15916,7 @@
               </a14:hiddenLine>
             </a:ext>
             <a:ext uri="{C572A759-6A51-4108-AA02-DFA0A04FC94B}">
-              <ma14:wrappingTextBoxFlag xmlns:ma14="http://schemas.microsoft.com/office/mac/drawingml/2011/main" val="1"/>
+              <ma14:wrappingTextBoxFlag xmlns:ma14="http://schemas.microsoft.com/office/mac/drawingml/2011/main" xmlns="" val="1"/>
             </a:ext>
           </a:extLst>
         </p:spPr>
@@ -16114,7 +16085,7 @@
               </a14:hiddenLine>
             </a:ext>
             <a:ext uri="{C572A759-6A51-4108-AA02-DFA0A04FC94B}">
-              <ma14:wrappingTextBoxFlag xmlns:ma14="http://schemas.microsoft.com/office/mac/drawingml/2011/main" val="1"/>
+              <ma14:wrappingTextBoxFlag xmlns:ma14="http://schemas.microsoft.com/office/mac/drawingml/2011/main" xmlns="" val="1"/>
             </a:ext>
           </a:extLst>
         </p:spPr>
@@ -16280,7 +16251,7 @@
               </a14:hiddenLine>
             </a:ext>
             <a:ext uri="{C572A759-6A51-4108-AA02-DFA0A04FC94B}">
-              <ma14:wrappingTextBoxFlag xmlns:ma14="http://schemas.microsoft.com/office/mac/drawingml/2011/main" val="1"/>
+              <ma14:wrappingTextBoxFlag xmlns:ma14="http://schemas.microsoft.com/office/mac/drawingml/2011/main" xmlns="" val="1"/>
             </a:ext>
           </a:extLst>
         </p:spPr>
@@ -16449,7 +16420,7 @@
               </a14:hiddenLine>
             </a:ext>
             <a:ext uri="{C572A759-6A51-4108-AA02-DFA0A04FC94B}">
-              <ma14:wrappingTextBoxFlag xmlns:ma14="http://schemas.microsoft.com/office/mac/drawingml/2011/main" val="1"/>
+              <ma14:wrappingTextBoxFlag xmlns:ma14="http://schemas.microsoft.com/office/mac/drawingml/2011/main" xmlns="" val="1"/>
             </a:ext>
           </a:extLst>
         </p:spPr>
@@ -16567,7 +16538,7 @@
           <a:p>
             <a:pPr algn="ctr" eaLnBrk="1" hangingPunct="1"/>
             <a:r>
-              <a:rPr lang="en-US" altLang="x-none" sz="2800" b="0" dirty="0" smtClean="0">
+              <a:rPr lang="en-US" altLang="x-none" sz="2800" b="0" dirty="0">
                 <a:solidFill>
                   <a:schemeClr val="accent5"/>
                 </a:solidFill>
@@ -16576,13 +16547,6 @@
               </a:rPr>
               <a:t>Google Fiber</a:t>
             </a:r>
-            <a:endParaRPr lang="en-US" altLang="x-none" sz="2800" b="0" dirty="0">
-              <a:solidFill>
-                <a:schemeClr val="accent5"/>
-              </a:solidFill>
-              <a:latin typeface="Arial" charset="0"/>
-              <a:sym typeface="Calibri" charset="0"/>
-            </a:endParaRPr>
           </a:p>
         </p:txBody>
       </p:sp>
@@ -16625,7 +16589,7 @@
               </a14:hiddenLine>
             </a:ext>
             <a:ext uri="{C572A759-6A51-4108-AA02-DFA0A04FC94B}">
-              <ma14:wrappingTextBoxFlag xmlns:ma14="http://schemas.microsoft.com/office/mac/drawingml/2011/main" val="1"/>
+              <ma14:wrappingTextBoxFlag xmlns:ma14="http://schemas.microsoft.com/office/mac/drawingml/2011/main" xmlns="" val="1"/>
             </a:ext>
           </a:extLst>
         </p:spPr>
@@ -16743,7 +16707,7 @@
           <a:p>
             <a:pPr algn="ctr" eaLnBrk="1" hangingPunct="1"/>
             <a:r>
-              <a:rPr lang="en-US" altLang="x-none" sz="2800" b="0" dirty="0" smtClean="0">
+              <a:rPr lang="en-US" altLang="x-none" sz="2800" b="0" dirty="0">
                 <a:solidFill>
                   <a:schemeClr val="accent5"/>
                 </a:solidFill>
@@ -16752,13 +16716,6 @@
               </a:rPr>
               <a:t>AT&amp;T</a:t>
             </a:r>
-            <a:endParaRPr lang="en-US" altLang="x-none" sz="2800" b="0" dirty="0">
-              <a:solidFill>
-                <a:schemeClr val="accent5"/>
-              </a:solidFill>
-              <a:latin typeface="Arial" charset="0"/>
-              <a:sym typeface="Calibri" charset="0"/>
-            </a:endParaRPr>
           </a:p>
         </p:txBody>
       </p:sp>
@@ -16801,7 +16758,7 @@
               </a14:hiddenLine>
             </a:ext>
             <a:ext uri="{C572A759-6A51-4108-AA02-DFA0A04FC94B}">
-              <ma14:wrappingTextBoxFlag xmlns:ma14="http://schemas.microsoft.com/office/mac/drawingml/2011/main" val="1"/>
+              <ma14:wrappingTextBoxFlag xmlns:ma14="http://schemas.microsoft.com/office/mac/drawingml/2011/main" xmlns="" val="1"/>
             </a:ext>
           </a:extLst>
         </p:spPr>
@@ -16919,7 +16876,7 @@
           <a:p>
             <a:pPr algn="ctr" eaLnBrk="1" hangingPunct="1"/>
             <a:r>
-              <a:rPr lang="en-US" altLang="x-none" sz="2800" b="0" dirty="0" smtClean="0">
+              <a:rPr lang="en-US" altLang="x-none" sz="2800" b="0" dirty="0">
                 <a:solidFill>
                   <a:schemeClr val="accent5"/>
                 </a:solidFill>
@@ -16928,13 +16885,6 @@
               </a:rPr>
               <a:t>Comcast</a:t>
             </a:r>
-            <a:endParaRPr lang="en-US" altLang="x-none" sz="2800" b="0" dirty="0">
-              <a:solidFill>
-                <a:schemeClr val="accent5"/>
-              </a:solidFill>
-              <a:latin typeface="Arial" charset="0"/>
-              <a:sym typeface="Calibri" charset="0"/>
-            </a:endParaRPr>
           </a:p>
         </p:txBody>
       </p:sp>
@@ -17616,15 +17566,15 @@
           <a:lstStyle/>
           <a:p>
             <a:r>
-              <a:rPr lang="en-US" altLang="zh-CN" dirty="0" smtClean="0"/>
+              <a:rPr lang="en-US" altLang="zh-CN" dirty="0"/>
               <a:t>Transfers</a:t>
             </a:r>
             <a:r>
-              <a:rPr lang="zh-CN" altLang="en-US" dirty="0" smtClean="0"/>
+              <a:rPr lang="zh-CN" altLang="en-US" dirty="0"/>
               <a:t> </a:t>
             </a:r>
             <a:r>
-              <a:rPr lang="en-US" altLang="zh-CN" dirty="0" smtClean="0"/>
+              <a:rPr lang="en-US" altLang="zh-CN" dirty="0"/>
               <a:t>data</a:t>
             </a:r>
             <a:endParaRPr lang="en-US" dirty="0"/>
@@ -19408,7 +19358,7 @@
               </a14:hiddenLine>
             </a:ext>
             <a:ext uri="{C572A759-6A51-4108-AA02-DFA0A04FC94B}">
-              <ma14:wrappingTextBoxFlag xmlns:ma14="http://schemas.microsoft.com/office/mac/drawingml/2011/main" val="1"/>
+              <ma14:wrappingTextBoxFlag xmlns:ma14="http://schemas.microsoft.com/office/mac/drawingml/2011/main" xmlns="" val="1"/>
             </a:ext>
           </a:extLst>
         </p:spPr>
@@ -19848,7 +19798,7 @@
               </a14:hiddenLine>
             </a:ext>
             <a:ext uri="{C572A759-6A51-4108-AA02-DFA0A04FC94B}">
-              <ma14:wrappingTextBoxFlag xmlns:ma14="http://schemas.microsoft.com/office/mac/drawingml/2011/main" val="1"/>
+              <ma14:wrappingTextBoxFlag xmlns:ma14="http://schemas.microsoft.com/office/mac/drawingml/2011/main" xmlns="" val="1"/>
             </a:ext>
           </a:extLst>
         </p:spPr>
@@ -20017,7 +19967,7 @@
               </a14:hiddenLine>
             </a:ext>
             <a:ext uri="{C572A759-6A51-4108-AA02-DFA0A04FC94B}">
-              <ma14:wrappingTextBoxFlag xmlns:ma14="http://schemas.microsoft.com/office/mac/drawingml/2011/main" val="1"/>
+              <ma14:wrappingTextBoxFlag xmlns:ma14="http://schemas.microsoft.com/office/mac/drawingml/2011/main" xmlns="" val="1"/>
             </a:ext>
           </a:extLst>
         </p:spPr>
@@ -20246,7 +20196,7 @@
               </a14:hiddenLine>
             </a:ext>
             <a:ext uri="{C572A759-6A51-4108-AA02-DFA0A04FC94B}">
-              <ma14:wrappingTextBoxFlag xmlns:ma14="http://schemas.microsoft.com/office/mac/drawingml/2011/main" val="1"/>
+              <ma14:wrappingTextBoxFlag xmlns:ma14="http://schemas.microsoft.com/office/mac/drawingml/2011/main" xmlns="" val="1"/>
             </a:ext>
           </a:extLst>
         </p:spPr>
@@ -20364,7 +20314,7 @@
           <a:p>
             <a:pPr eaLnBrk="1" hangingPunct="1"/>
             <a:r>
-              <a:rPr lang="en-US" altLang="x-none" sz="3000" b="0" dirty="0" smtClean="0">
+              <a:rPr lang="en-US" altLang="x-none" sz="3000" b="0" dirty="0">
                 <a:solidFill>
                   <a:schemeClr val="accent5"/>
                 </a:solidFill>
@@ -20373,13 +20323,6 @@
               </a:rPr>
               <a:t>data</a:t>
             </a:r>
-            <a:endParaRPr lang="en-US" altLang="x-none" sz="3000" b="0" dirty="0">
-              <a:solidFill>
-                <a:schemeClr val="accent5"/>
-              </a:solidFill>
-              <a:latin typeface="Arial" charset="0"/>
-              <a:sym typeface="Calibri" charset="0"/>
-            </a:endParaRPr>
           </a:p>
         </p:txBody>
       </p:sp>
@@ -20476,7 +20419,7 @@
               </a14:hiddenLine>
             </a:ext>
             <a:ext uri="{C572A759-6A51-4108-AA02-DFA0A04FC94B}">
-              <ma14:wrappingTextBoxFlag xmlns:ma14="http://schemas.microsoft.com/office/mac/drawingml/2011/main" val="1"/>
+              <ma14:wrappingTextBoxFlag xmlns:ma14="http://schemas.microsoft.com/office/mac/drawingml/2011/main" xmlns="" val="1"/>
             </a:ext>
           </a:extLst>
         </p:spPr>
@@ -20645,7 +20588,7 @@
               </a14:hiddenLine>
             </a:ext>
             <a:ext uri="{C572A759-6A51-4108-AA02-DFA0A04FC94B}">
-              <ma14:wrappingTextBoxFlag xmlns:ma14="http://schemas.microsoft.com/office/mac/drawingml/2011/main" val="1"/>
+              <ma14:wrappingTextBoxFlag xmlns:ma14="http://schemas.microsoft.com/office/mac/drawingml/2011/main" xmlns="" val="1"/>
             </a:ext>
           </a:extLst>
         </p:spPr>
@@ -21352,7 +21295,7 @@
           <a:lstStyle/>
           <a:p>
             <a:r>
-              <a:rPr lang="en-US" altLang="zh-CN" dirty="0" smtClean="0"/>
+              <a:rPr lang="en-US" altLang="zh-CN" dirty="0"/>
               <a:t>Shared among many services</a:t>
             </a:r>
             <a:endParaRPr lang="en-US" dirty="0"/>
@@ -23593,7 +23536,7 @@
               </a14:hiddenLine>
             </a:ext>
             <a:ext uri="{C572A759-6A51-4108-AA02-DFA0A04FC94B}">
-              <ma14:wrappingTextBoxFlag xmlns:ma14="http://schemas.microsoft.com/office/mac/drawingml/2011/main" val="1"/>
+              <ma14:wrappingTextBoxFlag xmlns:ma14="http://schemas.microsoft.com/office/mac/drawingml/2011/main" xmlns="" val="1"/>
             </a:ext>
           </a:extLst>
         </p:spPr>
@@ -23762,7 +23705,7 @@
               </a14:hiddenLine>
             </a:ext>
             <a:ext uri="{C572A759-6A51-4108-AA02-DFA0A04FC94B}">
-              <ma14:wrappingTextBoxFlag xmlns:ma14="http://schemas.microsoft.com/office/mac/drawingml/2011/main" val="1"/>
+              <ma14:wrappingTextBoxFlag xmlns:ma14="http://schemas.microsoft.com/office/mac/drawingml/2011/main" xmlns="" val="1"/>
             </a:ext>
           </a:extLst>
         </p:spPr>
@@ -23880,24 +23823,14 @@
           <a:p>
             <a:pPr eaLnBrk="1" hangingPunct="1"/>
             <a:r>
-              <a:rPr lang="en-US" altLang="x-none" sz="3000" b="0" dirty="0" smtClean="0">
+              <a:rPr lang="en-US" altLang="x-none" sz="3000" b="0" dirty="0">
                 <a:solidFill>
                   <a:schemeClr val="accent5"/>
                 </a:solidFill>
                 <a:latin typeface="Arial" charset="0"/>
                 <a:sym typeface="Calibri" charset="0"/>
               </a:rPr>
-              <a:t>Facebook </a:t>
-            </a:r>
-            <a:r>
-              <a:rPr lang="en-US" altLang="x-none" sz="3000" b="0" dirty="0">
-                <a:solidFill>
-                  <a:schemeClr val="accent5"/>
-                </a:solidFill>
-                <a:latin typeface="Arial" charset="0"/>
-                <a:sym typeface="Calibri" charset="0"/>
-              </a:rPr>
-              <a:t>server</a:t>
+              <a:t>Facebook server</a:t>
             </a:r>
           </a:p>
         </p:txBody>
@@ -23941,7 +23874,7 @@
               </a14:hiddenLine>
             </a:ext>
             <a:ext uri="{C572A759-6A51-4108-AA02-DFA0A04FC94B}">
-              <ma14:wrappingTextBoxFlag xmlns:ma14="http://schemas.microsoft.com/office/mac/drawingml/2011/main" val="1"/>
+              <ma14:wrappingTextBoxFlag xmlns:ma14="http://schemas.microsoft.com/office/mac/drawingml/2011/main" xmlns="" val="1"/>
             </a:ext>
           </a:extLst>
         </p:spPr>
@@ -24059,7 +23992,7 @@
           <a:p>
             <a:pPr eaLnBrk="1" hangingPunct="1"/>
             <a:r>
-              <a:rPr lang="en-US" altLang="x-none" sz="3000" b="0" smtClean="0">
+              <a:rPr lang="en-US" altLang="x-none" sz="3000" b="0">
                 <a:solidFill>
                   <a:schemeClr val="accent5"/>
                 </a:solidFill>
@@ -24069,7 +24002,7 @@
               <a:t>Chrome accessing </a:t>
             </a:r>
             <a:r>
-              <a:rPr lang="en-US" altLang="x-none" sz="3000" b="0" dirty="0" smtClean="0">
+              <a:rPr lang="en-US" altLang="x-none" sz="3000" b="0" dirty="0">
                 <a:solidFill>
                   <a:schemeClr val="accent5"/>
                 </a:solidFill>
@@ -24078,13 +24011,6 @@
               </a:rPr>
               <a:t>Facebook</a:t>
             </a:r>
-            <a:endParaRPr lang="en-US" altLang="x-none" sz="3000" b="0" dirty="0">
-              <a:solidFill>
-                <a:schemeClr val="accent5"/>
-              </a:solidFill>
-              <a:latin typeface="Arial" charset="0"/>
-              <a:sym typeface="Calibri" charset="0"/>
-            </a:endParaRPr>
           </a:p>
         </p:txBody>
       </p:sp>
@@ -24188,7 +24114,7 @@
               </a14:hiddenLine>
             </a:ext>
             <a:ext uri="{C572A759-6A51-4108-AA02-DFA0A04FC94B}">
-              <ma14:wrappingTextBoxFlag xmlns:ma14="http://schemas.microsoft.com/office/mac/drawingml/2011/main" val="1"/>
+              <ma14:wrappingTextBoxFlag xmlns:ma14="http://schemas.microsoft.com/office/mac/drawingml/2011/main" xmlns="" val="1"/>
             </a:ext>
           </a:extLst>
         </p:spPr>
@@ -24306,27 +24232,17 @@
           <a:p>
             <a:pPr eaLnBrk="1" hangingPunct="1"/>
             <a:r>
-              <a:rPr lang="en-US" altLang="x-none" sz="3000" b="0" smtClean="0">
+              <a:rPr lang="en-US" altLang="x-none" sz="3000" b="0">
                 <a:solidFill>
                   <a:schemeClr val="accent5"/>
                 </a:solidFill>
                 <a:latin typeface="Arial" charset="0"/>
                 <a:sym typeface="Calibri" charset="0"/>
               </a:rPr>
-              <a:t>World </a:t>
-            </a:r>
-            <a:r>
-              <a:rPr lang="en-US" altLang="x-none" sz="3000" b="0">
-                <a:solidFill>
-                  <a:schemeClr val="accent5"/>
-                </a:solidFill>
-                <a:latin typeface="Arial" charset="0"/>
-                <a:sym typeface="Calibri" charset="0"/>
-              </a:rPr>
-              <a:t>of </a:t>
-            </a:r>
-            <a:r>
-              <a:rPr lang="en-US" altLang="x-none" sz="3000" b="0" dirty="0" err="1" smtClean="0">
+              <a:t>World of </a:t>
+            </a:r>
+            <a:r>
+              <a:rPr lang="en-US" altLang="x-none" sz="3000" b="0" dirty="0" err="1">
                 <a:solidFill>
                   <a:schemeClr val="accent5"/>
                 </a:solidFill>
@@ -24336,7 +24252,7 @@
               <a:t>W</a:t>
             </a:r>
             <a:r>
-              <a:rPr lang="en-US" altLang="x-none" sz="3000" b="0" smtClean="0">
+              <a:rPr lang="en-US" altLang="x-none" sz="3000" b="0">
                 <a:solidFill>
                   <a:schemeClr val="accent5"/>
                 </a:solidFill>
@@ -24397,7 +24313,7 @@
               </a14:hiddenLine>
             </a:ext>
             <a:ext uri="{C572A759-6A51-4108-AA02-DFA0A04FC94B}">
-              <ma14:wrappingTextBoxFlag xmlns:ma14="http://schemas.microsoft.com/office/mac/drawingml/2011/main" val="1"/>
+              <ma14:wrappingTextBoxFlag xmlns:ma14="http://schemas.microsoft.com/office/mac/drawingml/2011/main" xmlns="" val="1"/>
             </a:ext>
           </a:extLst>
         </p:spPr>
@@ -24515,44 +24431,14 @@
           <a:p>
             <a:pPr eaLnBrk="1" hangingPunct="1"/>
             <a:r>
-              <a:rPr lang="en-US" altLang="x-none" sz="3000" b="0" dirty="0" smtClean="0">
+              <a:rPr lang="en-US" altLang="x-none" sz="3000" b="0" dirty="0">
                 <a:solidFill>
                   <a:schemeClr val="accent5"/>
                 </a:solidFill>
                 <a:latin typeface="Arial" charset="0"/>
                 <a:sym typeface="Calibri" charset="0"/>
               </a:rPr>
-              <a:t>World </a:t>
-            </a:r>
-            <a:r>
-              <a:rPr lang="en-US" altLang="x-none" sz="3000" b="0" dirty="0">
-                <a:solidFill>
-                  <a:schemeClr val="accent5"/>
-                </a:solidFill>
-                <a:latin typeface="Arial" charset="0"/>
-                <a:sym typeface="Calibri" charset="0"/>
-              </a:rPr>
-              <a:t>of </a:t>
-            </a:r>
-            <a:r>
-              <a:rPr lang="en-US" altLang="x-none" sz="3000" b="0" dirty="0" smtClean="0">
-                <a:solidFill>
-                  <a:schemeClr val="accent5"/>
-                </a:solidFill>
-                <a:latin typeface="Arial" charset="0"/>
-                <a:sym typeface="Calibri" charset="0"/>
-              </a:rPr>
-              <a:t>Warcraft </a:t>
-            </a:r>
-            <a:r>
-              <a:rPr lang="en-US" altLang="x-none" sz="3000" b="0" dirty="0">
-                <a:solidFill>
-                  <a:schemeClr val="accent5"/>
-                </a:solidFill>
-                <a:latin typeface="Arial" charset="0"/>
-                <a:sym typeface="Calibri" charset="0"/>
-              </a:rPr>
-              <a:t>server</a:t>
+              <a:t>World of Warcraft server</a:t>
             </a:r>
           </a:p>
         </p:txBody>
@@ -25030,10 +24916,9 @@
           <a:lstStyle/>
           <a:p>
             <a:r>
-              <a:rPr lang="en-US" dirty="0" smtClean="0"/>
+              <a:rPr lang="en-US" dirty="0"/>
               <a:t>A federated system</a:t>
             </a:r>
-            <a:endParaRPr lang="en-US" dirty="0"/>
           </a:p>
         </p:txBody>
       </p:sp>
@@ -25062,26 +24947,14 @@
                   <a:schemeClr val="accent5"/>
                 </a:solidFill>
               </a:rPr>
-              <a:t>IP </a:t>
-            </a:r>
-            <a:r>
-              <a:rPr lang="en-US" dirty="0" smtClean="0">
-                <a:solidFill>
-                  <a:schemeClr val="accent5"/>
-                </a:solidFill>
-              </a:rPr>
-              <a:t>protocol</a:t>
+              <a:t>IP protocol</a:t>
             </a:r>
           </a:p>
           <a:p>
             <a:pPr lvl="1"/>
             <a:r>
-              <a:rPr lang="en-US" dirty="0" smtClean="0"/>
-              <a:t>One </a:t>
-            </a:r>
-            <a:r>
               <a:rPr lang="en-US" dirty="0"/>
-              <a:t>interface to bind them all together</a:t>
+              <a:t>One interface to bind them all together</a:t>
             </a:r>
           </a:p>
         </p:txBody>
@@ -25143,13 +25016,6 @@
   <p:clrMapOvr>
     <a:masterClrMapping/>
   </p:clrMapOvr>
-  <p:timing>
-    <p:tnLst>
-      <p:par>
-        <p:cTn id="1" dur="indefinite" restart="never" nodeType="tmRoot"/>
-      </p:par>
-    </p:tnLst>
-  </p:timing>
 </p:sld>
 </file>
 
@@ -25186,10 +25052,9 @@
           <a:lstStyle/>
           <a:p>
             <a:r>
-              <a:rPr lang="en-US" dirty="0" smtClean="0"/>
+              <a:rPr lang="en-US" dirty="0"/>
               <a:t>Why a common interface?</a:t>
             </a:r>
-            <a:endParaRPr lang="en-US" dirty="0"/>
           </a:p>
         </p:txBody>
       </p:sp>
@@ -25210,26 +25075,14 @@
           <a:p>
             <a:r>
               <a:rPr lang="en-US" dirty="0"/>
-              <a:t>The Internet ties together different </a:t>
-            </a:r>
-            <a:r>
-              <a:rPr lang="en-US" dirty="0" smtClean="0"/>
-              <a:t>networks</a:t>
+              <a:t>The Internet ties together different networks</a:t>
             </a:r>
           </a:p>
           <a:p>
             <a:pPr lvl="1"/>
             <a:r>
-              <a:rPr lang="en-US" dirty="0" smtClean="0"/>
-              <a:t>&gt;</a:t>
-            </a:r>
-            <a:r>
               <a:rPr lang="en-US" dirty="0"/>
-              <a:t>18,000 ISP </a:t>
-            </a:r>
-            <a:r>
-              <a:rPr lang="en-US" dirty="0" smtClean="0"/>
-              <a:t>networks</a:t>
+              <a:t>&gt;18,000 ISP networks</a:t>
             </a:r>
           </a:p>
           <a:p>
@@ -25237,12 +25090,8 @@
           </a:p>
           <a:p>
             <a:r>
-              <a:rPr lang="en-US" dirty="0" smtClean="0"/>
-              <a:t>Interoperability </a:t>
-            </a:r>
-            <a:r>
               <a:rPr lang="en-US" dirty="0"/>
-              <a:t>between users and networks as well as between different networks</a:t>
+              <a:t>Interoperability between users and networks as well as between different networks</a:t>
             </a:r>
           </a:p>
         </p:txBody>
@@ -25478,10 +25327,9 @@
           <a:lstStyle/>
           <a:p>
             <a:r>
-              <a:rPr lang="en-US" dirty="0" smtClean="0"/>
+              <a:rPr lang="en-US" dirty="0"/>
               <a:t>Introduction</a:t>
             </a:r>
-            <a:endParaRPr lang="en-US" dirty="0"/>
           </a:p>
         </p:txBody>
       </p:sp>
@@ -25503,69 +25351,76 @@
         </p:spPr>
         <p:txBody>
           <a:bodyPr>
-            <a:normAutofit/>
+            <a:normAutofit lnSpcReduction="10000"/>
           </a:bodyPr>
           <a:lstStyle/>
           <a:p>
             <a:r>
-              <a:rPr lang="en-US" dirty="0" smtClean="0"/>
+              <a:rPr lang="en-US" dirty="0"/>
               <a:t>Instructor: Xin Jin</a:t>
             </a:r>
           </a:p>
           <a:p>
             <a:pPr lvl="1"/>
             <a:r>
-              <a:rPr lang="en-US" dirty="0" smtClean="0"/>
+              <a:rPr lang="en-US" dirty="0"/>
               <a:t>PhD in Computer Science from Princeton in June 2016</a:t>
             </a:r>
           </a:p>
           <a:p>
             <a:pPr lvl="1"/>
             <a:r>
-              <a:rPr lang="en-US" dirty="0" smtClean="0"/>
+              <a:rPr lang="en-US" dirty="0"/>
               <a:t>On the Hopkins faculty since July 2017</a:t>
             </a:r>
           </a:p>
           <a:p>
             <a:pPr lvl="1"/>
             <a:r>
-              <a:rPr lang="en-US" dirty="0" smtClean="0"/>
-              <a:t>Research areas: computer networks, distributed systems</a:t>
+              <a:rPr lang="en-US" dirty="0"/>
+              <a:t>Research areas: computer networks, computer systems</a:t>
             </a:r>
           </a:p>
           <a:p>
             <a:pPr lvl="1"/>
             <a:r>
-              <a:rPr lang="en-US" dirty="0" smtClean="0"/>
+              <a:rPr lang="en-US" dirty="0"/>
               <a:t>Current research</a:t>
             </a:r>
           </a:p>
           <a:p>
             <a:pPr lvl="2"/>
             <a:r>
-              <a:rPr lang="en-US" dirty="0" smtClean="0"/>
-              <a:t>Co-design networks and distributed systems with new-generation programmable switches</a:t>
+              <a:rPr lang="en-US" dirty="0"/>
+              <a:t>Programmable networks</a:t>
             </a:r>
           </a:p>
           <a:p>
             <a:pPr lvl="2"/>
             <a:r>
-              <a:rPr lang="en-US" dirty="0" smtClean="0"/>
-              <a:t>Design low-latency data analytics systems with approximate and sub-linear techniques</a:t>
+              <a:rPr lang="en-US" dirty="0"/>
+              <a:t>Systems + machine learning</a:t>
             </a:r>
           </a:p>
           <a:p>
             <a:pPr lvl="2"/>
             <a:r>
-              <a:rPr lang="en-US" dirty="0" smtClean="0"/>
-              <a:t>Design self-driving networks with SDN and AI</a:t>
+              <a:rPr lang="en-US" dirty="0"/>
+              <a:t>Low-latency systems for data analytics</a:t>
+            </a:r>
+          </a:p>
+          <a:p>
+            <a:pPr lvl="2"/>
+            <a:r>
+              <a:rPr lang="en-US" dirty="0"/>
+              <a:t>Software-defined networking</a:t>
             </a:r>
           </a:p>
           <a:p>
             <a:pPr lvl="1"/>
             <a:r>
-              <a:rPr lang="en-US" dirty="0" smtClean="0"/>
-              <a:t>EN.601.714 Advanced Computer Networks (fall semester): exciting new developments of computer networks</a:t>
+              <a:rPr lang="en-US" dirty="0"/>
+              <a:t>EN.601.714 Advanced Computer Networks (spring semester): exciting new developments of computer networks</a:t>
             </a:r>
           </a:p>
         </p:txBody>
@@ -25603,13 +25458,6 @@
   <p:clrMapOvr>
     <a:masterClrMapping/>
   </p:clrMapOvr>
-  <p:timing>
-    <p:tnLst>
-      <p:par>
-        <p:cTn id="1" dur="indefinite" restart="never" nodeType="tmRoot"/>
-      </p:par>
-    </p:tnLst>
-  </p:timing>
 </p:sld>
 </file>
 
@@ -25646,10 +25494,9 @@
           <a:lstStyle/>
           <a:p>
             <a:r>
-              <a:rPr lang="en-US" dirty="0" smtClean="0"/>
+              <a:rPr lang="en-US" dirty="0"/>
               <a:t>Massive Scale</a:t>
             </a:r>
-            <a:endParaRPr lang="en-US" dirty="0"/>
           </a:p>
         </p:txBody>
       </p:sp>
@@ -25669,89 +25516,49 @@
           <a:lstStyle/>
           <a:p>
             <a:r>
-              <a:rPr lang="en-US" dirty="0" smtClean="0">
+              <a:rPr lang="en-US" dirty="0">
                 <a:solidFill>
                   <a:schemeClr val="accent5"/>
                 </a:solidFill>
               </a:rPr>
-              <a:t>4.2 </a:t>
-            </a:r>
+              <a:t>4.2 Billion </a:t>
+            </a:r>
+            <a:r>
+              <a:rPr lang="en-US" dirty="0"/>
+              <a:t>users (55% of world population)</a:t>
+            </a:r>
+          </a:p>
+          <a:p>
             <a:r>
               <a:rPr lang="en-US" dirty="0">
                 <a:solidFill>
                   <a:schemeClr val="accent5"/>
                 </a:solidFill>
               </a:rPr>
-              <a:t>Billion </a:t>
+              <a:t>1 Trillion </a:t>
             </a:r>
             <a:r>
               <a:rPr lang="en-US" dirty="0"/>
-              <a:t>users </a:t>
-            </a:r>
-            <a:r>
-              <a:rPr lang="en-US" dirty="0" smtClean="0"/>
-              <a:t>(55% </a:t>
+              <a:t>websites</a:t>
+            </a:r>
+          </a:p>
+          <a:p>
+            <a:r>
+              <a:rPr lang="en-US" dirty="0">
+                <a:solidFill>
+                  <a:schemeClr val="accent5"/>
+                </a:solidFill>
+              </a:rPr>
+              <a:t>200 Billion </a:t>
             </a:r>
             <a:r>
               <a:rPr lang="en-US" dirty="0"/>
-              <a:t>of world population</a:t>
-            </a:r>
-            <a:r>
-              <a:rPr lang="en-US" dirty="0" smtClean="0"/>
-              <a:t>)</a:t>
-            </a:r>
-          </a:p>
-          <a:p>
-            <a:r>
-              <a:rPr lang="en-US" dirty="0" smtClean="0">
-                <a:solidFill>
-                  <a:schemeClr val="accent5"/>
-                </a:solidFill>
-              </a:rPr>
-              <a:t>1 </a:t>
-            </a:r>
+              <a:t>emails sent per day</a:t>
+            </a:r>
+          </a:p>
+          <a:p>
             <a:r>
               <a:rPr lang="en-US" dirty="0">
-                <a:solidFill>
-                  <a:schemeClr val="accent5"/>
-                </a:solidFill>
-              </a:rPr>
-              <a:t>Trillion </a:t>
-            </a:r>
-            <a:r>
-              <a:rPr lang="en-US" dirty="0" smtClean="0"/>
-              <a:t>websites</a:t>
-            </a:r>
-          </a:p>
-          <a:p>
-            <a:r>
-              <a:rPr lang="en-US" dirty="0" smtClean="0">
-                <a:solidFill>
-                  <a:schemeClr val="accent5"/>
-                </a:solidFill>
-              </a:rPr>
-              <a:t>200 </a:t>
-            </a:r>
-            <a:r>
-              <a:rPr lang="en-US" dirty="0">
-                <a:solidFill>
-                  <a:schemeClr val="accent5"/>
-                </a:solidFill>
-              </a:rPr>
-              <a:t>Billion </a:t>
-            </a:r>
-            <a:r>
-              <a:rPr lang="en-US" dirty="0"/>
-              <a:t>emails sent per </a:t>
-            </a:r>
-            <a:r>
-              <a:rPr lang="en-US" dirty="0" smtClean="0"/>
-              <a:t>day</a:t>
-            </a:r>
-          </a:p>
-          <a:p>
-            <a:r>
-              <a:rPr lang="en-US" dirty="0" smtClean="0">
                 <a:solidFill>
                   <a:schemeClr val="accent5"/>
                 </a:solidFill>
@@ -25759,7 +25566,7 @@
               <a:t>2</a:t>
             </a:r>
             <a:r>
-              <a:rPr lang="en-US" altLang="zh-CN" dirty="0" smtClean="0">
+              <a:rPr lang="en-US" altLang="zh-CN" dirty="0">
                 <a:solidFill>
                   <a:schemeClr val="accent5"/>
                 </a:solidFill>
@@ -25767,29 +25574,21 @@
               <a:t>.5</a:t>
             </a:r>
             <a:r>
-              <a:rPr lang="en-US" dirty="0" smtClean="0">
+              <a:rPr lang="en-US" dirty="0">
                 <a:solidFill>
                   <a:schemeClr val="accent5"/>
                 </a:solidFill>
               </a:rPr>
-              <a:t> </a:t>
-            </a:r>
-            <a:r>
-              <a:rPr lang="en-US" dirty="0">
-                <a:solidFill>
-                  <a:schemeClr val="accent5"/>
-                </a:solidFill>
-              </a:rPr>
-              <a:t>Billion </a:t>
-            </a:r>
-            <a:r>
-              <a:rPr lang="en-US" dirty="0" smtClean="0"/>
+              <a:t> Billion </a:t>
+            </a:r>
+            <a:r>
+              <a:rPr lang="en-US" dirty="0"/>
               <a:t>smartphones</a:t>
             </a:r>
           </a:p>
           <a:p>
             <a:r>
-              <a:rPr lang="en-US" altLang="zh-CN" dirty="0" smtClean="0">
+              <a:rPr lang="en-US" altLang="zh-CN" dirty="0">
                 <a:solidFill>
                   <a:schemeClr val="accent5"/>
                 </a:solidFill>
@@ -25797,7 +25596,7 @@
               <a:t>2</a:t>
             </a:r>
             <a:r>
-              <a:rPr lang="en-US" dirty="0" smtClean="0">
+              <a:rPr lang="en-US" dirty="0">
                 <a:solidFill>
                   <a:schemeClr val="accent5"/>
                 </a:solidFill>
@@ -25805,7 +25604,7 @@
               <a:t>.</a:t>
             </a:r>
             <a:r>
-              <a:rPr lang="en-US" altLang="zh-CN" dirty="0" smtClean="0">
+              <a:rPr lang="en-US" altLang="zh-CN" dirty="0">
                 <a:solidFill>
                   <a:schemeClr val="accent5"/>
                 </a:solidFill>
@@ -25813,90 +25612,50 @@
               <a:t>2</a:t>
             </a:r>
             <a:r>
-              <a:rPr lang="en-US" dirty="0" smtClean="0">
+              <a:rPr lang="en-US" dirty="0">
                 <a:solidFill>
                   <a:schemeClr val="accent5"/>
                 </a:solidFill>
               </a:rPr>
-              <a:t> </a:t>
-            </a:r>
+              <a:t> Billion </a:t>
+            </a:r>
+            <a:r>
+              <a:rPr lang="en-US" dirty="0"/>
+              <a:t>Facebook users</a:t>
+            </a:r>
+          </a:p>
+          <a:p>
             <a:r>
               <a:rPr lang="en-US" dirty="0">
                 <a:solidFill>
                   <a:schemeClr val="accent5"/>
                 </a:solidFill>
               </a:rPr>
-              <a:t>Billion </a:t>
+              <a:t>4 Billion </a:t>
             </a:r>
             <a:r>
               <a:rPr lang="en-US" dirty="0"/>
-              <a:t>Facebook </a:t>
-            </a:r>
-            <a:r>
-              <a:rPr lang="en-US" dirty="0" smtClean="0"/>
-              <a:t>users</a:t>
-            </a:r>
-          </a:p>
-          <a:p>
-            <a:r>
-              <a:rPr lang="en-US" dirty="0" smtClean="0">
+              <a:t>YouTube videos watched per day</a:t>
+            </a:r>
+          </a:p>
+          <a:p>
+            <a:r>
+              <a:rPr lang="en-US" dirty="0"/>
+              <a:t>Routers that switch </a:t>
+            </a:r>
+            <a:r>
+              <a:rPr lang="en-US" dirty="0">
                 <a:solidFill>
                   <a:schemeClr val="accent5"/>
                 </a:solidFill>
               </a:rPr>
-              <a:t>4 </a:t>
-            </a:r>
-            <a:r>
-              <a:rPr lang="en-US" dirty="0">
-                <a:solidFill>
-                  <a:schemeClr val="accent5"/>
-                </a:solidFill>
-              </a:rPr>
-              <a:t>Billion </a:t>
-            </a:r>
+              <a:t>10 Terabits/second</a:t>
+            </a:r>
+          </a:p>
+          <a:p>
             <a:r>
               <a:rPr lang="en-US" dirty="0"/>
-              <a:t>YouTube videos watched per </a:t>
-            </a:r>
-            <a:r>
-              <a:rPr lang="en-US" dirty="0" smtClean="0"/>
-              <a:t>day</a:t>
-            </a:r>
-          </a:p>
-          <a:p>
-            <a:r>
-              <a:rPr lang="en-US" dirty="0" smtClean="0"/>
-              <a:t>Routers </a:t>
-            </a:r>
-            <a:r>
-              <a:rPr lang="en-US" dirty="0"/>
-              <a:t>that switch </a:t>
-            </a:r>
-            <a:r>
-              <a:rPr lang="en-US" dirty="0">
-                <a:solidFill>
-                  <a:schemeClr val="accent5"/>
-                </a:solidFill>
-              </a:rPr>
-              <a:t>10 </a:t>
-            </a:r>
-            <a:r>
-              <a:rPr lang="en-US" dirty="0" smtClean="0">
-                <a:solidFill>
-                  <a:schemeClr val="accent5"/>
-                </a:solidFill>
-              </a:rPr>
-              <a:t>Terabits/second</a:t>
-            </a:r>
-          </a:p>
-          <a:p>
-            <a:r>
-              <a:rPr lang="en-US" dirty="0" smtClean="0"/>
-              <a:t>Links </a:t>
-            </a:r>
-            <a:r>
-              <a:rPr lang="en-US" dirty="0"/>
-              <a:t>that carry </a:t>
+              <a:t>Links that carry </a:t>
             </a:r>
             <a:r>
               <a:rPr lang="en-US" dirty="0">
@@ -25942,13 +25701,6 @@
   <p:clrMapOvr>
     <a:masterClrMapping/>
   </p:clrMapOvr>
-  <p:timing>
-    <p:tnLst>
-      <p:par>
-        <p:cTn id="1" dur="indefinite" restart="never" nodeType="tmRoot"/>
-      </p:par>
-    </p:tnLst>
-  </p:timing>
 </p:sld>
 </file>
 
@@ -26043,21 +25795,8 @@
             <a:pPr lvl="1"/>
             <a:r>
               <a:rPr lang="en-US" dirty="0"/>
-              <a:t>Video streaming, social networking, file transfer, </a:t>
-            </a:r>
-            <a:r>
-              <a:rPr lang="en-US" dirty="0" smtClean="0"/>
-              <a:t>live TV, gaming</a:t>
-            </a:r>
-            <a:r>
-              <a:rPr lang="en-US" dirty="0"/>
-              <a:t>, remote medicine, </a:t>
-            </a:r>
-            <a:r>
-              <a:rPr lang="en-US" dirty="0" smtClean="0"/>
-              <a:t>messaging, cryptocurrency</a:t>
-            </a:r>
-            <a:endParaRPr lang="en-US" dirty="0"/>
+              <a:t>Video streaming, social networking, file transfer, live TV, gaming, remote medicine, messaging, cryptocurrency</a:t>
+            </a:r>
           </a:p>
           <a:p>
             <a:r>
@@ -27883,15 +27622,7 @@
           <a:p>
             <a:r>
               <a:rPr lang="en-US" dirty="0"/>
-              <a:t>What is </a:t>
-            </a:r>
-            <a:r>
-              <a:rPr lang="en-US" dirty="0" smtClean="0"/>
-              <a:t>601.414/614 about</a:t>
-            </a:r>
-            <a:r>
-              <a:rPr lang="en-US" dirty="0"/>
-              <a:t>?</a:t>
+              <a:t>What is 601.414/614 about?</a:t>
             </a:r>
           </a:p>
         </p:txBody>
@@ -28387,7 +28118,7 @@
           <a:lstStyle/>
           <a:p>
             <a:r>
-              <a:rPr lang="en-US" dirty="0" smtClean="0"/>
+              <a:rPr lang="en-US" dirty="0"/>
               <a:t>Basics</a:t>
             </a:r>
           </a:p>
@@ -28395,95 +28126,70 @@
             <a:pPr lvl="1"/>
             <a:r>
               <a:rPr lang="en-US" dirty="0"/>
-              <a:t>Packets, circuits, multiplexing, delay, loss, </a:t>
-            </a:r>
-            <a:r>
-              <a:rPr lang="en-US" dirty="0" smtClean="0"/>
-              <a:t>protocols</a:t>
+              <a:t>Packets, circuits, multiplexing, delay, loss, protocols</a:t>
             </a:r>
           </a:p>
           <a:p>
             <a:pPr lvl="1"/>
             <a:r>
-              <a:rPr lang="en-US" dirty="0" smtClean="0"/>
+              <a:rPr lang="en-US" dirty="0"/>
               <a:t>Application layer: HTTP</a:t>
             </a:r>
           </a:p>
           <a:p>
             <a:pPr lvl="1"/>
             <a:r>
-              <a:rPr lang="en-US" dirty="0" smtClean="0"/>
+              <a:rPr lang="en-US" dirty="0"/>
               <a:t>Transport layer: TCP, UDP, congestion control</a:t>
             </a:r>
           </a:p>
           <a:p>
             <a:pPr lvl="1"/>
             <a:r>
-              <a:rPr lang="en-US" dirty="0" smtClean="0"/>
+              <a:rPr lang="en-US" dirty="0"/>
               <a:t>Network layer: IP, routing protocols</a:t>
             </a:r>
           </a:p>
           <a:p>
             <a:pPr lvl="1"/>
             <a:r>
-              <a:rPr lang="en-US" dirty="0" smtClean="0"/>
+              <a:rPr lang="en-US" dirty="0"/>
               <a:t>Link layer: Ethernet, wireless</a:t>
             </a:r>
           </a:p>
           <a:p>
             <a:pPr lvl="1"/>
             <a:r>
-              <a:rPr lang="en-US" dirty="0" smtClean="0"/>
-              <a:t>Standard network course (</a:t>
-            </a:r>
-            <a:r>
-              <a:rPr lang="en-US" smtClean="0"/>
-              <a:t>e.g., Princeton </a:t>
-            </a:r>
-            <a:r>
-              <a:rPr lang="en-US" dirty="0" smtClean="0"/>
-              <a:t>461 and </a:t>
-            </a:r>
-            <a:r>
-              <a:rPr lang="en-US" dirty="0" err="1" smtClean="0"/>
-              <a:t>UMich</a:t>
-            </a:r>
-            <a:r>
-              <a:rPr lang="en-US" dirty="0" smtClean="0"/>
-              <a:t> 489)</a:t>
-            </a:r>
-          </a:p>
-          <a:p>
-            <a:r>
-              <a:rPr lang="en-US" dirty="0" smtClean="0"/>
-              <a:t>New EXCITING materials</a:t>
+              <a:rPr lang="en-US" dirty="0"/>
+              <a:t>Standard network course (e.g., Princeton 461, Berkeley 168)</a:t>
+            </a:r>
+          </a:p>
+          <a:p>
+            <a:r>
+              <a:rPr lang="en-US" dirty="0"/>
+              <a:t>New EXCITING materials (updated from last year)</a:t>
             </a:r>
           </a:p>
           <a:p>
             <a:pPr lvl="1"/>
             <a:r>
-              <a:rPr lang="en-US" dirty="0" smtClean="0"/>
+              <a:rPr lang="en-US" dirty="0"/>
               <a:t>Programmable networks, software defined networking (SDN)</a:t>
             </a:r>
           </a:p>
           <a:p>
             <a:pPr lvl="1"/>
             <a:r>
-              <a:rPr lang="en-US" dirty="0" smtClean="0"/>
-              <a:t>Big network data processing, cloud computing</a:t>
+              <a:rPr lang="en-US" dirty="0"/>
+              <a:t>Frontiers of networking research in the age of AI and ML</a:t>
             </a:r>
           </a:p>
           <a:p>
             <a:pPr lvl="1"/>
             <a:r>
-              <a:rPr lang="en-US" dirty="0" err="1" smtClean="0"/>
-              <a:t>Blockchain</a:t>
-            </a:r>
-            <a:r>
-              <a:rPr lang="en-US" dirty="0" smtClean="0"/>
-              <a:t>, Bitcoin, and decentralized Internet applications</a:t>
-            </a:r>
-            <a:endParaRPr lang="en-US" dirty="0"/>
+              <a:rPr lang="en-US" dirty="0"/>
+              <a:t>Big network data, cloud computing, Blockchain, Bitcoin</a:t>
+            </a:r>
           </a:p>
           <a:p>
             <a:pPr lvl="1"/>
@@ -28524,13 +28230,6 @@
   <p:clrMapOvr>
     <a:masterClrMapping/>
   </p:clrMapOvr>
-  <p:timing>
-    <p:tnLst>
-      <p:par>
-        <p:cTn id="1" dur="indefinite" restart="never" nodeType="tmRoot"/>
-      </p:par>
-    </p:tnLst>
-  </p:timing>
 </p:sld>
 </file>
 
@@ -28567,10 +28266,9 @@
           <a:lstStyle/>
           <a:p>
             <a:r>
-              <a:rPr lang="en-US" dirty="0" smtClean="0"/>
+              <a:rPr lang="en-US" dirty="0"/>
               <a:t>Class workload</a:t>
             </a:r>
-            <a:endParaRPr lang="en-US" dirty="0"/>
           </a:p>
         </p:txBody>
       </p:sp>
@@ -28591,36 +28289,36 @@
           <a:p>
             <a:r>
               <a:rPr lang="en-US" dirty="0"/>
-              <a:t>Four </a:t>
-            </a:r>
-            <a:r>
-              <a:rPr lang="en-US" dirty="0" smtClean="0"/>
-              <a:t>programming assignments</a:t>
-            </a:r>
+              <a:t>In-class participation</a:t>
+            </a:r>
+          </a:p>
+          <a:p>
+            <a:pPr lvl="1"/>
+            <a:r>
+              <a:rPr lang="en-US" dirty="0"/>
+              <a:t>Group discussion in Zoom breakout zooms</a:t>
+            </a:r>
+          </a:p>
+          <a:p>
+            <a:pPr marL="0" indent="0">
+              <a:buNone/>
+            </a:pPr>
             <a:endParaRPr lang="en-US" dirty="0"/>
           </a:p>
           <a:p>
             <a:r>
-              <a:rPr lang="en-US" dirty="0" smtClean="0"/>
-              <a:t>Exams</a:t>
-            </a:r>
+              <a:rPr lang="en-US" dirty="0"/>
+              <a:t>Four programming assignments</a:t>
+            </a:r>
+          </a:p>
+          <a:p>
             <a:endParaRPr lang="en-US" dirty="0"/>
           </a:p>
           <a:p>
-            <a:pPr lvl="1"/>
-            <a:r>
-              <a:rPr lang="en-US" dirty="0" smtClean="0"/>
-              <a:t>Midterm exam: March 13</a:t>
-            </a:r>
-            <a:endParaRPr lang="en-US" dirty="0"/>
-          </a:p>
-          <a:p>
-            <a:pPr lvl="1"/>
-            <a:r>
-              <a:rPr lang="en-US" dirty="0" smtClean="0"/>
-              <a:t>Final exam: final examination period</a:t>
-            </a:r>
-            <a:endParaRPr lang="en-US" dirty="0"/>
+            <a:r>
+              <a:rPr lang="en-US" dirty="0"/>
+              <a:t>Two exams: midterm exam and final exam</a:t>
+            </a:r>
           </a:p>
           <a:p>
             <a:endParaRPr lang="en-US" dirty="0"/>
@@ -28660,13 +28358,6 @@
   <p:clrMapOvr>
     <a:masterClrMapping/>
   </p:clrMapOvr>
-  <p:timing>
-    <p:tnLst>
-      <p:par>
-        <p:cTn id="1" dur="indefinite" restart="never" nodeType="tmRoot"/>
-      </p:par>
-    </p:tnLst>
-  </p:timing>
 </p:sld>
 </file>
 
@@ -28703,10 +28394,9 @@
           <a:lstStyle/>
           <a:p>
             <a:r>
-              <a:rPr lang="en-US" dirty="0" smtClean="0"/>
+              <a:rPr lang="en-US" dirty="0"/>
               <a:t>Grading</a:t>
             </a:r>
-            <a:endParaRPr lang="en-US" dirty="0"/>
           </a:p>
         </p:txBody>
       </p:sp>
@@ -28722,46 +28412,56 @@
         </p:nvSpPr>
         <p:spPr/>
         <p:txBody>
-          <a:bodyPr/>
+          <a:bodyPr>
+            <a:normAutofit lnSpcReduction="10000"/>
+          </a:bodyPr>
           <a:lstStyle/>
           <a:p>
             <a:r>
-              <a:rPr lang="en-US" dirty="0" smtClean="0"/>
-              <a:t>Class participation: 5%</a:t>
+              <a:rPr lang="en-US" dirty="0"/>
+              <a:t>Class participation: 20%</a:t>
             </a:r>
           </a:p>
           <a:p>
             <a:pPr lvl="1"/>
             <a:r>
-              <a:rPr lang="en-US" dirty="0" smtClean="0"/>
+              <a:rPr lang="en-US" dirty="0"/>
               <a:t>Small quiz in class</a:t>
             </a:r>
           </a:p>
           <a:p>
             <a:r>
-              <a:rPr lang="en-US" dirty="0" smtClean="0"/>
+              <a:rPr lang="en-US" dirty="0"/>
               <a:t>Programming assignments: 40%</a:t>
             </a:r>
           </a:p>
           <a:p>
             <a:pPr lvl="1"/>
             <a:r>
-              <a:rPr lang="en-US" dirty="0" smtClean="0"/>
+              <a:rPr lang="en-US" dirty="0"/>
               <a:t>10% for each assignment</a:t>
             </a:r>
           </a:p>
           <a:p>
             <a:r>
-              <a:rPr lang="en-US" dirty="0" smtClean="0"/>
-              <a:t>Midterm exam: 25%</a:t>
-            </a:r>
-          </a:p>
-          <a:p>
-            <a:r>
-              <a:rPr lang="en-US" dirty="0" smtClean="0"/>
-              <a:t>Final exam: 30%</a:t>
-            </a:r>
+              <a:rPr lang="en-US" dirty="0"/>
+              <a:t>Midterm exam: 20%</a:t>
+            </a:r>
+          </a:p>
+          <a:p>
+            <a:r>
+              <a:rPr lang="en-US" dirty="0"/>
+              <a:t>Final exam: 20%</a:t>
+            </a:r>
+          </a:p>
+          <a:p>
             <a:endParaRPr lang="en-US" dirty="0"/>
+          </a:p>
+          <a:p>
+            <a:r>
+              <a:rPr lang="en-US" b="0" dirty="0"/>
+              <a:t>Purpose: The grading policy is refined to enhance participation and reduce pressure of exams for online course</a:t>
+            </a:r>
           </a:p>
         </p:txBody>
       </p:sp>
@@ -28798,13 +28498,6 @@
   <p:clrMapOvr>
     <a:masterClrMapping/>
   </p:clrMapOvr>
-  <p:timing>
-    <p:tnLst>
-      <p:par>
-        <p:cTn id="1" dur="indefinite" restart="never" nodeType="tmRoot"/>
-      </p:par>
-    </p:tnLst>
-  </p:timing>
 </p:sld>
 </file>
 
@@ -28841,10 +28534,9 @@
           <a:lstStyle/>
           <a:p>
             <a:r>
-              <a:rPr lang="en-US" dirty="0" smtClean="0"/>
+              <a:rPr lang="en-US" dirty="0"/>
               <a:t>Programming assignments</a:t>
             </a:r>
-            <a:endParaRPr lang="en-US" dirty="0"/>
           </a:p>
         </p:txBody>
       </p:sp>
@@ -28872,71 +28564,45 @@
           <a:p>
             <a:r>
               <a:rPr lang="en-US" b="0" dirty="0"/>
-              <a:t>Assignment 1: </a:t>
-            </a:r>
-            <a:r>
-              <a:rPr lang="en-US" b="0" dirty="0" smtClean="0"/>
-              <a:t>socket programming</a:t>
-            </a:r>
+              <a:t>Assignment 1: socket programming</a:t>
+            </a:r>
+          </a:p>
+          <a:p>
+            <a:r>
+              <a:rPr lang="en-US" b="0" dirty="0"/>
+              <a:t>Assignment 2: routing algorithms</a:t>
+            </a:r>
+          </a:p>
+          <a:p>
+            <a:r>
+              <a:rPr lang="en-US" b="0" dirty="0"/>
+              <a:t>Assignment 3: congestion control</a:t>
+            </a:r>
+          </a:p>
+          <a:p>
+            <a:r>
+              <a:rPr lang="en-US" b="0" dirty="0"/>
+              <a:t>Assignment 4:</a:t>
+            </a:r>
+            <a:r>
+              <a:rPr lang="zh-CN" altLang="en-US" b="0" dirty="0"/>
+              <a:t> </a:t>
+            </a:r>
+            <a:r>
+              <a:rPr lang="en-US" altLang="zh-CN" b="0" dirty="0"/>
+              <a:t>programmable</a:t>
+            </a:r>
+            <a:r>
+              <a:rPr lang="zh-CN" altLang="en-US" b="0" dirty="0"/>
+              <a:t> </a:t>
+            </a:r>
+            <a:r>
+              <a:rPr lang="en-US" altLang="zh-CN" b="0" dirty="0"/>
+              <a:t>networks</a:t>
+            </a:r>
+          </a:p>
+          <a:p>
             <a:endParaRPr lang="en-US" b="0" dirty="0"/>
-          </a:p>
-          <a:p>
-            <a:r>
-              <a:rPr lang="en-US" b="0" dirty="0"/>
-              <a:t>Assignment 2</a:t>
-            </a:r>
-            <a:r>
-              <a:rPr lang="en-US" b="0" dirty="0" smtClean="0"/>
-              <a:t>: routing algorithms</a:t>
-            </a:r>
-            <a:endParaRPr lang="en-US" b="0" dirty="0"/>
-          </a:p>
-          <a:p>
-            <a:r>
-              <a:rPr lang="en-US" b="0" dirty="0"/>
-              <a:t>Assignment 3: </a:t>
-            </a:r>
-            <a:r>
-              <a:rPr lang="en-US" b="0" dirty="0" smtClean="0"/>
-              <a:t>congestion control</a:t>
-            </a:r>
-            <a:endParaRPr lang="en-US" b="0" dirty="0"/>
-          </a:p>
-          <a:p>
-            <a:r>
-              <a:rPr lang="en-US" b="0" dirty="0"/>
-              <a:t>Assignment 4</a:t>
-            </a:r>
-            <a:r>
-              <a:rPr lang="en-US" b="0" dirty="0" smtClean="0"/>
-              <a:t>:</a:t>
-            </a:r>
-            <a:r>
-              <a:rPr lang="zh-CN" altLang="en-US" b="0" dirty="0" smtClean="0"/>
-              <a:t> </a:t>
-            </a:r>
-            <a:r>
-              <a:rPr lang="en-US" altLang="zh-CN" b="0" dirty="0" smtClean="0"/>
-              <a:t>programmable</a:t>
-            </a:r>
-            <a:r>
-              <a:rPr lang="zh-CN" altLang="en-US" b="0" dirty="0" smtClean="0"/>
-              <a:t> </a:t>
-            </a:r>
-            <a:r>
-              <a:rPr lang="en-US" altLang="zh-CN" b="0" dirty="0" smtClean="0"/>
-              <a:t>networks</a:t>
-            </a:r>
-          </a:p>
-          <a:p>
-            <a:endParaRPr lang="en-US" b="0" dirty="0"/>
-          </a:p>
-          <a:p>
-            <a:r>
-              <a:rPr lang="en-US" b="0" dirty="0" smtClean="0"/>
-              <a:t>Updated from last year</a:t>
-            </a:r>
-            <a:endParaRPr lang="en-US" dirty="0"/>
           </a:p>
         </p:txBody>
       </p:sp>
@@ -28973,13 +28639,6 @@
   <p:clrMapOvr>
     <a:masterClrMapping/>
   </p:clrMapOvr>
-  <p:timing>
-    <p:tnLst>
-      <p:par>
-        <p:cTn id="1" dur="indefinite" restart="never" nodeType="tmRoot"/>
-      </p:par>
-    </p:tnLst>
-  </p:timing>
 </p:sld>
 </file>
 
@@ -29016,10 +28675,9 @@
           <a:lstStyle/>
           <a:p>
             <a:r>
-              <a:rPr lang="en-US" dirty="0" smtClean="0"/>
+              <a:rPr lang="en-US" dirty="0"/>
               <a:t>Introduction</a:t>
             </a:r>
-            <a:endParaRPr lang="en-US" dirty="0"/>
           </a:p>
         </p:txBody>
       </p:sp>
@@ -29039,30 +28697,30 @@
           <a:lstStyle/>
           <a:p>
             <a:r>
-              <a:rPr lang="en-US" dirty="0" smtClean="0"/>
+              <a:rPr lang="en-US" dirty="0"/>
               <a:t>Teaching assistants: </a:t>
             </a:r>
             <a:r>
-              <a:rPr lang="en-US" dirty="0" err="1" smtClean="0"/>
+              <a:rPr lang="en-US" dirty="0" err="1"/>
               <a:t>Zhihao</a:t>
             </a:r>
             <a:r>
-              <a:rPr lang="en-US" dirty="0" smtClean="0"/>
-              <a:t> Bai, Hang Zhu</a:t>
+              <a:rPr lang="en-US" dirty="0"/>
+              <a:t> Bai</a:t>
             </a:r>
           </a:p>
           <a:p>
             <a:pPr lvl="1"/>
             <a:r>
-              <a:rPr lang="en-US" dirty="0" smtClean="0"/>
+              <a:rPr lang="en-US" dirty="0"/>
               <a:t>PhD student in computer science</a:t>
             </a:r>
           </a:p>
           <a:p>
             <a:pPr lvl="1"/>
             <a:r>
-              <a:rPr lang="en-US" dirty="0" smtClean="0"/>
-              <a:t>Interested in computer networks and distributed systems</a:t>
+              <a:rPr lang="en-US" dirty="0"/>
+              <a:t>Interested in computer networks and machine learning systems</a:t>
             </a:r>
           </a:p>
           <a:p>
@@ -29070,10 +28728,31 @@
           </a:p>
           <a:p>
             <a:r>
-              <a:rPr lang="en-US" dirty="0" smtClean="0"/>
-              <a:t>Course assistants: TBD</a:t>
-            </a:r>
-            <a:endParaRPr lang="en-US" dirty="0"/>
+              <a:rPr lang="en-US" dirty="0"/>
+              <a:t>Course assistants:</a:t>
+            </a:r>
+          </a:p>
+          <a:p>
+            <a:pPr lvl="1"/>
+            <a:r>
+              <a:rPr lang="en-US" dirty="0" err="1"/>
+              <a:t>Ziming</a:t>
+            </a:r>
+            <a:r>
+              <a:rPr lang="en-US" dirty="0"/>
+              <a:t> Chen</a:t>
+            </a:r>
+          </a:p>
+          <a:p>
+            <a:pPr lvl="1"/>
+            <a:r>
+              <a:rPr lang="en-US" dirty="0" err="1"/>
+              <a:t>Kun</a:t>
+            </a:r>
+            <a:r>
+              <a:rPr lang="en-US" dirty="0"/>
+              <a:t> (Ryan) Liu</a:t>
+            </a:r>
           </a:p>
         </p:txBody>
       </p:sp>
@@ -29110,13 +28789,6 @@
   <p:clrMapOvr>
     <a:masterClrMapping/>
   </p:clrMapOvr>
-  <p:timing>
-    <p:tnLst>
-      <p:par>
-        <p:cTn id="1" dur="indefinite" restart="never" nodeType="tmRoot"/>
-      </p:par>
-    </p:tnLst>
-  </p:timing>
 </p:sld>
 </file>
 
@@ -29153,10 +28825,9 @@
           <a:lstStyle/>
           <a:p>
             <a:r>
-              <a:rPr lang="en-US" dirty="0" smtClean="0"/>
+              <a:rPr lang="en-US" dirty="0"/>
               <a:t>Textbook</a:t>
             </a:r>
-            <a:endParaRPr lang="en-US" dirty="0"/>
           </a:p>
         </p:txBody>
       </p:sp>
@@ -29196,18 +28867,9 @@
           <a:p>
             <a:pPr lvl="1"/>
             <a:r>
-              <a:rPr lang="en-US" dirty="0" smtClean="0"/>
-              <a:t>Earlier editions are </a:t>
-            </a:r>
-            <a:r>
               <a:rPr lang="en-US" dirty="0"/>
-              <a:t>ok, but translate reading </a:t>
-            </a:r>
-            <a:r>
-              <a:rPr lang="en-US" dirty="0" smtClean="0"/>
-              <a:t>assignments</a:t>
-            </a:r>
-            <a:endParaRPr lang="en-US" dirty="0"/>
+              <a:t>Earlier editions are ok, but translate reading assignments</a:t>
+            </a:r>
           </a:p>
         </p:txBody>
       </p:sp>
@@ -29244,13 +28906,6 @@
   <p:clrMapOvr>
     <a:masterClrMapping/>
   </p:clrMapOvr>
-  <p:timing>
-    <p:tnLst>
-      <p:par>
-        <p:cTn id="1" dur="indefinite" restart="never" nodeType="tmRoot"/>
-      </p:par>
-    </p:tnLst>
-  </p:timing>
 </p:sld>
 </file>
 
@@ -29318,45 +28973,30 @@
               <a:rPr lang="en-US" dirty="0">
                 <a:hlinkClick r:id="rId2"/>
               </a:rPr>
-              <a:t>https://</a:t>
-            </a:r>
-            <a:r>
-              <a:rPr lang="en-US" dirty="0" smtClean="0">
-                <a:hlinkClick r:id="rId2"/>
-              </a:rPr>
-              <a:t>github.com/xinjin/course-net</a:t>
-            </a:r>
-            <a:endParaRPr lang="en-US" dirty="0" smtClean="0"/>
+              <a:t>https://github.com/xinjin/course-net</a:t>
+            </a:r>
+            <a:endParaRPr lang="en-US" dirty="0"/>
           </a:p>
           <a:p>
             <a:pPr lvl="1"/>
             <a:r>
-              <a:rPr lang="en-US" dirty="0" smtClean="0"/>
+              <a:rPr lang="en-US" dirty="0"/>
               <a:t>Announcements, lecture slides, assignments</a:t>
             </a:r>
+          </a:p>
+          <a:p>
             <a:endParaRPr lang="en-US" dirty="0"/>
           </a:p>
           <a:p>
-            <a:endParaRPr lang="en-US" dirty="0" smtClean="0"/>
-          </a:p>
-          <a:p>
-            <a:r>
-              <a:rPr lang="en-US" dirty="0" smtClean="0"/>
-              <a:t>Piazza </a:t>
-            </a:r>
             <a:r>
               <a:rPr lang="en-US" dirty="0"/>
-              <a:t>for </a:t>
-            </a:r>
-            <a:r>
-              <a:rPr lang="en-US" dirty="0" smtClean="0"/>
-              <a:t>discussion</a:t>
+              <a:t>Piazza for discussion</a:t>
             </a:r>
           </a:p>
           <a:p>
             <a:pPr lvl="1"/>
             <a:r>
-              <a:rPr lang="en-US" dirty="0" smtClean="0"/>
+              <a:rPr lang="en-US" dirty="0"/>
               <a:t>Link on course website</a:t>
             </a:r>
           </a:p>
@@ -29365,22 +29005,21 @@
           </a:p>
           <a:p>
             <a:r>
-              <a:rPr lang="en-US" altLang="zh-CN" dirty="0" smtClean="0"/>
+              <a:rPr lang="en-US" altLang="zh-CN" dirty="0"/>
               <a:t>Assignment submission via </a:t>
             </a:r>
             <a:r>
-              <a:rPr lang="en-US" altLang="zh-CN" dirty="0" err="1" smtClean="0"/>
+              <a:rPr lang="en-US" altLang="zh-CN" dirty="0" err="1"/>
               <a:t>Gradescope</a:t>
             </a:r>
-            <a:endParaRPr lang="en-US" altLang="zh-CN" dirty="0" smtClean="0"/>
+            <a:endParaRPr lang="en-US" altLang="zh-CN" dirty="0"/>
           </a:p>
           <a:p>
             <a:pPr lvl="1"/>
             <a:r>
-              <a:rPr lang="en-US" dirty="0" smtClean="0"/>
+              <a:rPr lang="en-US" dirty="0"/>
               <a:t>Link on course website</a:t>
             </a:r>
-            <a:endParaRPr lang="en-US" dirty="0"/>
           </a:p>
           <a:p>
             <a:endParaRPr lang="en-US" dirty="0"/>
@@ -29420,13 +29059,6 @@
   <p:clrMapOvr>
     <a:masterClrMapping/>
   </p:clrMapOvr>
-  <p:timing>
-    <p:tnLst>
-      <p:par>
-        <p:cTn id="1" dur="indefinite" restart="never" nodeType="tmRoot"/>
-      </p:par>
-    </p:tnLst>
-  </p:timing>
 </p:sld>
 </file>
 
@@ -29464,15 +29096,7 @@
           <a:p>
             <a:r>
               <a:rPr lang="en-US" dirty="0"/>
-              <a:t>Policies on late </a:t>
-            </a:r>
-            <a:r>
-              <a:rPr lang="en-US" dirty="0" smtClean="0"/>
-              <a:t>submission, cheating</a:t>
-            </a:r>
-            <a:r>
-              <a:rPr lang="en-US" dirty="0"/>
-              <a:t>, …</a:t>
+              <a:t>Policies on late submission, cheating, …</a:t>
             </a:r>
           </a:p>
         </p:txBody>
@@ -29496,85 +29120,44 @@
           <a:p>
             <a:r>
               <a:rPr lang="en-US" dirty="0"/>
-              <a:t>D</a:t>
-            </a:r>
-            <a:r>
-              <a:rPr lang="en-US" dirty="0" smtClean="0"/>
-              <a:t>escription </a:t>
-            </a:r>
+              <a:t>Description in the course website</a:t>
+            </a:r>
+          </a:p>
+          <a:p>
+            <a:pPr lvl="1"/>
             <a:r>
               <a:rPr lang="en-US" dirty="0"/>
-              <a:t>in the course </a:t>
-            </a:r>
-            <a:r>
-              <a:rPr lang="en-US" dirty="0" smtClean="0"/>
-              <a:t>website</a:t>
+              <a:t>Assignments must be submitted within deadline to receive full points</a:t>
             </a:r>
           </a:p>
           <a:p>
             <a:pPr lvl="1"/>
             <a:r>
-              <a:rPr lang="en-US" dirty="0" smtClean="0"/>
-              <a:t>Assignments </a:t>
-            </a:r>
-            <a:r>
               <a:rPr lang="en-US" dirty="0"/>
-              <a:t>must be submitted within </a:t>
-            </a:r>
-            <a:r>
-              <a:rPr lang="en-US" dirty="0" smtClean="0"/>
-              <a:t>deadline to receive full points</a:t>
+              <a:t>Grace period: 96 hours for the entire semester.</a:t>
+            </a:r>
+          </a:p>
+          <a:p>
+            <a:pPr lvl="2"/>
+            <a:r>
+              <a:rPr lang="en-US" dirty="0"/>
+              <a:t>Use them judiciously</a:t>
             </a:r>
           </a:p>
           <a:p>
             <a:pPr lvl="1"/>
             <a:r>
-              <a:rPr lang="en-US" dirty="0" smtClean="0"/>
-              <a:t>Grace </a:t>
-            </a:r>
-            <a:r>
               <a:rPr lang="en-US" dirty="0"/>
-              <a:t>period: 96 hours for the entire semester.</a:t>
-            </a:r>
-          </a:p>
-          <a:p>
-            <a:pPr lvl="2"/>
-            <a:r>
-              <a:rPr lang="en-US" dirty="0" smtClean="0"/>
-              <a:t>Use </a:t>
-            </a:r>
+              <a:t>After the grace period, 25% off for each 24 hours late, rounded up.</a:t>
+            </a:r>
+          </a:p>
+          <a:p>
+            <a:endParaRPr lang="en-US" dirty="0"/>
+          </a:p>
+          <a:p>
             <a:r>
               <a:rPr lang="en-US" dirty="0"/>
-              <a:t>them </a:t>
-            </a:r>
-            <a:r>
-              <a:rPr lang="en-US" dirty="0" smtClean="0"/>
-              <a:t>judiciously</a:t>
-            </a:r>
-          </a:p>
-          <a:p>
-            <a:pPr lvl="1"/>
-            <a:r>
-              <a:rPr lang="en-US" dirty="0"/>
-              <a:t>After the grace period, 25% off for each 24 hours late, rounded up</a:t>
-            </a:r>
-            <a:r>
-              <a:rPr lang="en-US" dirty="0" smtClean="0"/>
-              <a:t>.</a:t>
-            </a:r>
-            <a:endParaRPr lang="en-US" dirty="0"/>
-          </a:p>
-          <a:p>
-            <a:endParaRPr lang="en-US" dirty="0" smtClean="0"/>
-          </a:p>
-          <a:p>
-            <a:r>
-              <a:rPr lang="en-US" dirty="0" smtClean="0"/>
-              <a:t>DO </a:t>
-            </a:r>
-            <a:r>
-              <a:rPr lang="en-US" dirty="0"/>
-              <a:t>NOT cheat</a:t>
+              <a:t>DO NOT cheat</a:t>
             </a:r>
           </a:p>
         </p:txBody>
@@ -29612,13 +29195,6 @@
   <p:clrMapOvr>
     <a:masterClrMapping/>
   </p:clrMapOvr>
-  <p:timing>
-    <p:tnLst>
-      <p:par>
-        <p:cTn id="1" dur="indefinite" restart="never" nodeType="tmRoot"/>
-      </p:par>
-    </p:tnLst>
-  </p:timing>
 </p:sld>
 </file>
 
@@ -29641,7 +29217,13 @@
       </p:grpSpPr>
       <p:sp>
         <p:nvSpPr>
-          <p:cNvPr id="2" name="Title 1"/>
+          <p:cNvPr id="2" name="Title 1">
+            <a:extLst>
+              <a:ext uri="{FF2B5EF4-FFF2-40B4-BE49-F238E27FC236}">
+                <a16:creationId xmlns:a16="http://schemas.microsoft.com/office/drawing/2014/main" id="{8D402ED6-A84B-3E4D-80EF-BCC87A4CB25F}"/>
+              </a:ext>
+            </a:extLst>
+          </p:cNvPr>
           <p:cNvSpPr>
             <a:spLocks noGrp="1"/>
           </p:cNvSpPr>
@@ -29663,7 +29245,13 @@
       </p:sp>
       <p:sp>
         <p:nvSpPr>
-          <p:cNvPr id="3" name="Content Placeholder 2"/>
+          <p:cNvPr id="3" name="Content Placeholder 2">
+            <a:extLst>
+              <a:ext uri="{FF2B5EF4-FFF2-40B4-BE49-F238E27FC236}">
+                <a16:creationId xmlns:a16="http://schemas.microsoft.com/office/drawing/2014/main" id="{4FCFF3FA-0C2B-854B-9AAF-F5AEB6DE4276}"/>
+              </a:ext>
+            </a:extLst>
+          </p:cNvPr>
           <p:cNvSpPr>
             <a:spLocks noGrp="1"/>
           </p:cNvSpPr>
@@ -29678,13 +29266,8 @@
           <a:p>
             <a:r>
               <a:rPr lang="en-US" dirty="0"/>
-              <a:t>Ask and answer </a:t>
-            </a:r>
-            <a:r>
-              <a:rPr lang="en-US" dirty="0" smtClean="0"/>
-              <a:t>questions</a:t>
-            </a:r>
-            <a:endParaRPr lang="en-US" dirty="0"/>
+              <a:t>Ask and answer questions</a:t>
+            </a:r>
           </a:p>
           <a:p>
             <a:pPr lvl="1"/>
@@ -29708,19 +29291,19 @@
             </a:r>
           </a:p>
           <a:p>
-            <a:r>
-              <a:rPr lang="en-US" dirty="0"/>
-              <a:t>Sit toward the front</a:t>
-            </a:r>
-          </a:p>
-          <a:p>
             <a:endParaRPr lang="en-US" dirty="0"/>
           </a:p>
         </p:txBody>
       </p:sp>
       <p:sp>
         <p:nvSpPr>
-          <p:cNvPr id="4" name="Slide Number Placeholder 3"/>
+          <p:cNvPr id="4" name="Slide Number Placeholder 3">
+            <a:extLst>
+              <a:ext uri="{FF2B5EF4-FFF2-40B4-BE49-F238E27FC236}">
+                <a16:creationId xmlns:a16="http://schemas.microsoft.com/office/drawing/2014/main" id="{079E0883-7F04-F949-AE56-D42B0CE12806}"/>
+              </a:ext>
+            </a:extLst>
+          </p:cNvPr>
           <p:cNvSpPr>
             <a:spLocks noGrp="1"/>
           </p:cNvSpPr>
@@ -29744,20 +29327,13 @@
     </p:spTree>
     <p:extLst>
       <p:ext uri="{BB962C8B-B14F-4D97-AF65-F5344CB8AC3E}">
-        <p14:creationId xmlns:p14="http://schemas.microsoft.com/office/powerpoint/2010/main" val="325316525"/>
+        <p14:creationId xmlns:p14="http://schemas.microsoft.com/office/powerpoint/2010/main" val="16162191"/>
       </p:ext>
     </p:extLst>
   </p:cSld>
   <p:clrMapOvr>
     <a:masterClrMapping/>
   </p:clrMapOvr>
-  <p:timing>
-    <p:tnLst>
-      <p:par>
-        <p:cTn id="1" dur="indefinite" restart="never" nodeType="tmRoot"/>
-      </p:par>
-    </p:tnLst>
-  </p:timing>
 </p:sld>
 </file>
 
@@ -29780,7 +29356,13 @@
       </p:grpSpPr>
       <p:sp>
         <p:nvSpPr>
-          <p:cNvPr id="2" name="Title 1"/>
+          <p:cNvPr id="2" name="Title 1">
+            <a:extLst>
+              <a:ext uri="{FF2B5EF4-FFF2-40B4-BE49-F238E27FC236}">
+                <a16:creationId xmlns:a16="http://schemas.microsoft.com/office/drawing/2014/main" id="{54AD1183-CF89-0949-940C-3151894178C6}"/>
+              </a:ext>
+            </a:extLst>
+          </p:cNvPr>
           <p:cNvSpPr>
             <a:spLocks noGrp="1"/>
           </p:cNvSpPr>
@@ -29794,16 +29376,21 @@
           <a:lstStyle/>
           <a:p>
             <a:r>
-              <a:rPr lang="en-US" dirty="0" smtClean="0"/>
-              <a:t>Summary</a:t>
-            </a:r>
-            <a:endParaRPr lang="en-US" dirty="0"/>
-          </a:p>
-        </p:txBody>
-      </p:sp>
-      <p:sp>
-        <p:nvSpPr>
-          <p:cNvPr id="3" name="Content Placeholder 2"/>
+              <a:rPr lang="en-US" dirty="0"/>
+              <a:t>Participation</a:t>
+            </a:r>
+          </a:p>
+        </p:txBody>
+      </p:sp>
+      <p:sp>
+        <p:nvSpPr>
+          <p:cNvPr id="3" name="Content Placeholder 2">
+            <a:extLst>
+              <a:ext uri="{FF2B5EF4-FFF2-40B4-BE49-F238E27FC236}">
+                <a16:creationId xmlns:a16="http://schemas.microsoft.com/office/drawing/2014/main" id="{81E9FD31-9E2B-BF43-8B2D-010ACCAC2304}"/>
+              </a:ext>
+            </a:extLst>
+          </p:cNvPr>
           <p:cNvSpPr>
             <a:spLocks noGrp="1"/>
           </p:cNvSpPr>
@@ -29813,54 +29400,65 @@
         </p:nvSpPr>
         <p:spPr/>
         <p:txBody>
-          <a:bodyPr>
-            <a:normAutofit/>
-          </a:bodyPr>
+          <a:bodyPr/>
           <a:lstStyle/>
           <a:p>
             <a:r>
               <a:rPr lang="en-US" dirty="0"/>
-              <a:t>Learning about the Internet and networking in general is</a:t>
+              <a:t>Group discussion in Zoom breakout rooms</a:t>
             </a:r>
           </a:p>
           <a:p>
             <a:pPr lvl="1"/>
             <a:r>
               <a:rPr lang="en-US" dirty="0"/>
-              <a:t>important and relevant</a:t>
+              <a:t>NEW this semester to enhance participation and improve learning experience of online course</a:t>
+            </a:r>
+          </a:p>
+          <a:p>
+            <a:endParaRPr lang="en-US" dirty="0"/>
+          </a:p>
+          <a:p>
+            <a:r>
+              <a:rPr lang="en-US" dirty="0"/>
+              <a:t>Format</a:t>
             </a:r>
           </a:p>
           <a:p>
             <a:pPr lvl="1"/>
             <a:r>
               <a:rPr lang="en-US" dirty="0"/>
-              <a:t>lots of fun – challenging real-world problems</a:t>
+              <a:t>Discuss a question related to the lecture in groups at the end of each class</a:t>
+            </a:r>
+          </a:p>
+          <a:p>
+            <a:pPr lvl="1"/>
+            <a:r>
+              <a:rPr lang="en-US" dirty="0"/>
+              <a:t>Pick a leader to summarize the discussion</a:t>
+            </a:r>
+          </a:p>
+          <a:p>
+            <a:pPr lvl="1"/>
+            <a:r>
+              <a:rPr lang="en-US" dirty="0"/>
+              <a:t>Post a short summary on Piazza (including the student names that contribute to the discussion)</a:t>
             </a:r>
           </a:p>
           <a:p>
             <a:endParaRPr lang="en-US" dirty="0"/>
           </a:p>
-          <a:p>
-            <a:r>
-              <a:rPr lang="en-US" dirty="0"/>
-              <a:t>Next lecture</a:t>
-            </a:r>
-          </a:p>
-          <a:p>
-            <a:pPr lvl="1"/>
-            <a:r>
-              <a:rPr lang="en-US" dirty="0"/>
-              <a:t>Read 1.1 and 1.3 of K&amp;R</a:t>
-            </a:r>
-          </a:p>
-          <a:p>
-            <a:endParaRPr lang="en-US" dirty="0"/>
-          </a:p>
-        </p:txBody>
-      </p:sp>
-      <p:sp>
-        <p:nvSpPr>
-          <p:cNvPr id="4" name="Slide Number Placeholder 3"/>
+        </p:txBody>
+      </p:sp>
+      <p:sp>
+        <p:nvSpPr>
+          <p:cNvPr id="4" name="Slide Number Placeholder 3">
+            <a:extLst>
+              <a:ext uri="{FF2B5EF4-FFF2-40B4-BE49-F238E27FC236}">
+                <a16:creationId xmlns:a16="http://schemas.microsoft.com/office/drawing/2014/main" id="{C8E96F59-86AE-2845-B8D1-758A158DBE7B}"/>
+              </a:ext>
+            </a:extLst>
+          </p:cNvPr>
           <p:cNvSpPr>
             <a:spLocks noGrp="1"/>
           </p:cNvSpPr>
@@ -29884,20 +29482,13 @@
     </p:spTree>
     <p:extLst>
       <p:ext uri="{BB962C8B-B14F-4D97-AF65-F5344CB8AC3E}">
-        <p14:creationId xmlns:p14="http://schemas.microsoft.com/office/powerpoint/2010/main" val="628138480"/>
+        <p14:creationId xmlns:p14="http://schemas.microsoft.com/office/powerpoint/2010/main" val="3178536804"/>
       </p:ext>
     </p:extLst>
   </p:cSld>
   <p:clrMapOvr>
     <a:masterClrMapping/>
   </p:clrMapOvr>
-  <p:timing>
-    <p:tnLst>
-      <p:par>
-        <p:cTn id="1" dur="indefinite" restart="never" nodeType="tmRoot"/>
-      </p:par>
-    </p:tnLst>
-  </p:timing>
 </p:sld>
 </file>
 
@@ -29920,6 +29511,320 @@
       </p:grpSpPr>
       <p:sp>
         <p:nvSpPr>
+          <p:cNvPr id="2" name="Title 1">
+            <a:extLst>
+              <a:ext uri="{FF2B5EF4-FFF2-40B4-BE49-F238E27FC236}">
+                <a16:creationId xmlns:a16="http://schemas.microsoft.com/office/drawing/2014/main" id="{1A84156C-E15B-8040-AE14-871C8726363E}"/>
+              </a:ext>
+            </a:extLst>
+          </p:cNvPr>
+          <p:cNvSpPr>
+            <a:spLocks noGrp="1"/>
+          </p:cNvSpPr>
+          <p:nvPr>
+            <p:ph type="title"/>
+          </p:nvPr>
+        </p:nvSpPr>
+        <p:spPr/>
+        <p:txBody>
+          <a:bodyPr/>
+          <a:lstStyle/>
+          <a:p>
+            <a:r>
+              <a:rPr lang="en-US" dirty="0"/>
+              <a:t>Recording and Privacy</a:t>
+            </a:r>
+          </a:p>
+        </p:txBody>
+      </p:sp>
+      <p:sp>
+        <p:nvSpPr>
+          <p:cNvPr id="3" name="Content Placeholder 2">
+            <a:extLst>
+              <a:ext uri="{FF2B5EF4-FFF2-40B4-BE49-F238E27FC236}">
+                <a16:creationId xmlns:a16="http://schemas.microsoft.com/office/drawing/2014/main" id="{5348D3D0-BA8D-7D42-9A78-088204B483C3}"/>
+              </a:ext>
+            </a:extLst>
+          </p:cNvPr>
+          <p:cNvSpPr>
+            <a:spLocks noGrp="1"/>
+          </p:cNvSpPr>
+          <p:nvPr>
+            <p:ph idx="1"/>
+          </p:nvPr>
+        </p:nvSpPr>
+        <p:spPr/>
+        <p:txBody>
+          <a:bodyPr/>
+          <a:lstStyle/>
+          <a:p>
+            <a:r>
+              <a:rPr lang="en-US" dirty="0"/>
+              <a:t>Lectures</a:t>
+            </a:r>
+          </a:p>
+          <a:p>
+            <a:pPr lvl="1"/>
+            <a:r>
+              <a:rPr lang="en-US" dirty="0"/>
+              <a:t>The lectures will be recorded and posted on Blackboard (only viewable by enrolled students)</a:t>
+            </a:r>
+          </a:p>
+          <a:p>
+            <a:pPr lvl="1"/>
+            <a:r>
+              <a:rPr lang="en-US" dirty="0"/>
+              <a:t>Post your questions in the chat window if you do not want to be part of the recording</a:t>
+            </a:r>
+          </a:p>
+          <a:p>
+            <a:endParaRPr lang="en-US" dirty="0"/>
+          </a:p>
+          <a:p>
+            <a:r>
+              <a:rPr lang="en-US" dirty="0"/>
+              <a:t>Group discussions</a:t>
+            </a:r>
+          </a:p>
+          <a:p>
+            <a:pPr lvl="1"/>
+            <a:r>
+              <a:rPr lang="en-US" dirty="0"/>
+              <a:t>The group discussions will NOT be recorded. Zoom recording will be turned OFF for this part.</a:t>
+            </a:r>
+          </a:p>
+          <a:p>
+            <a:pPr lvl="1"/>
+            <a:r>
+              <a:rPr lang="en-US" dirty="0"/>
+              <a:t>Feel free to ask questions and present your answers</a:t>
+            </a:r>
+          </a:p>
+        </p:txBody>
+      </p:sp>
+      <p:sp>
+        <p:nvSpPr>
+          <p:cNvPr id="4" name="Slide Number Placeholder 3">
+            <a:extLst>
+              <a:ext uri="{FF2B5EF4-FFF2-40B4-BE49-F238E27FC236}">
+                <a16:creationId xmlns:a16="http://schemas.microsoft.com/office/drawing/2014/main" id="{B325ED9A-43ED-C34D-A633-0F7BA8B6E45A}"/>
+              </a:ext>
+            </a:extLst>
+          </p:cNvPr>
+          <p:cNvSpPr>
+            <a:spLocks noGrp="1"/>
+          </p:cNvSpPr>
+          <p:nvPr>
+            <p:ph type="sldNum" sz="quarter" idx="12"/>
+          </p:nvPr>
+        </p:nvSpPr>
+        <p:spPr/>
+        <p:txBody>
+          <a:bodyPr/>
+          <a:lstStyle/>
+          <a:p>
+            <a:fld id="{1C91BF9F-A6D6-9C44-9AC2-A799D1CC7BF8}" type="slidenum">
+              <a:rPr lang="en-US" smtClean="0"/>
+              <a:t>35</a:t>
+            </a:fld>
+            <a:endParaRPr lang="en-US"/>
+          </a:p>
+        </p:txBody>
+      </p:sp>
+    </p:spTree>
+    <p:extLst>
+      <p:ext uri="{BB962C8B-B14F-4D97-AF65-F5344CB8AC3E}">
+        <p14:creationId xmlns:p14="http://schemas.microsoft.com/office/powerpoint/2010/main" val="703795449"/>
+      </p:ext>
+    </p:extLst>
+  </p:cSld>
+  <p:clrMapOvr>
+    <a:masterClrMapping/>
+  </p:clrMapOvr>
+</p:sld>
+</file>
+
+<file path=ppt/slides/slide36.xml><?xml version="1.0" encoding="utf-8"?>
+<p:sld xmlns:a="http://schemas.openxmlformats.org/drawingml/2006/main" xmlns:r="http://schemas.openxmlformats.org/officeDocument/2006/relationships" xmlns:p="http://schemas.openxmlformats.org/presentationml/2006/main">
+  <p:cSld>
+    <p:spTree>
+      <p:nvGrpSpPr>
+        <p:cNvPr id="1" name=""/>
+        <p:cNvGrpSpPr/>
+        <p:nvPr/>
+      </p:nvGrpSpPr>
+      <p:grpSpPr>
+        <a:xfrm>
+          <a:off x="0" y="0"/>
+          <a:ext cx="0" cy="0"/>
+          <a:chOff x="0" y="0"/>
+          <a:chExt cx="0" cy="0"/>
+        </a:xfrm>
+      </p:grpSpPr>
+      <p:sp>
+        <p:nvSpPr>
+          <p:cNvPr id="2" name="Title 1">
+            <a:extLst>
+              <a:ext uri="{FF2B5EF4-FFF2-40B4-BE49-F238E27FC236}">
+                <a16:creationId xmlns:a16="http://schemas.microsoft.com/office/drawing/2014/main" id="{406DF9CF-A5B6-D949-8A11-32073B6F40AE}"/>
+              </a:ext>
+            </a:extLst>
+          </p:cNvPr>
+          <p:cNvSpPr>
+            <a:spLocks noGrp="1"/>
+          </p:cNvSpPr>
+          <p:nvPr>
+            <p:ph type="title"/>
+          </p:nvPr>
+        </p:nvSpPr>
+        <p:spPr/>
+        <p:txBody>
+          <a:bodyPr/>
+          <a:lstStyle/>
+          <a:p>
+            <a:r>
+              <a:rPr lang="en-US" dirty="0"/>
+              <a:t>First Group Discussion</a:t>
+            </a:r>
+          </a:p>
+        </p:txBody>
+      </p:sp>
+      <p:sp>
+        <p:nvSpPr>
+          <p:cNvPr id="3" name="Content Placeholder 2">
+            <a:extLst>
+              <a:ext uri="{FF2B5EF4-FFF2-40B4-BE49-F238E27FC236}">
+                <a16:creationId xmlns:a16="http://schemas.microsoft.com/office/drawing/2014/main" id="{D19BF912-8CBA-794C-B435-EC8716EF11B5}"/>
+              </a:ext>
+            </a:extLst>
+          </p:cNvPr>
+          <p:cNvSpPr>
+            <a:spLocks noGrp="1"/>
+          </p:cNvSpPr>
+          <p:nvPr>
+            <p:ph idx="1"/>
+          </p:nvPr>
+        </p:nvSpPr>
+        <p:spPr/>
+        <p:txBody>
+          <a:bodyPr>
+            <a:normAutofit/>
+          </a:bodyPr>
+          <a:lstStyle/>
+          <a:p>
+            <a:r>
+              <a:rPr lang="en-US" dirty="0"/>
+              <a:t>Topic: network performance of Internet applications/services</a:t>
+            </a:r>
+          </a:p>
+          <a:p>
+            <a:pPr lvl="1"/>
+            <a:r>
+              <a:rPr lang="en-US" dirty="0"/>
+              <a:t>What is your favorite Internet application/service?</a:t>
+            </a:r>
+          </a:p>
+          <a:p>
+            <a:pPr lvl="1"/>
+            <a:r>
+              <a:rPr lang="en-US" dirty="0"/>
+              <a:t>What do you dislike about it?</a:t>
+            </a:r>
+          </a:p>
+          <a:p>
+            <a:pPr lvl="1"/>
+            <a:r>
+              <a:rPr lang="en-US" dirty="0"/>
+              <a:t>Is there a quantitative metric to measure it?</a:t>
+            </a:r>
+          </a:p>
+          <a:p>
+            <a:pPr lvl="1"/>
+            <a:r>
+              <a:rPr lang="en-US" dirty="0"/>
+              <a:t>Can anything you will learn from this course help?</a:t>
+            </a:r>
+          </a:p>
+          <a:p>
+            <a:pPr lvl="1"/>
+            <a:endParaRPr lang="en-US" dirty="0"/>
+          </a:p>
+          <a:p>
+            <a:r>
+              <a:rPr lang="en-US" dirty="0"/>
+              <a:t>Everyone participates this time</a:t>
+            </a:r>
+          </a:p>
+          <a:p>
+            <a:pPr lvl="1"/>
+            <a:r>
+              <a:rPr lang="en-US" dirty="0"/>
+              <a:t>Everyone first introduces yourself to the class, so your classmates and I will know you!</a:t>
+            </a:r>
+          </a:p>
+        </p:txBody>
+      </p:sp>
+      <p:sp>
+        <p:nvSpPr>
+          <p:cNvPr id="4" name="Slide Number Placeholder 3">
+            <a:extLst>
+              <a:ext uri="{FF2B5EF4-FFF2-40B4-BE49-F238E27FC236}">
+                <a16:creationId xmlns:a16="http://schemas.microsoft.com/office/drawing/2014/main" id="{75559D9B-0B3C-C844-9E4B-D8E267CCA32B}"/>
+              </a:ext>
+            </a:extLst>
+          </p:cNvPr>
+          <p:cNvSpPr>
+            <a:spLocks noGrp="1"/>
+          </p:cNvSpPr>
+          <p:nvPr>
+            <p:ph type="sldNum" sz="quarter" idx="12"/>
+          </p:nvPr>
+        </p:nvSpPr>
+        <p:spPr/>
+        <p:txBody>
+          <a:bodyPr/>
+          <a:lstStyle/>
+          <a:p>
+            <a:fld id="{1C91BF9F-A6D6-9C44-9AC2-A799D1CC7BF8}" type="slidenum">
+              <a:rPr lang="en-US" smtClean="0"/>
+              <a:t>36</a:t>
+            </a:fld>
+            <a:endParaRPr lang="en-US"/>
+          </a:p>
+        </p:txBody>
+      </p:sp>
+    </p:spTree>
+    <p:extLst>
+      <p:ext uri="{BB962C8B-B14F-4D97-AF65-F5344CB8AC3E}">
+        <p14:creationId xmlns:p14="http://schemas.microsoft.com/office/powerpoint/2010/main" val="197328995"/>
+      </p:ext>
+    </p:extLst>
+  </p:cSld>
+  <p:clrMapOvr>
+    <a:masterClrMapping/>
+  </p:clrMapOvr>
+</p:sld>
+</file>
+
+<file path=ppt/slides/slide37.xml><?xml version="1.0" encoding="utf-8"?>
+<p:sld xmlns:a="http://schemas.openxmlformats.org/drawingml/2006/main" xmlns:r="http://schemas.openxmlformats.org/officeDocument/2006/relationships" xmlns:p="http://schemas.openxmlformats.org/presentationml/2006/main">
+  <p:cSld>
+    <p:spTree>
+      <p:nvGrpSpPr>
+        <p:cNvPr id="1" name=""/>
+        <p:cNvGrpSpPr/>
+        <p:nvPr/>
+      </p:nvGrpSpPr>
+      <p:grpSpPr>
+        <a:xfrm>
+          <a:off x="0" y="0"/>
+          <a:ext cx="0" cy="0"/>
+          <a:chOff x="0" y="0"/>
+          <a:chExt cx="0" cy="0"/>
+        </a:xfrm>
+      </p:grpSpPr>
+      <p:sp>
+        <p:nvSpPr>
           <p:cNvPr id="2" name="Title 1"/>
           <p:cNvSpPr>
             <a:spLocks noGrp="1"/>
@@ -29928,28 +29833,71 @@
             <p:ph type="title"/>
           </p:nvPr>
         </p:nvSpPr>
-        <p:spPr>
-          <a:xfrm>
-            <a:off x="628650" y="2179637"/>
-            <a:ext cx="7886700" cy="2316163"/>
-          </a:xfrm>
-        </p:spPr>
+        <p:spPr/>
         <p:txBody>
           <a:bodyPr/>
           <a:lstStyle/>
           <a:p>
-            <a:pPr algn="ctr"/>
-            <a:r>
-              <a:rPr lang="en-US" smtClean="0"/>
-              <a:t>Thanks!</a:t>
-            </a:r>
-            <a:br>
-              <a:rPr lang="en-US" smtClean="0"/>
-            </a:br>
-            <a:r>
-              <a:rPr lang="en-US" dirty="0" smtClean="0"/>
-              <a:t>Q&amp;A</a:t>
-            </a:r>
+            <a:r>
+              <a:rPr lang="en-US" dirty="0"/>
+              <a:t>Summary</a:t>
+            </a:r>
+          </a:p>
+        </p:txBody>
+      </p:sp>
+      <p:sp>
+        <p:nvSpPr>
+          <p:cNvPr id="3" name="Content Placeholder 2"/>
+          <p:cNvSpPr>
+            <a:spLocks noGrp="1"/>
+          </p:cNvSpPr>
+          <p:nvPr>
+            <p:ph idx="1"/>
+          </p:nvPr>
+        </p:nvSpPr>
+        <p:spPr/>
+        <p:txBody>
+          <a:bodyPr>
+            <a:normAutofit/>
+          </a:bodyPr>
+          <a:lstStyle/>
+          <a:p>
+            <a:r>
+              <a:rPr lang="en-US" dirty="0"/>
+              <a:t>Learning about the Internet and networking in general is</a:t>
+            </a:r>
+          </a:p>
+          <a:p>
+            <a:pPr lvl="1"/>
+            <a:r>
+              <a:rPr lang="en-US" dirty="0"/>
+              <a:t>important and relevant</a:t>
+            </a:r>
+          </a:p>
+          <a:p>
+            <a:pPr lvl="1"/>
+            <a:r>
+              <a:rPr lang="en-US" dirty="0"/>
+              <a:t>lots of fun – challenging real-world problems</a:t>
+            </a:r>
+          </a:p>
+          <a:p>
+            <a:endParaRPr lang="en-US" dirty="0"/>
+          </a:p>
+          <a:p>
+            <a:r>
+              <a:rPr lang="en-US" dirty="0"/>
+              <a:t>Next lecture</a:t>
+            </a:r>
+          </a:p>
+          <a:p>
+            <a:pPr lvl="1"/>
+            <a:r>
+              <a:rPr lang="en-US" dirty="0"/>
+              <a:t>Read 1.1 and 1.3 of K&amp;R</a:t>
+            </a:r>
+          </a:p>
+          <a:p>
             <a:endParaRPr lang="en-US" dirty="0"/>
           </a:p>
         </p:txBody>
@@ -29971,7 +29919,95 @@
           <a:p>
             <a:fld id="{1C91BF9F-A6D6-9C44-9AC2-A799D1CC7BF8}" type="slidenum">
               <a:rPr lang="en-US" smtClean="0"/>
-              <a:t>35</a:t>
+              <a:t>37</a:t>
+            </a:fld>
+            <a:endParaRPr lang="en-US"/>
+          </a:p>
+        </p:txBody>
+      </p:sp>
+    </p:spTree>
+    <p:extLst>
+      <p:ext uri="{BB962C8B-B14F-4D97-AF65-F5344CB8AC3E}">
+        <p14:creationId xmlns:p14="http://schemas.microsoft.com/office/powerpoint/2010/main" val="628138480"/>
+      </p:ext>
+    </p:extLst>
+  </p:cSld>
+  <p:clrMapOvr>
+    <a:masterClrMapping/>
+  </p:clrMapOvr>
+</p:sld>
+</file>
+
+<file path=ppt/slides/slide38.xml><?xml version="1.0" encoding="utf-8"?>
+<p:sld xmlns:a="http://schemas.openxmlformats.org/drawingml/2006/main" xmlns:r="http://schemas.openxmlformats.org/officeDocument/2006/relationships" xmlns:p="http://schemas.openxmlformats.org/presentationml/2006/main">
+  <p:cSld>
+    <p:spTree>
+      <p:nvGrpSpPr>
+        <p:cNvPr id="1" name=""/>
+        <p:cNvGrpSpPr/>
+        <p:nvPr/>
+      </p:nvGrpSpPr>
+      <p:grpSpPr>
+        <a:xfrm>
+          <a:off x="0" y="0"/>
+          <a:ext cx="0" cy="0"/>
+          <a:chOff x="0" y="0"/>
+          <a:chExt cx="0" cy="0"/>
+        </a:xfrm>
+      </p:grpSpPr>
+      <p:sp>
+        <p:nvSpPr>
+          <p:cNvPr id="2" name="Title 1"/>
+          <p:cNvSpPr>
+            <a:spLocks noGrp="1"/>
+          </p:cNvSpPr>
+          <p:nvPr>
+            <p:ph type="title"/>
+          </p:nvPr>
+        </p:nvSpPr>
+        <p:spPr>
+          <a:xfrm>
+            <a:off x="628650" y="2179637"/>
+            <a:ext cx="7886700" cy="2316163"/>
+          </a:xfrm>
+        </p:spPr>
+        <p:txBody>
+          <a:bodyPr/>
+          <a:lstStyle/>
+          <a:p>
+            <a:pPr algn="ctr"/>
+            <a:r>
+              <a:rPr lang="en-US"/>
+              <a:t>Thanks!</a:t>
+            </a:r>
+            <a:br>
+              <a:rPr lang="en-US"/>
+            </a:br>
+            <a:r>
+              <a:rPr lang="en-US" dirty="0"/>
+              <a:t>Q&amp;A</a:t>
+            </a:r>
+          </a:p>
+        </p:txBody>
+      </p:sp>
+      <p:sp>
+        <p:nvSpPr>
+          <p:cNvPr id="4" name="Slide Number Placeholder 3"/>
+          <p:cNvSpPr>
+            <a:spLocks noGrp="1"/>
+          </p:cNvSpPr>
+          <p:nvPr>
+            <p:ph type="sldNum" sz="quarter" idx="12"/>
+          </p:nvPr>
+        </p:nvSpPr>
+        <p:spPr/>
+        <p:txBody>
+          <a:bodyPr/>
+          <a:lstStyle/>
+          <a:p>
+            <a:fld id="{1C91BF9F-A6D6-9C44-9AC2-A799D1CC7BF8}" type="slidenum">
+              <a:rPr lang="en-US" smtClean="0"/>
+              <a:t>38</a:t>
             </a:fld>
             <a:endParaRPr lang="en-US"/>
           </a:p>
@@ -29987,13 +30023,6 @@
   <p:clrMapOvr>
     <a:masterClrMapping/>
   </p:clrMapOvr>
-  <p:timing>
-    <p:tnLst>
-      <p:par>
-        <p:cTn id="1" dur="indefinite" restart="never" nodeType="tmRoot"/>
-      </p:par>
-    </p:tnLst>
-  </p:timing>
 </p:sld>
 </file>
 
@@ -30030,10 +30059,9 @@
           <a:lstStyle/>
           <a:p>
             <a:r>
-              <a:rPr lang="en-US" dirty="0" smtClean="0"/>
+              <a:rPr lang="en-US" dirty="0"/>
               <a:t>Office Hours</a:t>
             </a:r>
-            <a:endParaRPr lang="en-US" dirty="0"/>
           </a:p>
         </p:txBody>
       </p:sp>
@@ -30053,71 +30081,97 @@
           <a:lstStyle/>
           <a:p>
             <a:r>
-              <a:rPr lang="en-US" dirty="0" smtClean="0"/>
-              <a:t>Monday: </a:t>
-            </a:r>
-            <a:r>
-              <a:rPr lang="ru-RU" dirty="0" smtClean="0"/>
-              <a:t>4:15-5:15pm</a:t>
-            </a:r>
-            <a:endParaRPr lang="en-US" dirty="0" smtClean="0"/>
-          </a:p>
-          <a:p>
-            <a:r>
-              <a:rPr lang="en-US" dirty="0" smtClean="0"/>
-              <a:t>Wednesday: </a:t>
-            </a:r>
-            <a:r>
-              <a:rPr lang="ru-RU" dirty="0" smtClean="0"/>
-              <a:t>4:15-5:15p</a:t>
-            </a:r>
-            <a:r>
-              <a:rPr lang="en-US" dirty="0" smtClean="0"/>
+              <a:rPr lang="en-US" dirty="0"/>
+              <a:t>Tuesday: 2</a:t>
+            </a:r>
+            <a:r>
+              <a:rPr lang="ru-RU" dirty="0"/>
+              <a:t>:</a:t>
+            </a:r>
+            <a:r>
+              <a:rPr lang="en-US" dirty="0"/>
+              <a:t>4</a:t>
+            </a:r>
+            <a:r>
+              <a:rPr lang="ru-RU" dirty="0"/>
+              <a:t>5-</a:t>
+            </a:r>
+            <a:r>
+              <a:rPr lang="en-US" dirty="0"/>
+              <a:t>3</a:t>
+            </a:r>
+            <a:r>
+              <a:rPr lang="ru-RU" dirty="0"/>
+              <a:t>:</a:t>
+            </a:r>
+            <a:r>
+              <a:rPr lang="en-US" dirty="0"/>
+              <a:t>4</a:t>
+            </a:r>
+            <a:r>
+              <a:rPr lang="ru-RU" dirty="0"/>
+              <a:t>5pm</a:t>
+            </a:r>
+            <a:endParaRPr lang="en-US" dirty="0"/>
+          </a:p>
+          <a:p>
+            <a:r>
+              <a:rPr lang="en-US" dirty="0"/>
+              <a:t>Thursday: 2</a:t>
+            </a:r>
+            <a:r>
+              <a:rPr lang="ru-RU" dirty="0"/>
+              <a:t>:</a:t>
+            </a:r>
+            <a:r>
+              <a:rPr lang="en-US" dirty="0"/>
+              <a:t>4</a:t>
+            </a:r>
+            <a:r>
+              <a:rPr lang="ru-RU" dirty="0"/>
+              <a:t>5-</a:t>
+            </a:r>
+            <a:r>
+              <a:rPr lang="en-US" dirty="0"/>
+              <a:t>3</a:t>
+            </a:r>
+            <a:r>
+              <a:rPr lang="ru-RU" dirty="0"/>
+              <a:t>:</a:t>
+            </a:r>
+            <a:r>
+              <a:rPr lang="en-US" dirty="0"/>
+              <a:t>4</a:t>
+            </a:r>
+            <a:r>
+              <a:rPr lang="ru-RU" dirty="0"/>
+              <a:t>5p</a:t>
+            </a:r>
+            <a:r>
+              <a:rPr lang="en-US" dirty="0"/>
               <a:t>m</a:t>
             </a:r>
           </a:p>
           <a:p>
             <a:r>
-              <a:rPr lang="en-US" dirty="0" smtClean="0"/>
-              <a:t>Friday: </a:t>
-            </a:r>
-            <a:r>
-              <a:rPr lang="ru-RU" dirty="0" smtClean="0"/>
-              <a:t>4:</a:t>
-            </a:r>
-            <a:r>
-              <a:rPr lang="en-US" altLang="zh-CN" dirty="0" smtClean="0"/>
-              <a:t>15</a:t>
-            </a:r>
-            <a:r>
-              <a:rPr lang="ru-RU" dirty="0" smtClean="0"/>
-              <a:t>-5:15p</a:t>
-            </a:r>
-            <a:r>
-              <a:rPr lang="en-US" dirty="0" smtClean="0"/>
-              <a:t>m</a:t>
-            </a:r>
-          </a:p>
-          <a:p>
-            <a:r>
-              <a:rPr lang="en-US" dirty="0" smtClean="0"/>
+              <a:rPr lang="en-US" dirty="0"/>
+              <a:t>Will add two more slots</a:t>
+            </a:r>
+          </a:p>
+          <a:p>
+            <a:r>
+              <a:rPr lang="en-US" dirty="0"/>
               <a:t>Tentative, starting next week</a:t>
             </a:r>
+          </a:p>
+          <a:p>
             <a:endParaRPr lang="en-US" dirty="0"/>
           </a:p>
           <a:p>
-            <a:endParaRPr lang="en-US" dirty="0" smtClean="0"/>
-          </a:p>
-          <a:p>
-            <a:r>
-              <a:rPr lang="en-US" dirty="0" smtClean="0"/>
-              <a:t>Location</a:t>
-            </a:r>
-            <a:r>
-              <a:rPr lang="en-US" dirty="0" smtClean="0"/>
-              <a:t>: TBD</a:t>
-            </a:r>
-            <a:endParaRPr lang="en-US" dirty="0"/>
+            <a:r>
+              <a:rPr lang="en-US" dirty="0"/>
+              <a:t>Zoom links for office hours: on Piazza</a:t>
+            </a:r>
           </a:p>
         </p:txBody>
       </p:sp>
@@ -30154,13 +30208,6 @@
   <p:clrMapOvr>
     <a:masterClrMapping/>
   </p:clrMapOvr>
-  <p:timing>
-    <p:tnLst>
-      <p:par>
-        <p:cTn id="1" dur="indefinite" restart="never" nodeType="tmRoot"/>
-      </p:par>
-    </p:tnLst>
-  </p:timing>
 </p:sld>
 </file>
 
@@ -30197,10 +30244,9 @@
           <a:lstStyle/>
           <a:p>
             <a:r>
-              <a:rPr lang="en-US" dirty="0" smtClean="0"/>
+              <a:rPr lang="en-US" dirty="0"/>
               <a:t>601.414/614 in CS Curriculum</a:t>
             </a:r>
-            <a:endParaRPr lang="en-US" dirty="0"/>
           </a:p>
         </p:txBody>
       </p:sp>
@@ -30220,21 +30266,31 @@
           <a:lstStyle/>
           <a:p>
             <a:r>
-              <a:rPr lang="en-US" dirty="0" smtClean="0"/>
+              <a:rPr lang="en-US" dirty="0"/>
               <a:t>601.220 Intermediate Programming</a:t>
             </a:r>
           </a:p>
           <a:p>
             <a:pPr lvl="1"/>
             <a:r>
-              <a:rPr lang="en-US" dirty="0" smtClean="0"/>
-              <a:t>High-level logic -&gt; Programs</a:t>
+              <a:rPr lang="en-US" dirty="0"/>
+              <a:t>High-level logic </a:t>
+            </a:r>
+            <a:r>
+              <a:rPr lang="en-US" dirty="0">
+                <a:sym typeface="Wingdings" pitchFamily="2" charset="2"/>
+              </a:rPr>
+              <a:t></a:t>
+            </a:r>
+            <a:r>
+              <a:rPr lang="en-US" dirty="0"/>
+              <a:t> Programs</a:t>
             </a:r>
           </a:p>
           <a:p>
             <a:pPr lvl="1"/>
             <a:r>
-              <a:rPr lang="en-US" dirty="0" smtClean="0"/>
+              <a:rPr lang="en-US" dirty="0"/>
               <a:t>Coding skills learned in 601.220 are critical for 601.414/614 assignments</a:t>
             </a:r>
           </a:p>
@@ -30243,31 +30299,30 @@
           </a:p>
           <a:p>
             <a:r>
-              <a:rPr lang="en-US" dirty="0" smtClean="0"/>
+              <a:rPr lang="en-US" dirty="0"/>
               <a:t>601.229 Computer System Fundamentals</a:t>
             </a:r>
           </a:p>
           <a:p>
             <a:pPr lvl="1"/>
             <a:r>
-              <a:rPr lang="en-US" dirty="0" smtClean="0"/>
+              <a:rPr lang="en-US" dirty="0"/>
               <a:t>How do machines work?</a:t>
             </a:r>
           </a:p>
           <a:p>
             <a:pPr lvl="1"/>
             <a:r>
-              <a:rPr lang="en-US" dirty="0" smtClean="0"/>
+              <a:rPr lang="en-US" dirty="0"/>
               <a:t>Execute programs, interact with users, etc.</a:t>
             </a:r>
           </a:p>
           <a:p>
             <a:pPr lvl="1"/>
             <a:r>
-              <a:rPr lang="en-US" dirty="0" smtClean="0"/>
+              <a:rPr lang="en-US" dirty="0"/>
               <a:t>Many concepts of 601.229 will be useful</a:t>
             </a:r>
-            <a:endParaRPr lang="en-US" dirty="0"/>
           </a:p>
         </p:txBody>
       </p:sp>
@@ -30304,13 +30359,6 @@
   <p:clrMapOvr>
     <a:masterClrMapping/>
   </p:clrMapOvr>
-  <p:timing>
-    <p:tnLst>
-      <p:par>
-        <p:cTn id="1" dur="indefinite" restart="never" nodeType="tmRoot"/>
-      </p:par>
-    </p:tnLst>
-  </p:timing>
 </p:sld>
 </file>
 
@@ -30347,10 +30395,9 @@
           <a:lstStyle/>
           <a:p>
             <a:r>
-              <a:rPr lang="en-US" dirty="0" smtClean="0"/>
+              <a:rPr lang="en-US" dirty="0"/>
               <a:t>What is missing</a:t>
             </a:r>
-            <a:endParaRPr lang="en-US" dirty="0"/>
           </a:p>
         </p:txBody>
       </p:sp>
@@ -30371,70 +30418,34 @@
           <a:p>
             <a:r>
               <a:rPr lang="en-US" dirty="0"/>
-              <a:t>How do we access most services</a:t>
-            </a:r>
-            <a:r>
-              <a:rPr lang="en-US" dirty="0" smtClean="0"/>
-              <a:t>?</a:t>
+              <a:t>How do we access most services?</a:t>
             </a:r>
           </a:p>
           <a:p>
             <a:pPr lvl="1"/>
             <a:r>
-              <a:rPr lang="en-US" dirty="0" smtClean="0"/>
-              <a:t>Examples </a:t>
-            </a:r>
-            <a:r>
               <a:rPr lang="en-US" dirty="0"/>
-              <a:t>include search engines, social networks, video streaming, etc</a:t>
-            </a:r>
-            <a:r>
-              <a:rPr lang="en-US" dirty="0" smtClean="0"/>
-              <a:t>.</a:t>
-            </a:r>
-          </a:p>
-          <a:p>
-            <a:r>
-              <a:rPr lang="en-US" dirty="0" smtClean="0"/>
-              <a:t>How </a:t>
-            </a:r>
+              <a:t>Examples include search engines, social networks, video streaming, etc.</a:t>
+            </a:r>
+          </a:p>
+          <a:p>
             <a:r>
               <a:rPr lang="en-US" dirty="0"/>
-              <a:t>do two machines communicate</a:t>
-            </a:r>
-            <a:r>
-              <a:rPr lang="en-US" dirty="0" smtClean="0"/>
-              <a:t>?</a:t>
+              <a:t>How do two machines communicate?</a:t>
             </a:r>
           </a:p>
           <a:p>
             <a:pPr lvl="1"/>
             <a:r>
-              <a:rPr lang="en-US" dirty="0" smtClean="0"/>
-              <a:t>When </a:t>
-            </a:r>
-            <a:r>
               <a:rPr lang="en-US" dirty="0"/>
-              <a:t>they are directly </a:t>
-            </a:r>
-            <a:r>
-              <a:rPr lang="en-US" dirty="0" smtClean="0"/>
-              <a:t>connected</a:t>
+              <a:t>When they are directly connected</a:t>
             </a:r>
           </a:p>
           <a:p>
             <a:pPr lvl="1"/>
             <a:r>
-              <a:rPr lang="en-US" dirty="0" smtClean="0"/>
-              <a:t>When </a:t>
-            </a:r>
-            <a:r>
               <a:rPr lang="en-US" dirty="0"/>
-              <a:t>they are not directly </a:t>
-            </a:r>
-            <a:r>
-              <a:rPr lang="en-US" dirty="0" smtClean="0"/>
-              <a:t>connected</a:t>
+              <a:t>When they are not directly connected</a:t>
             </a:r>
           </a:p>
           <a:p>
@@ -30442,12 +30453,8 @@
           </a:p>
           <a:p>
             <a:r>
-              <a:rPr lang="en-US" dirty="0" smtClean="0"/>
-              <a:t>Using </a:t>
-            </a:r>
-            <a:r>
               <a:rPr lang="en-US" dirty="0"/>
-              <a:t>a network</a:t>
+              <a:t>Using a network</a:t>
             </a:r>
           </a:p>
         </p:txBody>
@@ -30794,10 +30801,9 @@
           <a:lstStyle/>
           <a:p>
             <a:r>
-              <a:rPr lang="en-US" dirty="0" smtClean="0"/>
+              <a:rPr lang="en-US" dirty="0"/>
               <a:t>What is a network?</a:t>
             </a:r>
-            <a:endParaRPr lang="en-US" dirty="0"/>
           </a:p>
         </p:txBody>
       </p:sp>
@@ -30818,36 +30824,28 @@
           <a:p>
             <a:r>
               <a:rPr lang="en-US" dirty="0"/>
-              <a:t>A system of “links” that interconnect “nodes” in order to move “information” between </a:t>
-            </a:r>
-            <a:r>
-              <a:rPr lang="en-US" dirty="0" smtClean="0"/>
-              <a:t>nodes</a:t>
+              <a:t>A system of “links” that interconnect “nodes” in order to move “information” between nodes</a:t>
             </a:r>
           </a:p>
           <a:p>
             <a:endParaRPr lang="en-US" dirty="0"/>
           </a:p>
           <a:p>
-            <a:endParaRPr lang="en-US" dirty="0" smtClean="0"/>
-          </a:p>
-          <a:p>
             <a:endParaRPr lang="en-US" dirty="0"/>
           </a:p>
           <a:p>
-            <a:endParaRPr lang="en-US" dirty="0" smtClean="0"/>
-          </a:p>
-          <a:p>
             <a:endParaRPr lang="en-US" dirty="0"/>
           </a:p>
           <a:p>
-            <a:r>
-              <a:rPr lang="en-US" dirty="0" smtClean="0"/>
-              <a:t>Yes</a:t>
-            </a:r>
+            <a:endParaRPr lang="en-US" dirty="0"/>
+          </a:p>
+          <a:p>
+            <a:endParaRPr lang="en-US" dirty="0"/>
+          </a:p>
+          <a:p>
             <a:r>
               <a:rPr lang="en-US" dirty="0"/>
-              <a:t>, this is very vague</a:t>
+              <a:t>Yes, this is very vague</a:t>
             </a:r>
           </a:p>
         </p:txBody>
@@ -31958,10 +31956,9 @@
           <a:lstStyle/>
           <a:p>
             <a:r>
-              <a:rPr lang="en-US" dirty="0" smtClean="0"/>
+              <a:rPr lang="en-US" dirty="0"/>
               <a:t>There are many different types of networks</a:t>
             </a:r>
-            <a:endParaRPr lang="en-US" dirty="0"/>
           </a:p>
         </p:txBody>
       </p:sp>
@@ -31981,28 +31978,27 @@
           <a:lstStyle/>
           <a:p>
             <a:r>
-              <a:rPr lang="en-US" dirty="0" smtClean="0"/>
+              <a:rPr lang="en-US" dirty="0"/>
               <a:t>Internet</a:t>
             </a:r>
           </a:p>
           <a:p>
             <a:r>
-              <a:rPr lang="en-US" dirty="0" smtClean="0"/>
+              <a:rPr lang="en-US" dirty="0"/>
               <a:t>Telephone network</a:t>
             </a:r>
           </a:p>
           <a:p>
             <a:r>
-              <a:rPr lang="en-US" dirty="0" smtClean="0"/>
+              <a:rPr lang="en-US" dirty="0"/>
               <a:t>Transportation networks</a:t>
             </a:r>
           </a:p>
           <a:p>
             <a:r>
-              <a:rPr lang="en-US" dirty="0" smtClean="0"/>
+              <a:rPr lang="en-US" dirty="0"/>
               <a:t>Etc.</a:t>
             </a:r>
-            <a:endParaRPr lang="en-US" dirty="0"/>
           </a:p>
         </p:txBody>
       </p:sp>
@@ -32052,7 +32048,7 @@
           <a:lstStyle/>
           <a:p>
             <a:r>
-              <a:rPr lang="en-US" sz="2800" b="1" dirty="0" smtClean="0">
+              <a:rPr lang="en-US" sz="2800" b="1" dirty="0">
                 <a:solidFill>
                   <a:schemeClr val="accent5"/>
                 </a:solidFill>
@@ -32060,18 +32056,13 @@
               <a:t>We will </a:t>
             </a:r>
             <a:r>
-              <a:rPr lang="en-US" sz="2800" b="1" smtClean="0">
+              <a:rPr lang="en-US" sz="2800" b="1">
                 <a:solidFill>
                   <a:schemeClr val="accent5"/>
                 </a:solidFill>
               </a:rPr>
               <a:t>focus primarily on the Internet</a:t>
             </a:r>
-            <a:endParaRPr lang="en-US" sz="2800" b="1">
-              <a:solidFill>
-                <a:schemeClr val="accent5"/>
-              </a:solidFill>
-            </a:endParaRPr>
           </a:p>
         </p:txBody>
       </p:sp>
@@ -32085,13 +32076,6 @@
   <p:clrMapOvr>
     <a:masterClrMapping/>
   </p:clrMapOvr>
-  <p:timing>
-    <p:tnLst>
-      <p:par>
-        <p:cTn id="1" dur="indefinite" restart="never" nodeType="tmRoot"/>
-      </p:par>
-    </p:tnLst>
-  </p:timing>
 </p:sld>
 </file>
 
@@ -32128,18 +32112,13 @@
           <a:lstStyle/>
           <a:p>
             <a:r>
-              <a:rPr lang="en-US" b="1" dirty="0" smtClean="0">
+              <a:rPr lang="en-US" b="1" dirty="0">
                 <a:solidFill>
                   <a:schemeClr val="accent5"/>
                 </a:solidFill>
               </a:rPr>
               <a:t>The Internet: An Exciting Time</a:t>
             </a:r>
-            <a:endParaRPr lang="en-US" b="1" dirty="0">
-              <a:solidFill>
-                <a:schemeClr val="accent5"/>
-              </a:solidFill>
-            </a:endParaRPr>
           </a:p>
         </p:txBody>
       </p:sp>
@@ -32159,61 +32138,61 @@
           <a:lstStyle/>
           <a:p>
             <a:r>
-              <a:rPr lang="en-US" b="1" dirty="0" smtClean="0"/>
+              <a:rPr lang="en-US" b="1" dirty="0"/>
               <a:t>One of the most influential inventions</a:t>
             </a:r>
           </a:p>
           <a:p>
             <a:pPr lvl="1"/>
             <a:r>
-              <a:rPr lang="en-US" dirty="0" smtClean="0"/>
+              <a:rPr lang="en-US" dirty="0"/>
               <a:t>A research experiment that escaped from the lab</a:t>
             </a:r>
           </a:p>
           <a:p>
             <a:pPr lvl="1"/>
             <a:r>
-              <a:rPr lang="is-IS" dirty="0" smtClean="0"/>
+              <a:rPr lang="is-IS" dirty="0"/>
               <a:t>… to be a global communications infrastructure</a:t>
             </a:r>
           </a:p>
           <a:p>
             <a:r>
-              <a:rPr lang="is-IS" b="1" dirty="0" smtClean="0"/>
+              <a:rPr lang="is-IS" b="1" dirty="0"/>
               <a:t>Even wider reach</a:t>
             </a:r>
           </a:p>
           <a:p>
             <a:pPr lvl="1"/>
             <a:r>
-              <a:rPr lang="is-IS" dirty="0" smtClean="0"/>
+              <a:rPr lang="is-IS" dirty="0"/>
               <a:t>Today: more than 3 billion users</a:t>
             </a:r>
           </a:p>
           <a:p>
             <a:pPr lvl="1"/>
             <a:r>
-              <a:rPr lang="is-IS" dirty="0" smtClean="0"/>
+              <a:rPr lang="is-IS" dirty="0"/>
               <a:t>Tomorrow: more users, computers, things, ...</a:t>
             </a:r>
           </a:p>
           <a:p>
             <a:r>
-              <a:rPr lang="is-IS" b="1" dirty="0" smtClean="0"/>
+              <a:rPr lang="is-IS" b="1" dirty="0"/>
               <a:t>Near-constant innovation</a:t>
             </a:r>
           </a:p>
           <a:p>
             <a:pPr lvl="1"/>
             <a:r>
-              <a:rPr lang="is-IS" dirty="0" smtClean="0"/>
+              <a:rPr lang="is-IS" dirty="0"/>
               <a:t>Apps: Web, social networks, Bitcoin, blockchain, ... </a:t>
             </a:r>
           </a:p>
           <a:p>
             <a:pPr lvl="1"/>
             <a:r>
-              <a:rPr lang="is-IS" dirty="0" smtClean="0"/>
+              <a:rPr lang="is-IS" dirty="0"/>
               <a:t>Links: optics, WiFi, cellular, satellite, ...</a:t>
             </a:r>
             <a:endParaRPr lang="en-US" dirty="0"/>

--- a/slides/lec01_introduction.pptx
+++ b/slides/lec01_introduction.pptx
@@ -248,7 +248,7 @@
           <a:p>
             <a:fld id="{26C21ED3-A5B8-0F43-BEC8-3BB1C1D7A737}" type="datetimeFigureOut">
               <a:rPr lang="en-US" smtClean="0"/>
-              <a:t>8/31/20</a:t>
+              <a:t>9/1/20</a:t>
             </a:fld>
             <a:endParaRPr lang="en-US"/>
           </a:p>
@@ -660,6 +660,96 @@
           <a:lstStyle/>
           <a:p>
             <a:r>
+              <a:rPr lang="en-US" dirty="0">
+                <a:hlinkClick r:id="rId3"/>
+              </a:rPr>
+              <a:t>https://www.statista.com/statistics/617136/digital-population-worldwide/</a:t>
+            </a:r>
+            <a:endParaRPr lang="en-US" dirty="0"/>
+          </a:p>
+        </p:txBody>
+      </p:sp>
+      <p:sp>
+        <p:nvSpPr>
+          <p:cNvPr id="4" name="Slide Number Placeholder 3"/>
+          <p:cNvSpPr>
+            <a:spLocks noGrp="1"/>
+          </p:cNvSpPr>
+          <p:nvPr>
+            <p:ph type="sldNum" sz="quarter" idx="5"/>
+          </p:nvPr>
+        </p:nvSpPr>
+        <p:spPr/>
+        <p:txBody>
+          <a:bodyPr/>
+          <a:lstStyle/>
+          <a:p>
+            <a:fld id="{E341FF0E-6A16-9846-9D25-5326C9261782}" type="slidenum">
+              <a:rPr lang="en-US" smtClean="0"/>
+              <a:t>20</a:t>
+            </a:fld>
+            <a:endParaRPr lang="en-US"/>
+          </a:p>
+        </p:txBody>
+      </p:sp>
+    </p:spTree>
+    <p:extLst>
+      <p:ext uri="{BB962C8B-B14F-4D97-AF65-F5344CB8AC3E}">
+        <p14:creationId xmlns:p14="http://schemas.microsoft.com/office/powerpoint/2010/main" val="2143612528"/>
+      </p:ext>
+    </p:extLst>
+  </p:cSld>
+  <p:clrMapOvr>
+    <a:masterClrMapping/>
+  </p:clrMapOvr>
+</p:notes>
+</file>
+
+<file path=ppt/notesSlides/notesSlide3.xml><?xml version="1.0" encoding="utf-8"?>
+<p:notes xmlns:a="http://schemas.openxmlformats.org/drawingml/2006/main" xmlns:r="http://schemas.openxmlformats.org/officeDocument/2006/relationships" xmlns:p="http://schemas.openxmlformats.org/presentationml/2006/main">
+  <p:cSld>
+    <p:spTree>
+      <p:nvGrpSpPr>
+        <p:cNvPr id="1" name=""/>
+        <p:cNvGrpSpPr/>
+        <p:nvPr/>
+      </p:nvGrpSpPr>
+      <p:grpSpPr>
+        <a:xfrm>
+          <a:off x="0" y="0"/>
+          <a:ext cx="0" cy="0"/>
+          <a:chOff x="0" y="0"/>
+          <a:chExt cx="0" cy="0"/>
+        </a:xfrm>
+      </p:grpSpPr>
+      <p:sp>
+        <p:nvSpPr>
+          <p:cNvPr id="2" name="Slide Image Placeholder 1"/>
+          <p:cNvSpPr>
+            <a:spLocks noGrp="1" noRot="1" noChangeAspect="1"/>
+          </p:cNvSpPr>
+          <p:nvPr>
+            <p:ph type="sldImg"/>
+          </p:nvPr>
+        </p:nvSpPr>
+        <p:spPr/>
+      </p:sp>
+      <p:sp>
+        <p:nvSpPr>
+          <p:cNvPr id="3" name="Notes Placeholder 2"/>
+          <p:cNvSpPr>
+            <a:spLocks noGrp="1"/>
+          </p:cNvSpPr>
+          <p:nvPr>
+            <p:ph type="body" idx="1"/>
+          </p:nvPr>
+        </p:nvSpPr>
+        <p:spPr/>
+        <p:txBody>
+          <a:bodyPr/>
+          <a:lstStyle/>
+          <a:p>
+            <a:r>
               <a:rPr lang="en-US" dirty="0"/>
               <a:t>virtualization</a:t>
             </a:r>
@@ -833,7 +923,7 @@
           <a:p>
             <a:fld id="{ECF56177-CEF1-0141-836F-3867E7E9C1D8}" type="datetime1">
               <a:rPr lang="en-US" smtClean="0"/>
-              <a:t>8/31/20</a:t>
+              <a:t>9/1/20</a:t>
             </a:fld>
             <a:endParaRPr lang="en-US"/>
           </a:p>
@@ -1003,7 +1093,7 @@
           <a:p>
             <a:fld id="{4CDC8FB9-92E9-4C40-A76A-6D1CDAB665BB}" type="datetime1">
               <a:rPr lang="en-US" smtClean="0"/>
-              <a:t>8/31/20</a:t>
+              <a:t>9/1/20</a:t>
             </a:fld>
             <a:endParaRPr lang="en-US"/>
           </a:p>
@@ -1183,7 +1273,7 @@
           <a:p>
             <a:fld id="{F8F03505-CCE7-CA4C-B4F1-35193B6B5156}" type="datetime1">
               <a:rPr lang="en-US" smtClean="0"/>
-              <a:t>8/31/20</a:t>
+              <a:t>9/1/20</a:t>
             </a:fld>
             <a:endParaRPr lang="en-US"/>
           </a:p>
@@ -1353,7 +1443,7 @@
           <a:p>
             <a:fld id="{A02E57FB-CD21-0942-A714-152EC4568E9D}" type="datetime1">
               <a:rPr lang="en-US" smtClean="0"/>
-              <a:t>8/31/20</a:t>
+              <a:t>9/1/20</a:t>
             </a:fld>
             <a:endParaRPr lang="en-US"/>
           </a:p>
@@ -1597,7 +1687,7 @@
           <a:p>
             <a:fld id="{77AD2927-A654-D74D-A6C0-BF96EF7229C7}" type="datetime1">
               <a:rPr lang="en-US" smtClean="0"/>
-              <a:t>8/31/20</a:t>
+              <a:t>9/1/20</a:t>
             </a:fld>
             <a:endParaRPr lang="en-US"/>
           </a:p>
@@ -1829,7 +1919,7 @@
           <a:p>
             <a:fld id="{37B554B6-7788-2348-9289-7CAD598A9555}" type="datetime1">
               <a:rPr lang="en-US" smtClean="0"/>
-              <a:t>8/31/20</a:t>
+              <a:t>9/1/20</a:t>
             </a:fld>
             <a:endParaRPr lang="en-US"/>
           </a:p>
@@ -2196,7 +2286,7 @@
           <a:p>
             <a:fld id="{CCE331CB-FA13-3243-AD80-8733E43C7C1F}" type="datetime1">
               <a:rPr lang="en-US" smtClean="0"/>
-              <a:t>8/31/20</a:t>
+              <a:t>9/1/20</a:t>
             </a:fld>
             <a:endParaRPr lang="en-US"/>
           </a:p>
@@ -2314,7 +2404,7 @@
           <a:p>
             <a:fld id="{C0172A9A-4F1F-854A-9B1E-96AFCC4A9B03}" type="datetime1">
               <a:rPr lang="en-US" smtClean="0"/>
-              <a:t>8/31/20</a:t>
+              <a:t>9/1/20</a:t>
             </a:fld>
             <a:endParaRPr lang="en-US"/>
           </a:p>
@@ -2409,7 +2499,7 @@
           <a:p>
             <a:fld id="{2D504595-1B90-0F4A-A1D0-6609637EC4CD}" type="datetime1">
               <a:rPr lang="en-US" smtClean="0"/>
-              <a:t>8/31/20</a:t>
+              <a:t>9/1/20</a:t>
             </a:fld>
             <a:endParaRPr lang="en-US"/>
           </a:p>
@@ -2686,7 +2776,7 @@
           <a:p>
             <a:fld id="{F48EB26F-796F-BD4B-9EC5-A039FE9C305B}" type="datetime1">
               <a:rPr lang="en-US" smtClean="0"/>
-              <a:t>8/31/20</a:t>
+              <a:t>9/1/20</a:t>
             </a:fld>
             <a:endParaRPr lang="en-US"/>
           </a:p>
@@ -2943,7 +3033,7 @@
           <a:p>
             <a:fld id="{CDC2C28A-C946-0143-970B-84B8FE5654F4}" type="datetime1">
               <a:rPr lang="en-US" smtClean="0"/>
-              <a:t>8/31/20</a:t>
+              <a:t>9/1/20</a:t>
             </a:fld>
             <a:endParaRPr lang="en-US"/>
           </a:p>
@@ -3154,7 +3244,7 @@
           <a:p>
             <a:fld id="{A831EFE4-169C-9248-BC74-4797ECDAE130}" type="datetime1">
               <a:rPr lang="en-US" smtClean="0"/>
-              <a:t>8/31/20</a:t>
+              <a:t>9/1/20</a:t>
             </a:fld>
             <a:endParaRPr lang="en-US"/>
           </a:p>
@@ -4021,7 +4111,7 @@
             <a:pPr lvl="1"/>
             <a:r>
               <a:rPr lang="is-IS" dirty="0"/>
-              <a:t>Wikipedia, MOOCs, search engines, ...</a:t>
+              <a:t>Zoom, Wikipedia, MOOCs, search engines, ...</a:t>
             </a:r>
           </a:p>
           <a:p>
@@ -25521,11 +25611,11 @@
                   <a:schemeClr val="accent5"/>
                 </a:solidFill>
               </a:rPr>
-              <a:t>4.2 Billion </a:t>
+              <a:t>4.47 Billion </a:t>
             </a:r>
             <a:r>
               <a:rPr lang="en-US" dirty="0"/>
-              <a:t>users (55% of world population)</a:t>
+              <a:t>users (59% of world population)</a:t>
             </a:r>
           </a:p>
           <a:p>
@@ -25601,23 +25691,7 @@
                   <a:schemeClr val="accent5"/>
                 </a:solidFill>
               </a:rPr>
-              <a:t>.</a:t>
-            </a:r>
-            <a:r>
-              <a:rPr lang="en-US" altLang="zh-CN" dirty="0">
-                <a:solidFill>
-                  <a:schemeClr val="accent5"/>
-                </a:solidFill>
-              </a:rPr>
-              <a:t>2</a:t>
-            </a:r>
-            <a:r>
-              <a:rPr lang="en-US" dirty="0">
-                <a:solidFill>
-                  <a:schemeClr val="accent5"/>
-                </a:solidFill>
-              </a:rPr>
-              <a:t> Billion </a:t>
+              <a:t>.7 Billion </a:t>
             </a:r>
             <a:r>
               <a:rPr lang="en-US" dirty="0"/>
@@ -28426,7 +28500,7 @@
             <a:pPr lvl="1"/>
             <a:r>
               <a:rPr lang="en-US" dirty="0"/>
-              <a:t>Small quiz in class</a:t>
+              <a:t>Group discussion in class</a:t>
             </a:r>
           </a:p>
           <a:p>
@@ -29428,7 +29502,7 @@
             <a:pPr lvl="1"/>
             <a:r>
               <a:rPr lang="en-US" dirty="0"/>
-              <a:t>Discuss a question related to the lecture in groups at the end of each class</a:t>
+              <a:t>Discuss questions related to the lecture in groups at the end of each class</a:t>
             </a:r>
           </a:p>
           <a:p>
@@ -29574,7 +29648,7 @@
             <a:pPr lvl="1"/>
             <a:r>
               <a:rPr lang="en-US" dirty="0"/>
-              <a:t>Post your questions in the chat window if you do not want to be part of the recording</a:t>
+              <a:t>Post your questions in the Zoom chat window if you do not want to be part of the recording</a:t>
             </a:r>
           </a:p>
           <a:p>
@@ -29742,7 +29816,7 @@
             <a:pPr lvl="1"/>
             <a:r>
               <a:rPr lang="en-US" dirty="0"/>
-              <a:t>Can anything you will learn from this course help?</a:t>
+              <a:t>What network technologies can potentially help?</a:t>
             </a:r>
           </a:p>
           <a:p>
@@ -32166,7 +32240,7 @@
             <a:pPr lvl="1"/>
             <a:r>
               <a:rPr lang="is-IS" dirty="0"/>
-              <a:t>Today: more than 3 billion users</a:t>
+              <a:t>Today: more than 4 billion users</a:t>
             </a:r>
           </a:p>
           <a:p>
@@ -32219,6 +32293,72 @@
               <a:t>9</a:t>
             </a:fld>
             <a:endParaRPr lang="en-US"/>
+          </a:p>
+        </p:txBody>
+      </p:sp>
+      <p:pic>
+        <p:nvPicPr>
+          <p:cNvPr id="5" name="Picture 4">
+            <a:extLst>
+              <a:ext uri="{FF2B5EF4-FFF2-40B4-BE49-F238E27FC236}">
+                <a16:creationId xmlns:a16="http://schemas.microsoft.com/office/drawing/2014/main" id="{81BD4A8A-F611-E74B-B731-8BB6CDE4DCED}"/>
+              </a:ext>
+            </a:extLst>
+          </p:cNvPr>
+          <p:cNvPicPr>
+            <a:picLocks noChangeAspect="1"/>
+          </p:cNvPicPr>
+          <p:nvPr/>
+        </p:nvPicPr>
+        <p:blipFill>
+          <a:blip r:embed="rId2"/>
+          <a:stretch>
+            <a:fillRect/>
+          </a:stretch>
+        </p:blipFill>
+        <p:spPr>
+          <a:xfrm>
+            <a:off x="6781800" y="5386388"/>
+            <a:ext cx="1860549" cy="1395412"/>
+          </a:xfrm>
+          <a:prstGeom prst="rect">
+            <a:avLst/>
+          </a:prstGeom>
+        </p:spPr>
+      </p:pic>
+      <p:sp>
+        <p:nvSpPr>
+          <p:cNvPr id="9" name="TextBox 8">
+            <a:extLst>
+              <a:ext uri="{FF2B5EF4-FFF2-40B4-BE49-F238E27FC236}">
+                <a16:creationId xmlns:a16="http://schemas.microsoft.com/office/drawing/2014/main" id="{51056A76-E07F-0149-933F-1F0D707834E5}"/>
+              </a:ext>
+            </a:extLst>
+          </p:cNvPr>
+          <p:cNvSpPr txBox="1"/>
+          <p:nvPr/>
+        </p:nvSpPr>
+        <p:spPr>
+          <a:xfrm>
+            <a:off x="5894634" y="6400800"/>
+            <a:ext cx="887166" cy="369332"/>
+          </a:xfrm>
+          <a:prstGeom prst="rect">
+            <a:avLst/>
+          </a:prstGeom>
+          <a:noFill/>
+        </p:spPr>
+        <p:txBody>
+          <a:bodyPr wrap="none" rtlCol="0">
+            <a:spAutoFit/>
+          </a:bodyPr>
+          <a:lstStyle/>
+          <a:p>
+            <a:r>
+              <a:rPr lang="en-US" dirty="0" err="1"/>
+              <a:t>Starlink</a:t>
+            </a:r>
+            <a:endParaRPr lang="en-US" dirty="0"/>
           </a:p>
         </p:txBody>
       </p:sp>
@@ -32567,6 +32707,60 @@
                                   </p:childTnLst>
                                 </p:cTn>
                               </p:par>
+                              <p:par>
+                                <p:cTn id="27" presetID="1" presetClass="entr" presetSubtype="0" fill="hold" grpId="0" nodeType="withEffect">
+                                  <p:stCondLst>
+                                    <p:cond delay="0"/>
+                                  </p:stCondLst>
+                                  <p:childTnLst>
+                                    <p:set>
+                                      <p:cBhvr>
+                                        <p:cTn id="28" dur="1" fill="hold">
+                                          <p:stCondLst>
+                                            <p:cond delay="0"/>
+                                          </p:stCondLst>
+                                        </p:cTn>
+                                        <p:tgtEl>
+                                          <p:spTgt spid="9"/>
+                                        </p:tgtEl>
+                                        <p:attrNameLst>
+                                          <p:attrName>style.visibility</p:attrName>
+                                        </p:attrNameLst>
+                                      </p:cBhvr>
+                                      <p:to>
+                                        <p:strVal val="visible"/>
+                                      </p:to>
+                                    </p:set>
+                                  </p:childTnLst>
+                                </p:cTn>
+                              </p:par>
+                              <p:par>
+                                <p:cTn id="29" presetID="1" presetClass="entr" presetSubtype="0" fill="hold" nodeType="withEffect">
+                                  <p:stCondLst>
+                                    <p:cond delay="0"/>
+                                  </p:stCondLst>
+                                  <p:childTnLst>
+                                    <p:set>
+                                      <p:cBhvr>
+                                        <p:cTn id="30" dur="1" fill="hold">
+                                          <p:stCondLst>
+                                            <p:cond delay="0"/>
+                                          </p:stCondLst>
+                                        </p:cTn>
+                                        <p:tgtEl>
+                                          <p:spTgt spid="5"/>
+                                        </p:tgtEl>
+                                        <p:attrNameLst>
+                                          <p:attrName>style.visibility</p:attrName>
+                                        </p:attrNameLst>
+                                      </p:cBhvr>
+                                      <p:to>
+                                        <p:strVal val="visible"/>
+                                      </p:to>
+                                    </p:set>
+                                  </p:childTnLst>
+                                </p:cTn>
+                              </p:par>
                             </p:childTnLst>
                           </p:cTn>
                         </p:par>
@@ -32596,6 +32790,7 @@
     </p:tnLst>
     <p:bldLst>
       <p:bldP spid="3" grpId="0" uiExpand="1" build="p"/>
+      <p:bldP spid="9" grpId="0"/>
     </p:bldLst>
   </p:timing>
 </p:sld>
